--- a/Ausarbeitungen-Projektdoku/Miniposter.pptx
+++ b/Ausarbeitungen-Projektdoku/Miniposter.pptx
@@ -4,6 +4,9 @@
   <p:sldMasterIdLst>
     <p:sldMasterId id="2147483648" r:id="rId1"/>
   </p:sldMasterIdLst>
+  <p:notesMasterIdLst>
+    <p:notesMasterId r:id="rId3"/>
+  </p:notesMasterIdLst>
   <p:sldIdLst>
     <p:sldId id="256" r:id="rId2"/>
   </p:sldIdLst>
@@ -104,7 +107,457 @@
       </a:defRPr>
     </a:lvl9pPr>
   </p:defaultTextStyle>
+  <p:extLst>
+    <p:ext uri="{EFAFB233-063F-42B5-8137-9DF3F51BA10A}">
+      <p15:sldGuideLst xmlns:p15="http://schemas.microsoft.com/office/powerpoint/2012/main">
+        <p15:guide id="1" orient="horz" pos="13483">
+          <p15:clr>
+            <a:srgbClr val="A4A3A4"/>
+          </p15:clr>
+        </p15:guide>
+        <p15:guide id="2" pos="9537">
+          <p15:clr>
+            <a:srgbClr val="A4A3A4"/>
+          </p15:clr>
+        </p15:guide>
+      </p15:sldGuideLst>
+    </p:ext>
+  </p:extLst>
 </p:presentation>
+</file>
+
+<file path=ppt/notesMasters/notesMaster1.xml><?xml version="1.0" encoding="utf-8"?>
+<p:notesMaster xmlns:a="http://schemas.openxmlformats.org/drawingml/2006/main" xmlns:r="http://schemas.openxmlformats.org/officeDocument/2006/relationships" xmlns:p="http://schemas.openxmlformats.org/presentationml/2006/main">
+  <p:cSld>
+    <p:bg>
+      <p:bgRef idx="1001">
+        <a:schemeClr val="bg1"/>
+      </p:bgRef>
+    </p:bg>
+    <p:spTree>
+      <p:nvGrpSpPr>
+        <p:cNvPr id="1" name=""/>
+        <p:cNvGrpSpPr/>
+        <p:nvPr/>
+      </p:nvGrpSpPr>
+      <p:grpSpPr>
+        <a:xfrm>
+          <a:off x="0" y="0"/>
+          <a:ext cx="0" cy="0"/>
+          <a:chOff x="0" y="0"/>
+          <a:chExt cx="0" cy="0"/>
+        </a:xfrm>
+      </p:grpSpPr>
+      <p:sp>
+        <p:nvSpPr>
+          <p:cNvPr id="2" name="Kopfzeilenplatzhalter 1"/>
+          <p:cNvSpPr>
+            <a:spLocks noGrp="1"/>
+          </p:cNvSpPr>
+          <p:nvPr>
+            <p:ph type="hdr" sz="quarter"/>
+          </p:nvPr>
+        </p:nvSpPr>
+        <p:spPr>
+          <a:xfrm>
+            <a:off x="0" y="0"/>
+            <a:ext cx="2971800" cy="458788"/>
+          </a:xfrm>
+          <a:prstGeom prst="rect">
+            <a:avLst/>
+          </a:prstGeom>
+        </p:spPr>
+        <p:txBody>
+          <a:bodyPr vert="horz" lIns="91440" tIns="45720" rIns="91440" bIns="45720" rtlCol="0"/>
+          <a:lstStyle>
+            <a:lvl1pPr algn="l">
+              <a:defRPr sz="1200"/>
+            </a:lvl1pPr>
+          </a:lstStyle>
+          <a:p>
+            <a:endParaRPr lang="de-DE"/>
+          </a:p>
+        </p:txBody>
+      </p:sp>
+      <p:sp>
+        <p:nvSpPr>
+          <p:cNvPr id="3" name="Datumsplatzhalter 2"/>
+          <p:cNvSpPr>
+            <a:spLocks noGrp="1"/>
+          </p:cNvSpPr>
+          <p:nvPr>
+            <p:ph type="dt" idx="1"/>
+          </p:nvPr>
+        </p:nvSpPr>
+        <p:spPr>
+          <a:xfrm>
+            <a:off x="3884613" y="0"/>
+            <a:ext cx="2971800" cy="458788"/>
+          </a:xfrm>
+          <a:prstGeom prst="rect">
+            <a:avLst/>
+          </a:prstGeom>
+        </p:spPr>
+        <p:txBody>
+          <a:bodyPr vert="horz" lIns="91440" tIns="45720" rIns="91440" bIns="45720" rtlCol="0"/>
+          <a:lstStyle>
+            <a:lvl1pPr algn="r">
+              <a:defRPr sz="1200"/>
+            </a:lvl1pPr>
+          </a:lstStyle>
+          <a:p>
+            <a:fld id="{381CEBEB-8E17-436E-B953-91520D649C80}" type="datetimeFigureOut">
+              <a:rPr lang="de-DE" smtClean="0"/>
+              <a:t>06.01.2016</a:t>
+            </a:fld>
+            <a:endParaRPr lang="de-DE"/>
+          </a:p>
+        </p:txBody>
+      </p:sp>
+      <p:sp>
+        <p:nvSpPr>
+          <p:cNvPr id="4" name="Folienbildplatzhalter 3"/>
+          <p:cNvSpPr>
+            <a:spLocks noGrp="1" noRot="1" noChangeAspect="1"/>
+          </p:cNvSpPr>
+          <p:nvPr>
+            <p:ph type="sldImg" idx="2"/>
+          </p:nvPr>
+        </p:nvSpPr>
+        <p:spPr>
+          <a:xfrm>
+            <a:off x="2336800" y="1143000"/>
+            <a:ext cx="2184400" cy="3086100"/>
+          </a:xfrm>
+          <a:prstGeom prst="rect">
+            <a:avLst/>
+          </a:prstGeom>
+          <a:noFill/>
+          <a:ln w="12700">
+            <a:solidFill>
+              <a:prstClr val="black"/>
+            </a:solidFill>
+          </a:ln>
+        </p:spPr>
+        <p:txBody>
+          <a:bodyPr vert="horz" lIns="91440" tIns="45720" rIns="91440" bIns="45720" rtlCol="0" anchor="ctr"/>
+          <a:lstStyle/>
+          <a:p>
+            <a:endParaRPr lang="de-DE"/>
+          </a:p>
+        </p:txBody>
+      </p:sp>
+      <p:sp>
+        <p:nvSpPr>
+          <p:cNvPr id="5" name="Notizenplatzhalter 4"/>
+          <p:cNvSpPr>
+            <a:spLocks noGrp="1"/>
+          </p:cNvSpPr>
+          <p:nvPr>
+            <p:ph type="body" sz="quarter" idx="3"/>
+          </p:nvPr>
+        </p:nvSpPr>
+        <p:spPr>
+          <a:xfrm>
+            <a:off x="685800" y="4400550"/>
+            <a:ext cx="5486400" cy="3600450"/>
+          </a:xfrm>
+          <a:prstGeom prst="rect">
+            <a:avLst/>
+          </a:prstGeom>
+        </p:spPr>
+        <p:txBody>
+          <a:bodyPr vert="horz" lIns="91440" tIns="45720" rIns="91440" bIns="45720" rtlCol="0"/>
+          <a:lstStyle/>
+          <a:p>
+            <a:pPr lvl="0"/>
+            <a:r>
+              <a:rPr lang="de-DE" smtClean="0"/>
+              <a:t>Textmasterformat bearbeiten</a:t>
+            </a:r>
+          </a:p>
+          <a:p>
+            <a:pPr lvl="1"/>
+            <a:r>
+              <a:rPr lang="de-DE" smtClean="0"/>
+              <a:t>Zweite Ebene</a:t>
+            </a:r>
+          </a:p>
+          <a:p>
+            <a:pPr lvl="2"/>
+            <a:r>
+              <a:rPr lang="de-DE" smtClean="0"/>
+              <a:t>Dritte Ebene</a:t>
+            </a:r>
+          </a:p>
+          <a:p>
+            <a:pPr lvl="3"/>
+            <a:r>
+              <a:rPr lang="de-DE" smtClean="0"/>
+              <a:t>Vierte Ebene</a:t>
+            </a:r>
+          </a:p>
+          <a:p>
+            <a:pPr lvl="4"/>
+            <a:r>
+              <a:rPr lang="de-DE" smtClean="0"/>
+              <a:t>Fünfte Ebene</a:t>
+            </a:r>
+            <a:endParaRPr lang="de-DE"/>
+          </a:p>
+        </p:txBody>
+      </p:sp>
+      <p:sp>
+        <p:nvSpPr>
+          <p:cNvPr id="6" name="Fußzeilenplatzhalter 5"/>
+          <p:cNvSpPr>
+            <a:spLocks noGrp="1"/>
+          </p:cNvSpPr>
+          <p:nvPr>
+            <p:ph type="ftr" sz="quarter" idx="4"/>
+          </p:nvPr>
+        </p:nvSpPr>
+        <p:spPr>
+          <a:xfrm>
+            <a:off x="0" y="8685213"/>
+            <a:ext cx="2971800" cy="458787"/>
+          </a:xfrm>
+          <a:prstGeom prst="rect">
+            <a:avLst/>
+          </a:prstGeom>
+        </p:spPr>
+        <p:txBody>
+          <a:bodyPr vert="horz" lIns="91440" tIns="45720" rIns="91440" bIns="45720" rtlCol="0" anchor="b"/>
+          <a:lstStyle>
+            <a:lvl1pPr algn="l">
+              <a:defRPr sz="1200"/>
+            </a:lvl1pPr>
+          </a:lstStyle>
+          <a:p>
+            <a:endParaRPr lang="de-DE"/>
+          </a:p>
+        </p:txBody>
+      </p:sp>
+      <p:sp>
+        <p:nvSpPr>
+          <p:cNvPr id="7" name="Foliennummernplatzhalter 6"/>
+          <p:cNvSpPr>
+            <a:spLocks noGrp="1"/>
+          </p:cNvSpPr>
+          <p:nvPr>
+            <p:ph type="sldNum" sz="quarter" idx="5"/>
+          </p:nvPr>
+        </p:nvSpPr>
+        <p:spPr>
+          <a:xfrm>
+            <a:off x="3884613" y="8685213"/>
+            <a:ext cx="2971800" cy="458787"/>
+          </a:xfrm>
+          <a:prstGeom prst="rect">
+            <a:avLst/>
+          </a:prstGeom>
+        </p:spPr>
+        <p:txBody>
+          <a:bodyPr vert="horz" lIns="91440" tIns="45720" rIns="91440" bIns="45720" rtlCol="0" anchor="b"/>
+          <a:lstStyle>
+            <a:lvl1pPr algn="r">
+              <a:defRPr sz="1200"/>
+            </a:lvl1pPr>
+          </a:lstStyle>
+          <a:p>
+            <a:fld id="{855B8EC5-3588-4C24-8F24-3673DC92CD23}" type="slidenum">
+              <a:rPr lang="de-DE" smtClean="0"/>
+              <a:t>‹Nr.›</a:t>
+            </a:fld>
+            <a:endParaRPr lang="de-DE"/>
+          </a:p>
+        </p:txBody>
+      </p:sp>
+    </p:spTree>
+    <p:extLst>
+      <p:ext uri="{BB962C8B-B14F-4D97-AF65-F5344CB8AC3E}">
+        <p14:creationId xmlns:p14="http://schemas.microsoft.com/office/powerpoint/2010/main" val="3201260012"/>
+      </p:ext>
+    </p:extLst>
+  </p:cSld>
+  <p:clrMap bg1="lt1" tx1="dk1" bg2="lt2" tx2="dk2" accent1="accent1" accent2="accent2" accent3="accent3" accent4="accent4" accent5="accent5" accent6="accent6" hlink="hlink" folHlink="folHlink"/>
+  <p:notesStyle>
+    <a:lvl1pPr marL="0" algn="l" defTabSz="914400" rtl="0" eaLnBrk="1" latinLnBrk="0" hangingPunct="1">
+      <a:defRPr sz="1200" kern="1200">
+        <a:solidFill>
+          <a:schemeClr val="tx1"/>
+        </a:solidFill>
+        <a:latin typeface="+mn-lt"/>
+        <a:ea typeface="+mn-ea"/>
+        <a:cs typeface="+mn-cs"/>
+      </a:defRPr>
+    </a:lvl1pPr>
+    <a:lvl2pPr marL="457200" algn="l" defTabSz="914400" rtl="0" eaLnBrk="1" latinLnBrk="0" hangingPunct="1">
+      <a:defRPr sz="1200" kern="1200">
+        <a:solidFill>
+          <a:schemeClr val="tx1"/>
+        </a:solidFill>
+        <a:latin typeface="+mn-lt"/>
+        <a:ea typeface="+mn-ea"/>
+        <a:cs typeface="+mn-cs"/>
+      </a:defRPr>
+    </a:lvl2pPr>
+    <a:lvl3pPr marL="914400" algn="l" defTabSz="914400" rtl="0" eaLnBrk="1" latinLnBrk="0" hangingPunct="1">
+      <a:defRPr sz="1200" kern="1200">
+        <a:solidFill>
+          <a:schemeClr val="tx1"/>
+        </a:solidFill>
+        <a:latin typeface="+mn-lt"/>
+        <a:ea typeface="+mn-ea"/>
+        <a:cs typeface="+mn-cs"/>
+      </a:defRPr>
+    </a:lvl3pPr>
+    <a:lvl4pPr marL="1371600" algn="l" defTabSz="914400" rtl="0" eaLnBrk="1" latinLnBrk="0" hangingPunct="1">
+      <a:defRPr sz="1200" kern="1200">
+        <a:solidFill>
+          <a:schemeClr val="tx1"/>
+        </a:solidFill>
+        <a:latin typeface="+mn-lt"/>
+        <a:ea typeface="+mn-ea"/>
+        <a:cs typeface="+mn-cs"/>
+      </a:defRPr>
+    </a:lvl4pPr>
+    <a:lvl5pPr marL="1828800" algn="l" defTabSz="914400" rtl="0" eaLnBrk="1" latinLnBrk="0" hangingPunct="1">
+      <a:defRPr sz="1200" kern="1200">
+        <a:solidFill>
+          <a:schemeClr val="tx1"/>
+        </a:solidFill>
+        <a:latin typeface="+mn-lt"/>
+        <a:ea typeface="+mn-ea"/>
+        <a:cs typeface="+mn-cs"/>
+      </a:defRPr>
+    </a:lvl5pPr>
+    <a:lvl6pPr marL="2286000" algn="l" defTabSz="914400" rtl="0" eaLnBrk="1" latinLnBrk="0" hangingPunct="1">
+      <a:defRPr sz="1200" kern="1200">
+        <a:solidFill>
+          <a:schemeClr val="tx1"/>
+        </a:solidFill>
+        <a:latin typeface="+mn-lt"/>
+        <a:ea typeface="+mn-ea"/>
+        <a:cs typeface="+mn-cs"/>
+      </a:defRPr>
+    </a:lvl6pPr>
+    <a:lvl7pPr marL="2743200" algn="l" defTabSz="914400" rtl="0" eaLnBrk="1" latinLnBrk="0" hangingPunct="1">
+      <a:defRPr sz="1200" kern="1200">
+        <a:solidFill>
+          <a:schemeClr val="tx1"/>
+        </a:solidFill>
+        <a:latin typeface="+mn-lt"/>
+        <a:ea typeface="+mn-ea"/>
+        <a:cs typeface="+mn-cs"/>
+      </a:defRPr>
+    </a:lvl7pPr>
+    <a:lvl8pPr marL="3200400" algn="l" defTabSz="914400" rtl="0" eaLnBrk="1" latinLnBrk="0" hangingPunct="1">
+      <a:defRPr sz="1200" kern="1200">
+        <a:solidFill>
+          <a:schemeClr val="tx1"/>
+        </a:solidFill>
+        <a:latin typeface="+mn-lt"/>
+        <a:ea typeface="+mn-ea"/>
+        <a:cs typeface="+mn-cs"/>
+      </a:defRPr>
+    </a:lvl8pPr>
+    <a:lvl9pPr marL="3657600" algn="l" defTabSz="914400" rtl="0" eaLnBrk="1" latinLnBrk="0" hangingPunct="1">
+      <a:defRPr sz="1200" kern="1200">
+        <a:solidFill>
+          <a:schemeClr val="tx1"/>
+        </a:solidFill>
+        <a:latin typeface="+mn-lt"/>
+        <a:ea typeface="+mn-ea"/>
+        <a:cs typeface="+mn-cs"/>
+      </a:defRPr>
+    </a:lvl9pPr>
+  </p:notesStyle>
+</p:notesMaster>
+</file>
+
+<file path=ppt/notesSlides/notesSlide1.xml><?xml version="1.0" encoding="utf-8"?>
+<p:notes xmlns:a="http://schemas.openxmlformats.org/drawingml/2006/main" xmlns:r="http://schemas.openxmlformats.org/officeDocument/2006/relationships" xmlns:p="http://schemas.openxmlformats.org/presentationml/2006/main">
+  <p:cSld>
+    <p:spTree>
+      <p:nvGrpSpPr>
+        <p:cNvPr id="1" name=""/>
+        <p:cNvGrpSpPr/>
+        <p:nvPr/>
+      </p:nvGrpSpPr>
+      <p:grpSpPr>
+        <a:xfrm>
+          <a:off x="0" y="0"/>
+          <a:ext cx="0" cy="0"/>
+          <a:chOff x="0" y="0"/>
+          <a:chExt cx="0" cy="0"/>
+        </a:xfrm>
+      </p:grpSpPr>
+      <p:sp>
+        <p:nvSpPr>
+          <p:cNvPr id="2" name="Folienbildplatzhalter 1"/>
+          <p:cNvSpPr>
+            <a:spLocks noGrp="1" noRot="1" noChangeAspect="1"/>
+          </p:cNvSpPr>
+          <p:nvPr>
+            <p:ph type="sldImg"/>
+          </p:nvPr>
+        </p:nvSpPr>
+        <p:spPr/>
+      </p:sp>
+      <p:sp>
+        <p:nvSpPr>
+          <p:cNvPr id="3" name="Notizenplatzhalter 2"/>
+          <p:cNvSpPr>
+            <a:spLocks noGrp="1"/>
+          </p:cNvSpPr>
+          <p:nvPr>
+            <p:ph type="body" idx="1"/>
+          </p:nvPr>
+        </p:nvSpPr>
+        <p:spPr/>
+        <p:txBody>
+          <a:bodyPr/>
+          <a:lstStyle/>
+          <a:p>
+            <a:endParaRPr lang="de-DE" dirty="0"/>
+          </a:p>
+        </p:txBody>
+      </p:sp>
+      <p:sp>
+        <p:nvSpPr>
+          <p:cNvPr id="4" name="Foliennummernplatzhalter 3"/>
+          <p:cNvSpPr>
+            <a:spLocks noGrp="1"/>
+          </p:cNvSpPr>
+          <p:nvPr>
+            <p:ph type="sldNum" sz="quarter" idx="10"/>
+          </p:nvPr>
+        </p:nvSpPr>
+        <p:spPr/>
+        <p:txBody>
+          <a:bodyPr/>
+          <a:lstStyle/>
+          <a:p>
+            <a:fld id="{855B8EC5-3588-4C24-8F24-3673DC92CD23}" type="slidenum">
+              <a:rPr lang="de-DE" smtClean="0"/>
+              <a:t>1</a:t>
+            </a:fld>
+            <a:endParaRPr lang="de-DE"/>
+          </a:p>
+        </p:txBody>
+      </p:sp>
+    </p:spTree>
+    <p:extLst>
+      <p:ext uri="{BB962C8B-B14F-4D97-AF65-F5344CB8AC3E}">
+        <p14:creationId xmlns:p14="http://schemas.microsoft.com/office/powerpoint/2010/main" val="1214967303"/>
+      </p:ext>
+    </p:extLst>
+  </p:cSld>
+  <p:clrMapOvr>
+    <a:masterClrMapping/>
+  </p:clrMapOvr>
+</p:notes>
 </file>
 
 <file path=ppt/slideLayouts/slideLayout1.xml><?xml version="1.0" encoding="utf-8"?>
@@ -288,7 +741,7 @@
           <a:p>
             <a:fld id="{8E5A9B32-403F-47DB-A62E-56CDCAD5B4FF}" type="datetimeFigureOut">
               <a:rPr lang="de-DE" smtClean="0"/>
-              <a:t>04.12.2015</a:t>
+              <a:t>06.01.2016</a:t>
             </a:fld>
             <a:endParaRPr lang="de-DE"/>
           </a:p>
@@ -458,7 +911,7 @@
           <a:p>
             <a:fld id="{8E5A9B32-403F-47DB-A62E-56CDCAD5B4FF}" type="datetimeFigureOut">
               <a:rPr lang="de-DE" smtClean="0"/>
-              <a:t>04.12.2015</a:t>
+              <a:t>06.01.2016</a:t>
             </a:fld>
             <a:endParaRPr lang="de-DE"/>
           </a:p>
@@ -638,7 +1091,7 @@
           <a:p>
             <a:fld id="{8E5A9B32-403F-47DB-A62E-56CDCAD5B4FF}" type="datetimeFigureOut">
               <a:rPr lang="de-DE" smtClean="0"/>
-              <a:t>04.12.2015</a:t>
+              <a:t>06.01.2016</a:t>
             </a:fld>
             <a:endParaRPr lang="de-DE"/>
           </a:p>
@@ -808,7 +1261,7 @@
           <a:p>
             <a:fld id="{8E5A9B32-403F-47DB-A62E-56CDCAD5B4FF}" type="datetimeFigureOut">
               <a:rPr lang="de-DE" smtClean="0"/>
-              <a:t>04.12.2015</a:t>
+              <a:t>06.01.2016</a:t>
             </a:fld>
             <a:endParaRPr lang="de-DE"/>
           </a:p>
@@ -1054,7 +1507,7 @@
           <a:p>
             <a:fld id="{8E5A9B32-403F-47DB-A62E-56CDCAD5B4FF}" type="datetimeFigureOut">
               <a:rPr lang="de-DE" smtClean="0"/>
-              <a:t>04.12.2015</a:t>
+              <a:t>06.01.2016</a:t>
             </a:fld>
             <a:endParaRPr lang="de-DE"/>
           </a:p>
@@ -1342,7 +1795,7 @@
           <a:p>
             <a:fld id="{8E5A9B32-403F-47DB-A62E-56CDCAD5B4FF}" type="datetimeFigureOut">
               <a:rPr lang="de-DE" smtClean="0"/>
-              <a:t>04.12.2015</a:t>
+              <a:t>06.01.2016</a:t>
             </a:fld>
             <a:endParaRPr lang="de-DE"/>
           </a:p>
@@ -1769,7 +2222,7 @@
           <a:p>
             <a:fld id="{8E5A9B32-403F-47DB-A62E-56CDCAD5B4FF}" type="datetimeFigureOut">
               <a:rPr lang="de-DE" smtClean="0"/>
-              <a:t>04.12.2015</a:t>
+              <a:t>06.01.2016</a:t>
             </a:fld>
             <a:endParaRPr lang="de-DE"/>
           </a:p>
@@ -1887,7 +2340,7 @@
           <a:p>
             <a:fld id="{8E5A9B32-403F-47DB-A62E-56CDCAD5B4FF}" type="datetimeFigureOut">
               <a:rPr lang="de-DE" smtClean="0"/>
-              <a:t>04.12.2015</a:t>
+              <a:t>06.01.2016</a:t>
             </a:fld>
             <a:endParaRPr lang="de-DE"/>
           </a:p>
@@ -1982,7 +2435,7 @@
           <a:p>
             <a:fld id="{8E5A9B32-403F-47DB-A62E-56CDCAD5B4FF}" type="datetimeFigureOut">
               <a:rPr lang="de-DE" smtClean="0"/>
-              <a:t>04.12.2015</a:t>
+              <a:t>06.01.2016</a:t>
             </a:fld>
             <a:endParaRPr lang="de-DE"/>
           </a:p>
@@ -2259,7 +2712,7 @@
           <a:p>
             <a:fld id="{8E5A9B32-403F-47DB-A62E-56CDCAD5B4FF}" type="datetimeFigureOut">
               <a:rPr lang="de-DE" smtClean="0"/>
-              <a:t>04.12.2015</a:t>
+              <a:t>06.01.2016</a:t>
             </a:fld>
             <a:endParaRPr lang="de-DE"/>
           </a:p>
@@ -2512,7 +2965,7 @@
           <a:p>
             <a:fld id="{8E5A9B32-403F-47DB-A62E-56CDCAD5B4FF}" type="datetimeFigureOut">
               <a:rPr lang="de-DE" smtClean="0"/>
-              <a:t>04.12.2015</a:t>
+              <a:t>06.01.2016</a:t>
             </a:fld>
             <a:endParaRPr lang="de-DE"/>
           </a:p>
@@ -2725,7 +3178,7 @@
           <a:p>
             <a:fld id="{8E5A9B32-403F-47DB-A62E-56CDCAD5B4FF}" type="datetimeFigureOut">
               <a:rPr lang="de-DE" smtClean="0"/>
-              <a:t>04.12.2015</a:t>
+              <a:t>06.01.2016</a:t>
             </a:fld>
             <a:endParaRPr lang="de-DE"/>
           </a:p>
@@ -3089,7 +3542,7 @@
     <p:bg>
       <p:bgPr>
         <a:blipFill dpi="0" rotWithShape="1">
-          <a:blip r:embed="rId2">
+          <a:blip r:embed="rId3">
             <a:alphaModFix amt="21000"/>
             <a:lum/>
           </a:blip>
@@ -3117,13 +3570,241 @@
       </p:grpSpPr>
       <p:sp>
         <p:nvSpPr>
+          <p:cNvPr id="56" name="Abgerundetes Rechteck 55"/>
+          <p:cNvSpPr/>
+          <p:nvPr/>
+        </p:nvSpPr>
+        <p:spPr>
+          <a:xfrm>
+            <a:off x="16073984" y="29642326"/>
+            <a:ext cx="10363504" cy="7389114"/>
+          </a:xfrm>
+          <a:prstGeom prst="roundRect">
+            <a:avLst>
+              <a:gd name="adj" fmla="val 12502"/>
+            </a:avLst>
+          </a:prstGeom>
+          <a:solidFill>
+            <a:schemeClr val="accent1">
+              <a:lumMod val="60000"/>
+              <a:lumOff val="40000"/>
+            </a:schemeClr>
+          </a:solidFill>
+        </p:spPr>
+        <p:style>
+          <a:lnRef idx="2">
+            <a:schemeClr val="accent3">
+              <a:shade val="50000"/>
+            </a:schemeClr>
+          </a:lnRef>
+          <a:fillRef idx="1">
+            <a:schemeClr val="accent3"/>
+          </a:fillRef>
+          <a:effectRef idx="0">
+            <a:schemeClr val="accent3"/>
+          </a:effectRef>
+          <a:fontRef idx="minor">
+            <a:schemeClr val="lt1"/>
+          </a:fontRef>
+        </p:style>
+        <p:txBody>
+          <a:bodyPr rtlCol="0" anchor="t" anchorCtr="0"/>
+          <a:lstStyle/>
+          <a:p>
+            <a:pPr algn="ctr"/>
+            <a:r>
+              <a:rPr lang="de-DE" sz="5000" b="1" u="sng" dirty="0" smtClean="0">
+                <a:latin typeface="Arial" panose="020B0604020202020204" pitchFamily="34" charset="0"/>
+                <a:cs typeface="Arial" panose="020B0604020202020204" pitchFamily="34" charset="0"/>
+              </a:rPr>
+              <a:t>Kostenganglinie</a:t>
+            </a:r>
+            <a:endParaRPr lang="de-DE" sz="5000" b="1" u="sng" dirty="0" smtClean="0">
+              <a:latin typeface="Arial" panose="020B0604020202020204" pitchFamily="34" charset="0"/>
+              <a:cs typeface="Arial" panose="020B0604020202020204" pitchFamily="34" charset="0"/>
+            </a:endParaRPr>
+          </a:p>
+          <a:p>
+            <a:pPr algn="ctr"/>
+            <a:endParaRPr lang="de-DE" sz="5000" b="1" dirty="0" smtClean="0"/>
+          </a:p>
+          <a:p>
+            <a:pPr algn="ctr"/>
+            <a:endParaRPr lang="de-DE" sz="5000" b="1" dirty="0"/>
+          </a:p>
+          <a:p>
+            <a:pPr algn="ctr"/>
+            <a:endParaRPr lang="de-DE" sz="4800" b="1" dirty="0"/>
+          </a:p>
+          <a:p>
+            <a:pPr algn="ctr"/>
+            <a:endParaRPr lang="de-DE" sz="5000" b="1" dirty="0" smtClean="0"/>
+          </a:p>
+          <a:p>
+            <a:pPr algn="ctr"/>
+            <a:endParaRPr lang="de-DE" sz="5000" b="1" dirty="0"/>
+          </a:p>
+        </p:txBody>
+      </p:sp>
+      <p:sp>
+        <p:nvSpPr>
+          <p:cNvPr id="51" name="Abgerundetes Rechteck 50"/>
+          <p:cNvSpPr/>
+          <p:nvPr/>
+        </p:nvSpPr>
+        <p:spPr>
+          <a:xfrm>
+            <a:off x="166259" y="37187716"/>
+            <a:ext cx="13518958" cy="5508590"/>
+          </a:xfrm>
+          <a:prstGeom prst="roundRect">
+            <a:avLst>
+              <a:gd name="adj" fmla="val 12502"/>
+            </a:avLst>
+          </a:prstGeom>
+          <a:solidFill>
+            <a:schemeClr val="accent1">
+              <a:lumMod val="60000"/>
+              <a:lumOff val="40000"/>
+            </a:schemeClr>
+          </a:solidFill>
+        </p:spPr>
+        <p:style>
+          <a:lnRef idx="2">
+            <a:schemeClr val="accent3">
+              <a:shade val="50000"/>
+            </a:schemeClr>
+          </a:lnRef>
+          <a:fillRef idx="1">
+            <a:schemeClr val="accent3"/>
+          </a:fillRef>
+          <a:effectRef idx="0">
+            <a:schemeClr val="accent3"/>
+          </a:effectRef>
+          <a:fontRef idx="minor">
+            <a:schemeClr val="lt1"/>
+          </a:fontRef>
+        </p:style>
+        <p:txBody>
+          <a:bodyPr rtlCol="0" anchor="t" anchorCtr="0"/>
+          <a:lstStyle/>
+          <a:p>
+            <a:pPr algn="ctr"/>
+            <a:r>
+              <a:rPr lang="de-DE" sz="5000" b="1" u="sng" dirty="0" smtClean="0">
+                <a:latin typeface="Arial" panose="020B0604020202020204" pitchFamily="34" charset="0"/>
+                <a:cs typeface="Arial" panose="020B0604020202020204" pitchFamily="34" charset="0"/>
+              </a:rPr>
+              <a:t>Projektphasen</a:t>
+            </a:r>
+            <a:endParaRPr lang="de-DE" sz="5000" b="1" u="sng" dirty="0" smtClean="0">
+              <a:latin typeface="Arial" panose="020B0604020202020204" pitchFamily="34" charset="0"/>
+              <a:cs typeface="Arial" panose="020B0604020202020204" pitchFamily="34" charset="0"/>
+            </a:endParaRPr>
+          </a:p>
+          <a:p>
+            <a:pPr algn="ctr"/>
+            <a:endParaRPr lang="de-DE" sz="5000" b="1" dirty="0" smtClean="0"/>
+          </a:p>
+          <a:p>
+            <a:pPr algn="ctr"/>
+            <a:endParaRPr lang="de-DE" sz="5000" b="1" dirty="0"/>
+          </a:p>
+          <a:p>
+            <a:pPr algn="ctr"/>
+            <a:endParaRPr lang="de-DE" sz="4800" b="1" dirty="0"/>
+          </a:p>
+          <a:p>
+            <a:pPr algn="ctr"/>
+            <a:endParaRPr lang="de-DE" sz="5000" b="1" dirty="0" smtClean="0"/>
+          </a:p>
+          <a:p>
+            <a:pPr algn="ctr"/>
+            <a:endParaRPr lang="de-DE" sz="5000" b="1" dirty="0"/>
+          </a:p>
+        </p:txBody>
+      </p:sp>
+      <p:sp>
+        <p:nvSpPr>
+          <p:cNvPr id="49" name="Abgerundetes Rechteck 48"/>
+          <p:cNvSpPr/>
+          <p:nvPr/>
+        </p:nvSpPr>
+        <p:spPr>
+          <a:xfrm>
+            <a:off x="115786" y="22245121"/>
+            <a:ext cx="10363504" cy="7107571"/>
+          </a:xfrm>
+          <a:prstGeom prst="roundRect">
+            <a:avLst>
+              <a:gd name="adj" fmla="val 12502"/>
+            </a:avLst>
+          </a:prstGeom>
+        </p:spPr>
+        <p:style>
+          <a:lnRef idx="2">
+            <a:schemeClr val="accent5">
+              <a:shade val="50000"/>
+            </a:schemeClr>
+          </a:lnRef>
+          <a:fillRef idx="1">
+            <a:schemeClr val="accent5"/>
+          </a:fillRef>
+          <a:effectRef idx="0">
+            <a:schemeClr val="accent5"/>
+          </a:effectRef>
+          <a:fontRef idx="minor">
+            <a:schemeClr val="lt1"/>
+          </a:fontRef>
+        </p:style>
+        <p:txBody>
+          <a:bodyPr rtlCol="0" anchor="t" anchorCtr="0"/>
+          <a:lstStyle/>
+          <a:p>
+            <a:pPr algn="ctr"/>
+            <a:r>
+              <a:rPr lang="de-DE" sz="5000" b="1" u="sng" dirty="0" smtClean="0">
+                <a:latin typeface="Arial" panose="020B0604020202020204" pitchFamily="34" charset="0"/>
+                <a:cs typeface="Arial" panose="020B0604020202020204" pitchFamily="34" charset="0"/>
+              </a:rPr>
+              <a:t>Umfeldanalyse</a:t>
+            </a:r>
+            <a:endParaRPr lang="de-DE" sz="5000" b="1" u="sng" dirty="0" smtClean="0">
+              <a:latin typeface="Arial" panose="020B0604020202020204" pitchFamily="34" charset="0"/>
+              <a:cs typeface="Arial" panose="020B0604020202020204" pitchFamily="34" charset="0"/>
+            </a:endParaRPr>
+          </a:p>
+          <a:p>
+            <a:pPr algn="ctr"/>
+            <a:endParaRPr lang="de-DE" sz="5000" b="1" dirty="0" smtClean="0"/>
+          </a:p>
+          <a:p>
+            <a:pPr algn="ctr"/>
+            <a:endParaRPr lang="de-DE" sz="5000" b="1" dirty="0"/>
+          </a:p>
+          <a:p>
+            <a:pPr algn="ctr"/>
+            <a:endParaRPr lang="de-DE" sz="4800" b="1" dirty="0"/>
+          </a:p>
+          <a:p>
+            <a:pPr algn="ctr"/>
+            <a:endParaRPr lang="de-DE" sz="5000" b="1" dirty="0" smtClean="0"/>
+          </a:p>
+          <a:p>
+            <a:pPr algn="ctr"/>
+            <a:endParaRPr lang="de-DE" sz="5000" b="1" dirty="0"/>
+          </a:p>
+        </p:txBody>
+      </p:sp>
+      <p:sp>
+        <p:nvSpPr>
           <p:cNvPr id="6" name="Abgerundetes Rechteck 5"/>
           <p:cNvSpPr/>
           <p:nvPr/>
         </p:nvSpPr>
         <p:spPr>
           <a:xfrm>
-            <a:off x="8875291" y="2013102"/>
+            <a:off x="7316350" y="257200"/>
             <a:ext cx="12529392" cy="3145062"/>
           </a:xfrm>
           <a:prstGeom prst="roundRect">
@@ -3221,220 +3902,9 @@
           </a:p>
         </p:txBody>
       </p:sp>
-      <p:sp>
-        <p:nvSpPr>
-          <p:cNvPr id="8" name="Abgerundetes Rechteck 7"/>
-          <p:cNvSpPr/>
-          <p:nvPr/>
-        </p:nvSpPr>
-        <p:spPr>
-          <a:xfrm>
-            <a:off x="2178547" y="7578726"/>
-            <a:ext cx="10945216" cy="8424936"/>
-          </a:xfrm>
-          <a:prstGeom prst="roundRect">
-            <a:avLst>
-              <a:gd name="adj" fmla="val 8468"/>
-            </a:avLst>
-          </a:prstGeom>
-        </p:spPr>
-        <p:style>
-          <a:lnRef idx="2">
-            <a:schemeClr val="accent1">
-              <a:shade val="50000"/>
-            </a:schemeClr>
-          </a:lnRef>
-          <a:fillRef idx="1">
-            <a:schemeClr val="accent1"/>
-          </a:fillRef>
-          <a:effectRef idx="0">
-            <a:schemeClr val="accent1"/>
-          </a:effectRef>
-          <a:fontRef idx="minor">
-            <a:schemeClr val="lt1"/>
-          </a:fontRef>
-        </p:style>
-        <p:txBody>
-          <a:bodyPr rtlCol="0" anchor="ctr"/>
-          <a:lstStyle/>
-          <a:p>
-            <a:pPr algn="just"/>
-            <a:endParaRPr lang="de-DE" sz="2500" dirty="0" smtClean="0"/>
-          </a:p>
-          <a:p>
-            <a:pPr algn="just"/>
-            <a:endParaRPr lang="de-DE" sz="2500" dirty="0"/>
-          </a:p>
-          <a:p>
-            <a:pPr algn="just"/>
-            <a:endParaRPr lang="de-DE" sz="2500" dirty="0" smtClean="0"/>
-          </a:p>
-          <a:p>
-            <a:pPr algn="just"/>
-            <a:endParaRPr lang="de-DE" sz="2500" dirty="0"/>
-          </a:p>
-          <a:p>
-            <a:pPr algn="just"/>
-            <a:endParaRPr lang="de-DE" sz="2500" dirty="0" smtClean="0"/>
-          </a:p>
-          <a:p>
-            <a:pPr algn="just"/>
-            <a:endParaRPr lang="de-DE" sz="2500" dirty="0"/>
-          </a:p>
-          <a:p>
-            <a:pPr algn="just"/>
-            <a:endParaRPr lang="de-DE" sz="2500" dirty="0" smtClean="0"/>
-          </a:p>
-          <a:p>
-            <a:pPr algn="just"/>
-            <a:endParaRPr lang="de-DE" sz="2500" dirty="0"/>
-          </a:p>
-          <a:p>
-            <a:pPr algn="just"/>
-            <a:r>
-              <a:rPr lang="de-DE" sz="3500" dirty="0" smtClean="0"/>
-              <a:t>             </a:t>
-            </a:r>
-            <a:r>
-              <a:rPr lang="de-DE" sz="3500" b="1" dirty="0" smtClean="0"/>
-              <a:t>Fund</a:t>
-            </a:r>
-            <a:r>
-              <a:rPr lang="de-DE" sz="3500" dirty="0" smtClean="0"/>
-              <a:t>                </a:t>
-            </a:r>
-            <a:r>
-              <a:rPr lang="de-DE" sz="3500" b="1" dirty="0" smtClean="0"/>
-              <a:t>Verlorenes</a:t>
-            </a:r>
-            <a:r>
-              <a:rPr lang="de-DE" sz="3500" dirty="0" smtClean="0"/>
-              <a:t>      </a:t>
-            </a:r>
-            <a:r>
-              <a:rPr lang="de-DE" sz="3500" b="1" dirty="0" smtClean="0"/>
-              <a:t>Wiedergefundenes</a:t>
-            </a:r>
-            <a:endParaRPr lang="de-DE" sz="3500" b="1" dirty="0"/>
-          </a:p>
-          <a:p>
-            <a:pPr algn="just"/>
-            <a:r>
-              <a:rPr lang="de-DE" sz="3500" dirty="0" smtClean="0"/>
-              <a:t>           </a:t>
-            </a:r>
-            <a:r>
-              <a:rPr lang="de-DE" sz="3500" b="1" dirty="0" smtClean="0"/>
-              <a:t>melden</a:t>
-            </a:r>
-            <a:r>
-              <a:rPr lang="de-DE" sz="3500" dirty="0" smtClean="0"/>
-              <a:t>                  </a:t>
-            </a:r>
-            <a:r>
-              <a:rPr lang="de-DE" sz="3500" b="1" dirty="0" smtClean="0"/>
-              <a:t>finden</a:t>
-            </a:r>
-            <a:r>
-              <a:rPr lang="de-DE" sz="3500" dirty="0" smtClean="0"/>
-              <a:t>               </a:t>
-            </a:r>
-            <a:r>
-              <a:rPr lang="de-DE" sz="3500" b="1" dirty="0" smtClean="0"/>
-              <a:t>entfernen</a:t>
-            </a:r>
-          </a:p>
-          <a:p>
-            <a:pPr algn="just"/>
-            <a:endParaRPr lang="de-DE" sz="2500" dirty="0"/>
-          </a:p>
-          <a:p>
-            <a:pPr algn="just"/>
-            <a:r>
-              <a:rPr lang="de-DE" sz="2500" dirty="0" smtClean="0"/>
-              <a:t>Das </a:t>
-            </a:r>
-            <a:r>
-              <a:rPr lang="de-DE" sz="2500" b="1" dirty="0" smtClean="0"/>
-              <a:t>Fundbüro</a:t>
-            </a:r>
-            <a:r>
-              <a:rPr lang="de-DE" sz="2500" dirty="0" smtClean="0"/>
-              <a:t> wurde entwickelt, um das Vermitteln und Wiederfinden von verlorengegangenen Gegenständen an der Hochschule für Telekommunikation in Leipzig  zu erleichtern. </a:t>
-            </a:r>
-          </a:p>
-          <a:p>
-            <a:pPr algn="just"/>
-            <a:r>
-              <a:rPr lang="de-DE" sz="2500" dirty="0" smtClean="0"/>
-              <a:t>Wie funktionier t es?</a:t>
-            </a:r>
-          </a:p>
-          <a:p>
-            <a:pPr algn="just"/>
-            <a:r>
-              <a:rPr lang="de-DE" sz="2500" dirty="0" smtClean="0"/>
-              <a:t>Als Finder eines Gegenstandes könnt ihr eine Anzeige auf der Webseite hochladen und eure Kontaktdaten hinterlassen. </a:t>
-            </a:r>
-            <a:r>
-              <a:rPr lang="de-DE" sz="2500" dirty="0" smtClean="0"/>
-              <a:t>Als Suchender schaut man sich alle Anzeigen an, um herauszufinden, ob der eigene Gegenstand gelistet ist. Falls man fündig wird, kann man den Finder über die angegebenen Kontaktdaten kontaktieren. Nachdem eine erfolgreiche Vermittlung des Gegenstandes zustande gekommen ist, kann man die Anzeige wieder entfernen.</a:t>
-            </a:r>
-          </a:p>
-          <a:p>
-            <a:pPr algn="just"/>
-            <a:endParaRPr lang="de-DE" sz="2500" dirty="0" smtClean="0"/>
-          </a:p>
-          <a:p>
-            <a:pPr algn="just"/>
-            <a:endParaRPr lang="de-DE" sz="2500" dirty="0" smtClean="0"/>
-          </a:p>
-        </p:txBody>
-      </p:sp>
       <p:pic>
         <p:nvPicPr>
-          <p:cNvPr id="1027" name="Picture 3" descr="C:\Users\student\Pictures\Unbenannt.png"/>
-          <p:cNvPicPr>
-            <a:picLocks noChangeAspect="1" noChangeArrowheads="1"/>
-          </p:cNvPicPr>
-          <p:nvPr/>
-        </p:nvPicPr>
-        <p:blipFill>
-          <a:blip r:embed="rId3">
-            <a:extLst>
-              <a:ext uri="{28A0092B-C50C-407E-A947-70E740481C1C}">
-                <a14:useLocalDpi xmlns:a14="http://schemas.microsoft.com/office/drawing/2010/main" val="0"/>
-              </a:ext>
-            </a:extLst>
-          </a:blip>
-          <a:srcRect/>
-          <a:stretch>
-            <a:fillRect/>
-          </a:stretch>
-        </p:blipFill>
-        <p:spPr bwMode="auto">
-          <a:xfrm>
-            <a:off x="3293121" y="7832056"/>
-            <a:ext cx="2295525" cy="2266950"/>
-          </a:xfrm>
-          <a:prstGeom prst="rect">
-            <a:avLst/>
-          </a:prstGeom>
-          <a:noFill/>
-          <a:extLst>
-            <a:ext uri="{909E8E84-426E-40DD-AFC4-6F175D3DCCD1}">
-              <a14:hiddenFill xmlns:a14="http://schemas.microsoft.com/office/drawing/2010/main">
-                <a:solidFill>
-                  <a:srgbClr val="FFFFFF"/>
-                </a:solidFill>
-              </a14:hiddenFill>
-            </a:ext>
-          </a:extLst>
-        </p:spPr>
-      </p:pic>
-      <p:pic>
-        <p:nvPicPr>
-          <p:cNvPr id="1029" name="Picture 5" descr="C:\Users\student\Pictures\Unbenannt3.png"/>
+          <p:cNvPr id="1031" name="Picture 7" descr="C:\Users\student\Downloads\HfTL-Logo.svg.png"/>
           <p:cNvPicPr>
             <a:picLocks noChangeAspect="1" noChangeArrowheads="1"/>
           </p:cNvPicPr>
@@ -3455,8 +3925,8 @@
         </p:blipFill>
         <p:spPr bwMode="auto">
           <a:xfrm>
-            <a:off x="9604102" y="7832056"/>
-            <a:ext cx="2295525" cy="2266950"/>
+            <a:off x="23776332" y="571055"/>
+            <a:ext cx="6057900" cy="2543175"/>
           </a:xfrm>
           <a:prstGeom prst="rect">
             <a:avLst/>
@@ -3473,9 +3943,87 @@
           </a:extLst>
         </p:spPr>
       </p:pic>
+      <p:sp>
+        <p:nvSpPr>
+          <p:cNvPr id="9" name="Abgerundetes Rechteck 8"/>
+          <p:cNvSpPr/>
+          <p:nvPr/>
+        </p:nvSpPr>
+        <p:spPr>
+          <a:xfrm>
+            <a:off x="115786" y="29575647"/>
+            <a:ext cx="10363504" cy="7389114"/>
+          </a:xfrm>
+          <a:prstGeom prst="roundRect">
+            <a:avLst>
+              <a:gd name="adj" fmla="val 12502"/>
+            </a:avLst>
+          </a:prstGeom>
+          <a:solidFill>
+            <a:schemeClr val="accent1">
+              <a:lumMod val="60000"/>
+              <a:lumOff val="40000"/>
+            </a:schemeClr>
+          </a:solidFill>
+        </p:spPr>
+        <p:style>
+          <a:lnRef idx="2">
+            <a:schemeClr val="accent3">
+              <a:shade val="50000"/>
+            </a:schemeClr>
+          </a:lnRef>
+          <a:fillRef idx="1">
+            <a:schemeClr val="accent3"/>
+          </a:fillRef>
+          <a:effectRef idx="0">
+            <a:schemeClr val="accent3"/>
+          </a:effectRef>
+          <a:fontRef idx="minor">
+            <a:schemeClr val="lt1"/>
+          </a:fontRef>
+        </p:style>
+        <p:txBody>
+          <a:bodyPr rtlCol="0" anchor="t" anchorCtr="0"/>
+          <a:lstStyle/>
+          <a:p>
+            <a:pPr algn="ctr"/>
+            <a:r>
+              <a:rPr lang="de-DE" sz="5000" b="1" u="sng" dirty="0" smtClean="0">
+                <a:latin typeface="Arial" panose="020B0604020202020204" pitchFamily="34" charset="0"/>
+                <a:cs typeface="Arial" panose="020B0604020202020204" pitchFamily="34" charset="0"/>
+              </a:rPr>
+              <a:t>Vorgehensmodell</a:t>
+            </a:r>
+            <a:endParaRPr lang="de-DE" sz="5000" b="1" u="sng" dirty="0" smtClean="0">
+              <a:latin typeface="Arial" panose="020B0604020202020204" pitchFamily="34" charset="0"/>
+              <a:cs typeface="Arial" panose="020B0604020202020204" pitchFamily="34" charset="0"/>
+            </a:endParaRPr>
+          </a:p>
+          <a:p>
+            <a:pPr algn="ctr"/>
+            <a:endParaRPr lang="de-DE" sz="5000" b="1" dirty="0" smtClean="0"/>
+          </a:p>
+          <a:p>
+            <a:pPr algn="ctr"/>
+            <a:endParaRPr lang="de-DE" sz="5000" b="1" dirty="0"/>
+          </a:p>
+          <a:p>
+            <a:pPr algn="ctr"/>
+            <a:endParaRPr lang="de-DE" sz="4800" b="1" dirty="0"/>
+          </a:p>
+          <a:p>
+            <a:pPr algn="ctr"/>
+            <a:endParaRPr lang="de-DE" sz="5000" b="1" dirty="0" smtClean="0"/>
+          </a:p>
+          <a:p>
+            <a:pPr algn="ctr"/>
+            <a:endParaRPr lang="de-DE" sz="5000" b="1" dirty="0"/>
+          </a:p>
+        </p:txBody>
+      </p:sp>
       <p:pic>
         <p:nvPicPr>
-          <p:cNvPr id="1030" name="Picture 6" descr="C:\Users\student\Pictures\Unbenannt2.png"/>
+          <p:cNvPr id="1036" name="Picture 12" descr="C:\Users\student\Pictures\Phasen.png"/>
           <p:cNvPicPr>
             <a:picLocks noChangeAspect="1" noChangeArrowheads="1"/>
           </p:cNvPicPr>
@@ -3496,13 +4044,20 @@
         </p:blipFill>
         <p:spPr bwMode="auto">
           <a:xfrm>
-            <a:off x="6499027" y="7832056"/>
-            <a:ext cx="2295525" cy="2266950"/>
+            <a:off x="566935" y="38665669"/>
+            <a:ext cx="12476826" cy="3580702"/>
           </a:xfrm>
           <a:prstGeom prst="rect">
             <a:avLst/>
           </a:prstGeom>
           <a:noFill/>
+          <a:ln>
+            <a:solidFill>
+              <a:schemeClr val="accent1">
+                <a:shade val="50000"/>
+              </a:schemeClr>
+            </a:solidFill>
+          </a:ln>
           <a:extLst>
             <a:ext uri="{909E8E84-426E-40DD-AFC4-6F175D3DCCD1}">
               <a14:hiddenFill xmlns:a14="http://schemas.microsoft.com/office/drawing/2010/main">
@@ -3514,9 +4069,96 @@
           </a:extLst>
         </p:spPr>
       </p:pic>
+      <p:sp>
+        <p:nvSpPr>
+          <p:cNvPr id="24" name="Abgerundetes Rechteck 23"/>
+          <p:cNvSpPr/>
+          <p:nvPr/>
+        </p:nvSpPr>
+        <p:spPr>
+          <a:xfrm>
+            <a:off x="16073984" y="22272644"/>
+            <a:ext cx="10363504" cy="7108634"/>
+          </a:xfrm>
+          <a:prstGeom prst="roundRect">
+            <a:avLst>
+              <a:gd name="adj" fmla="val 12502"/>
+            </a:avLst>
+          </a:prstGeom>
+        </p:spPr>
+        <p:style>
+          <a:lnRef idx="2">
+            <a:schemeClr val="accent5">
+              <a:shade val="50000"/>
+            </a:schemeClr>
+          </a:lnRef>
+          <a:fillRef idx="1">
+            <a:schemeClr val="accent5"/>
+          </a:fillRef>
+          <a:effectRef idx="0">
+            <a:schemeClr val="accent5"/>
+          </a:effectRef>
+          <a:fontRef idx="minor">
+            <a:schemeClr val="lt1"/>
+          </a:fontRef>
+        </p:style>
+        <p:txBody>
+          <a:bodyPr rtlCol="0" anchor="t" anchorCtr="0"/>
+          <a:lstStyle/>
+          <a:p>
+            <a:pPr algn="ctr"/>
+            <a:r>
+              <a:rPr lang="de-DE" sz="5000" b="1" u="sng" dirty="0" smtClean="0">
+                <a:latin typeface="Arial" panose="020B0604020202020204" pitchFamily="34" charset="0"/>
+                <a:cs typeface="Arial" panose="020B0604020202020204" pitchFamily="34" charset="0"/>
+              </a:rPr>
+              <a:t>Projektorganisation</a:t>
+            </a:r>
+            <a:endParaRPr lang="de-DE" sz="5000" b="1" u="sng" dirty="0">
+              <a:latin typeface="Arial" panose="020B0604020202020204" pitchFamily="34" charset="0"/>
+              <a:cs typeface="Arial" panose="020B0604020202020204" pitchFamily="34" charset="0"/>
+            </a:endParaRPr>
+          </a:p>
+          <a:p>
+            <a:pPr algn="ctr"/>
+            <a:endParaRPr lang="de-DE" sz="5000" b="1" u="sng" dirty="0">
+              <a:latin typeface="Arial" panose="020B0604020202020204" pitchFamily="34" charset="0"/>
+              <a:cs typeface="Arial" panose="020B0604020202020204" pitchFamily="34" charset="0"/>
+            </a:endParaRPr>
+          </a:p>
+          <a:p>
+            <a:pPr algn="ctr"/>
+            <a:endParaRPr lang="de-DE" sz="5000" b="1" u="sng" dirty="0">
+              <a:latin typeface="Arial" panose="020B0604020202020204" pitchFamily="34" charset="0"/>
+              <a:cs typeface="Arial" panose="020B0604020202020204" pitchFamily="34" charset="0"/>
+            </a:endParaRPr>
+          </a:p>
+          <a:p>
+            <a:pPr algn="ctr"/>
+            <a:endParaRPr lang="de-DE" sz="5000" b="1" u="sng" dirty="0">
+              <a:latin typeface="Arial" panose="020B0604020202020204" pitchFamily="34" charset="0"/>
+              <a:cs typeface="Arial" panose="020B0604020202020204" pitchFamily="34" charset="0"/>
+            </a:endParaRPr>
+          </a:p>
+          <a:p>
+            <a:pPr algn="ctr"/>
+            <a:endParaRPr lang="de-DE" sz="5000" b="1" u="sng" dirty="0">
+              <a:latin typeface="Arial" panose="020B0604020202020204" pitchFamily="34" charset="0"/>
+              <a:cs typeface="Arial" panose="020B0604020202020204" pitchFamily="34" charset="0"/>
+            </a:endParaRPr>
+          </a:p>
+          <a:p>
+            <a:pPr algn="ctr"/>
+            <a:endParaRPr lang="de-DE" sz="5000" b="1" u="sng" dirty="0">
+              <a:latin typeface="Arial" panose="020B0604020202020204" pitchFamily="34" charset="0"/>
+              <a:cs typeface="Arial" panose="020B0604020202020204" pitchFamily="34" charset="0"/>
+            </a:endParaRPr>
+          </a:p>
+        </p:txBody>
+      </p:sp>
       <p:pic>
         <p:nvPicPr>
-          <p:cNvPr id="1031" name="Picture 7" descr="C:\Users\student\Downloads\HfTL-Logo.svg.png"/>
+          <p:cNvPr id="1037" name="Picture 13" descr="C:\Users\student\Pictures\Organigramm.png"/>
           <p:cNvPicPr>
             <a:picLocks noChangeAspect="1" noChangeArrowheads="1"/>
           </p:cNvPicPr>
@@ -3537,8 +4179,8 @@
         </p:blipFill>
         <p:spPr bwMode="auto">
           <a:xfrm>
-            <a:off x="23492915" y="737966"/>
-            <a:ext cx="6057900" cy="2543175"/>
+            <a:off x="16274530" y="24105316"/>
+            <a:ext cx="9962412" cy="3848092"/>
           </a:xfrm>
           <a:prstGeom prst="rect">
             <a:avLst/>
@@ -3557,20 +4199,28 @@
       </p:pic>
       <p:sp>
         <p:nvSpPr>
-          <p:cNvPr id="9" name="Abgerundetes Rechteck 8"/>
+          <p:cNvPr id="26" name="Abgerundetes Rechteck 25"/>
           <p:cNvSpPr/>
           <p:nvPr/>
         </p:nvSpPr>
         <p:spPr>
           <a:xfrm>
-            <a:off x="13998846" y="7604499"/>
-            <a:ext cx="6397725" cy="4293163"/>
+            <a:off x="166259" y="12347652"/>
+            <a:ext cx="26448471" cy="9674514"/>
           </a:xfrm>
           <a:prstGeom prst="roundRect">
             <a:avLst>
               <a:gd name="adj" fmla="val 12502"/>
             </a:avLst>
           </a:prstGeom>
+          <a:solidFill>
+            <a:srgbClr val="00CC99"/>
+          </a:solidFill>
+          <a:ln>
+            <a:solidFill>
+              <a:srgbClr val="2FA68E"/>
+            </a:solidFill>
+          </a:ln>
         </p:spPr>
         <p:style>
           <a:lnRef idx="2">
@@ -3589,18 +4239,25 @@
           </a:fontRef>
         </p:style>
         <p:txBody>
-          <a:bodyPr rtlCol="0" anchor="ctr"/>
-          <a:lstStyle/>
+          <a:bodyPr numCol="3" rtlCol="0" anchor="t" anchorCtr="0"/>
+          <a:lstStyle/>
+          <a:p>
+            <a:r>
+              <a:rPr lang="de-DE" sz="5000" b="1" u="sng" dirty="0" smtClean="0">
+                <a:latin typeface="Arial" panose="020B0604020202020204" pitchFamily="34" charset="0"/>
+                <a:cs typeface="Arial" panose="020B0604020202020204" pitchFamily="34" charset="0"/>
+              </a:rPr>
+              <a:t>Projektvorstellung</a:t>
+            </a:r>
+            <a:endParaRPr lang="de-DE" sz="5000" b="1" dirty="0" smtClean="0"/>
+          </a:p>
           <a:p>
             <a:pPr algn="ctr"/>
-            <a:endParaRPr lang="de-DE" sz="5000" b="1" u="sng" dirty="0" smtClean="0"/>
+            <a:endParaRPr lang="de-DE" sz="5000" b="1" dirty="0"/>
           </a:p>
           <a:p>
             <a:pPr algn="ctr"/>
-            <a:r>
-              <a:rPr lang="de-DE" sz="5000" b="1" u="sng" dirty="0" smtClean="0"/>
-              <a:t>Methodik</a:t>
-            </a:r>
+            <a:endParaRPr lang="de-DE" sz="4800" b="1" dirty="0"/>
           </a:p>
           <a:p>
             <a:pPr algn="ctr"/>
@@ -3610,66 +4267,35 @@
             <a:pPr algn="ctr"/>
             <a:endParaRPr lang="de-DE" sz="5000" b="1" dirty="0"/>
           </a:p>
-          <a:p>
-            <a:pPr algn="ctr"/>
-            <a:endParaRPr lang="de-DE" sz="4800" b="1" dirty="0"/>
-          </a:p>
-          <a:p>
-            <a:pPr algn="ctr"/>
-            <a:endParaRPr lang="de-DE" sz="5000" b="1" dirty="0" smtClean="0"/>
-          </a:p>
-          <a:p>
-            <a:pPr algn="ctr"/>
-            <a:endParaRPr lang="de-DE" sz="5000" b="1" dirty="0"/>
-          </a:p>
         </p:txBody>
       </p:sp>
       <p:pic>
         <p:nvPicPr>
-          <p:cNvPr id="1035" name="Picture 11" descr="C:\Users\student\Pictures\Vorgehensmodell.png"/>
-          <p:cNvPicPr>
-            <a:picLocks noChangeAspect="1" noChangeArrowheads="1"/>
-          </p:cNvPicPr>
+          <p:cNvPr id="27" name="Grafik 26"/>
+          <p:cNvPicPr/>
           <p:nvPr/>
         </p:nvPicPr>
         <p:blipFill>
-          <a:blip r:embed="rId7">
-            <a:extLst>
-              <a:ext uri="{28A0092B-C50C-407E-A947-70E740481C1C}">
-                <a14:useLocalDpi xmlns:a14="http://schemas.microsoft.com/office/drawing/2010/main" val="0"/>
-              </a:ext>
-            </a:extLst>
-          </a:blip>
-          <a:srcRect/>
+          <a:blip r:embed="rId7"/>
           <a:stretch>
             <a:fillRect/>
           </a:stretch>
         </p:blipFill>
-        <p:spPr bwMode="auto">
-          <a:xfrm>
-            <a:off x="14419907" y="8516374"/>
-            <a:ext cx="5462688" cy="3166808"/>
+        <p:spPr>
+          <a:xfrm>
+            <a:off x="489614" y="13772555"/>
+            <a:ext cx="8136904" cy="3424460"/>
           </a:xfrm>
           <a:prstGeom prst="rect">
             <a:avLst/>
           </a:prstGeom>
-          <a:noFill/>
-          <a:extLst>
-            <a:ext uri="{909E8E84-426E-40DD-AFC4-6F175D3DCCD1}">
-              <a14:hiddenFill xmlns:a14="http://schemas.microsoft.com/office/drawing/2010/main">
-                <a:solidFill>
-                  <a:srgbClr val="FFFFFF"/>
-                </a:solidFill>
-              </a14:hiddenFill>
-            </a:ext>
-          </a:extLst>
         </p:spPr>
       </p:pic>
       <p:pic>
         <p:nvPicPr>
-          <p:cNvPr id="1036" name="Picture 12" descr="C:\Users\student\Pictures\Phasen.png"/>
+          <p:cNvPr id="4" name="Grafik 3"/>
           <p:cNvPicPr>
-            <a:picLocks noChangeAspect="1" noChangeArrowheads="1"/>
+            <a:picLocks noChangeAspect="1"/>
           </p:cNvPicPr>
           <p:nvPr/>
         </p:nvPicPr>
@@ -3681,52 +4307,34 @@
               </a:ext>
             </a:extLst>
           </a:blip>
-          <a:srcRect/>
           <a:stretch>
             <a:fillRect/>
           </a:stretch>
         </p:blipFill>
-        <p:spPr bwMode="auto">
-          <a:xfrm>
-            <a:off x="14011148" y="12187238"/>
-            <a:ext cx="13298191" cy="3816424"/>
+        <p:spPr>
+          <a:xfrm>
+            <a:off x="1008985" y="31024176"/>
+            <a:ext cx="8487960" cy="5715798"/>
           </a:xfrm>
           <a:prstGeom prst="rect">
             <a:avLst/>
           </a:prstGeom>
-          <a:noFill/>
-          <a:ln>
-            <a:solidFill>
-              <a:schemeClr val="accent1">
-                <a:shade val="50000"/>
-              </a:schemeClr>
-            </a:solidFill>
-          </a:ln>
-          <a:extLst>
-            <a:ext uri="{909E8E84-426E-40DD-AFC4-6F175D3DCCD1}">
-              <a14:hiddenFill xmlns:a14="http://schemas.microsoft.com/office/drawing/2010/main">
-                <a:solidFill>
-                  <a:srgbClr val="FFFFFF"/>
-                </a:solidFill>
-              </a14:hiddenFill>
-            </a:ext>
-          </a:extLst>
         </p:spPr>
       </p:pic>
       <p:sp>
         <p:nvSpPr>
-          <p:cNvPr id="24" name="Abgerundetes Rechteck 23"/>
+          <p:cNvPr id="18" name="Abgerundetes Rechteck 17"/>
           <p:cNvSpPr/>
           <p:nvPr/>
         </p:nvSpPr>
         <p:spPr>
           <a:xfrm>
-            <a:off x="20911614" y="7606043"/>
-            <a:ext cx="6397725" cy="4293163"/>
+            <a:off x="115786" y="3792297"/>
+            <a:ext cx="10945216" cy="8332400"/>
           </a:xfrm>
           <a:prstGeom prst="roundRect">
             <a:avLst>
-              <a:gd name="adj" fmla="val 12502"/>
+              <a:gd name="adj" fmla="val 8468"/>
             </a:avLst>
           </a:prstGeom>
         </p:spPr>
@@ -3750,42 +4358,396 @@
           <a:bodyPr rtlCol="0" anchor="ctr"/>
           <a:lstStyle/>
           <a:p>
+            <a:pPr algn="just"/>
+            <a:endParaRPr lang="de-DE" sz="2500" dirty="0" smtClean="0">
+              <a:latin typeface="Arial" panose="020B0604020202020204" pitchFamily="34" charset="0"/>
+              <a:cs typeface="Arial" panose="020B0604020202020204" pitchFamily="34" charset="0"/>
+            </a:endParaRPr>
+          </a:p>
+        </p:txBody>
+      </p:sp>
+      <p:sp>
+        <p:nvSpPr>
+          <p:cNvPr id="5" name="Textfeld 4"/>
+          <p:cNvSpPr txBox="1"/>
+          <p:nvPr/>
+        </p:nvSpPr>
+        <p:spPr>
+          <a:xfrm>
+            <a:off x="1973744" y="3804037"/>
+            <a:ext cx="7147049" cy="861774"/>
+          </a:xfrm>
+          <a:prstGeom prst="rect">
+            <a:avLst/>
+          </a:prstGeom>
+          <a:noFill/>
+        </p:spPr>
+        <p:txBody>
+          <a:bodyPr wrap="square" rtlCol="0">
+            <a:spAutoFit/>
+          </a:bodyPr>
+          <a:lstStyle/>
+          <a:p>
             <a:pPr algn="ctr"/>
-            <a:endParaRPr lang="de-DE" sz="5000" b="1" dirty="0" smtClean="0"/>
-          </a:p>
+            <a:r>
+              <a:rPr lang="de-DE" sz="5000" b="1" u="sng" dirty="0">
+                <a:solidFill>
+                  <a:schemeClr val="lt1"/>
+                </a:solidFill>
+                <a:latin typeface="Arial" panose="020B0604020202020204" pitchFamily="34" charset="0"/>
+                <a:cs typeface="Arial" panose="020B0604020202020204" pitchFamily="34" charset="0"/>
+              </a:rPr>
+              <a:t>Projektbeschreibung</a:t>
+            </a:r>
+            <a:endParaRPr lang="de-DE" sz="5000" b="1" u="sng" dirty="0">
+              <a:solidFill>
+                <a:schemeClr val="lt1"/>
+              </a:solidFill>
+              <a:latin typeface="Arial" panose="020B0604020202020204" pitchFamily="34" charset="0"/>
+              <a:cs typeface="Arial" panose="020B0604020202020204" pitchFamily="34" charset="0"/>
+            </a:endParaRPr>
+          </a:p>
+        </p:txBody>
+      </p:sp>
+      <p:sp>
+        <p:nvSpPr>
+          <p:cNvPr id="21" name="Textfeld 20"/>
+          <p:cNvSpPr txBox="1"/>
+          <p:nvPr/>
+        </p:nvSpPr>
+        <p:spPr>
+          <a:xfrm>
+            <a:off x="3437478" y="7514554"/>
+            <a:ext cx="2971723" cy="1169551"/>
+          </a:xfrm>
+          <a:prstGeom prst="rect">
+            <a:avLst/>
+          </a:prstGeom>
+          <a:noFill/>
+        </p:spPr>
+        <p:txBody>
+          <a:bodyPr wrap="square" rtlCol="0">
+            <a:spAutoFit/>
+          </a:bodyPr>
+          <a:lstStyle/>
           <a:p>
             <a:pPr algn="ctr"/>
             <a:r>
-              <a:rPr lang="de-DE" sz="5000" b="1" u="sng" dirty="0" err="1" smtClean="0"/>
-              <a:t>Organisgramm</a:t>
-            </a:r>
-            <a:endParaRPr lang="de-DE" sz="5000" b="1" u="sng" dirty="0" smtClean="0"/>
+              <a:rPr lang="de-DE" sz="3500" b="1" dirty="0" smtClean="0">
+                <a:solidFill>
+                  <a:schemeClr val="lt1"/>
+                </a:solidFill>
+                <a:latin typeface="Arial" panose="020B0604020202020204" pitchFamily="34" charset="0"/>
+                <a:cs typeface="Arial" panose="020B0604020202020204" pitchFamily="34" charset="0"/>
+              </a:rPr>
+              <a:t>Verlorenes</a:t>
+            </a:r>
           </a:p>
           <a:p>
             <a:pPr algn="ctr"/>
-            <a:endParaRPr lang="de-DE" sz="5000" b="1" dirty="0" smtClean="0"/>
-          </a:p>
+            <a:r>
+              <a:rPr lang="de-DE" sz="3500" b="1" dirty="0" smtClean="0">
+                <a:solidFill>
+                  <a:schemeClr val="lt1"/>
+                </a:solidFill>
+                <a:latin typeface="Arial" panose="020B0604020202020204" pitchFamily="34" charset="0"/>
+                <a:cs typeface="Arial" panose="020B0604020202020204" pitchFamily="34" charset="0"/>
+              </a:rPr>
+              <a:t>finden</a:t>
+            </a:r>
+            <a:endParaRPr lang="de-DE" sz="3500" b="1" dirty="0">
+              <a:solidFill>
+                <a:schemeClr val="lt1"/>
+              </a:solidFill>
+              <a:latin typeface="Arial" panose="020B0604020202020204" pitchFamily="34" charset="0"/>
+              <a:cs typeface="Arial" panose="020B0604020202020204" pitchFamily="34" charset="0"/>
+            </a:endParaRPr>
+          </a:p>
+        </p:txBody>
+      </p:sp>
+      <p:sp>
+        <p:nvSpPr>
+          <p:cNvPr id="22" name="Textfeld 21"/>
+          <p:cNvSpPr txBox="1"/>
+          <p:nvPr/>
+        </p:nvSpPr>
+        <p:spPr>
+          <a:xfrm>
+            <a:off x="6770827" y="7514554"/>
+            <a:ext cx="3210553" cy="1169551"/>
+          </a:xfrm>
+          <a:prstGeom prst="rect">
+            <a:avLst/>
+          </a:prstGeom>
+          <a:noFill/>
+        </p:spPr>
+        <p:txBody>
+          <a:bodyPr wrap="square" rtlCol="0">
+            <a:spAutoFit/>
+          </a:bodyPr>
+          <a:lstStyle/>
           <a:p>
             <a:pPr algn="ctr"/>
-            <a:endParaRPr lang="de-DE" sz="5000" b="1" dirty="0"/>
+            <a:r>
+              <a:rPr lang="de-DE" sz="3500" b="1" dirty="0" smtClean="0">
+                <a:solidFill>
+                  <a:schemeClr val="lt1"/>
+                </a:solidFill>
+                <a:latin typeface="Arial" panose="020B0604020202020204" pitchFamily="34" charset="0"/>
+                <a:cs typeface="Arial" panose="020B0604020202020204" pitchFamily="34" charset="0"/>
+              </a:rPr>
+              <a:t>Gefundenes</a:t>
+            </a:r>
           </a:p>
           <a:p>
             <a:pPr algn="ctr"/>
-            <a:endParaRPr lang="de-DE" sz="4800" b="1" dirty="0"/>
-          </a:p>
-          <a:p>
-            <a:pPr algn="ctr"/>
-            <a:endParaRPr lang="de-DE" sz="5000" b="1" dirty="0" smtClean="0"/>
-          </a:p>
-          <a:p>
-            <a:pPr algn="ctr"/>
-            <a:endParaRPr lang="de-DE" sz="5000" b="1" dirty="0"/>
+            <a:r>
+              <a:rPr lang="de-DE" sz="3500" b="1" dirty="0" smtClean="0">
+                <a:solidFill>
+                  <a:schemeClr val="lt1"/>
+                </a:solidFill>
+                <a:latin typeface="Arial" panose="020B0604020202020204" pitchFamily="34" charset="0"/>
+                <a:cs typeface="Arial" panose="020B0604020202020204" pitchFamily="34" charset="0"/>
+              </a:rPr>
+              <a:t>entfernen</a:t>
+            </a:r>
+            <a:endParaRPr lang="de-DE" sz="3500" b="1" dirty="0">
+              <a:solidFill>
+                <a:schemeClr val="lt1"/>
+              </a:solidFill>
+              <a:latin typeface="Arial" panose="020B0604020202020204" pitchFamily="34" charset="0"/>
+              <a:cs typeface="Arial" panose="020B0604020202020204" pitchFamily="34" charset="0"/>
+            </a:endParaRPr>
+          </a:p>
+        </p:txBody>
+      </p:sp>
+      <p:sp>
+        <p:nvSpPr>
+          <p:cNvPr id="23" name="Textfeld 22"/>
+          <p:cNvSpPr txBox="1"/>
+          <p:nvPr/>
+        </p:nvSpPr>
+        <p:spPr>
+          <a:xfrm>
+            <a:off x="479009" y="23699749"/>
+            <a:ext cx="9637058" cy="5093702"/>
+          </a:xfrm>
+          <a:prstGeom prst="rect">
+            <a:avLst/>
+          </a:prstGeom>
+          <a:noFill/>
+        </p:spPr>
+        <p:txBody>
+          <a:bodyPr wrap="square" rtlCol="0">
+            <a:spAutoFit/>
+          </a:bodyPr>
+          <a:lstStyle/>
+          <a:p>
+            <a:pPr algn="just"/>
+            <a:r>
+              <a:rPr lang="de-DE" sz="2500" dirty="0" smtClean="0">
+                <a:solidFill>
+                  <a:schemeClr val="lt1"/>
+                </a:solidFill>
+                <a:latin typeface="Arial" panose="020B0604020202020204" pitchFamily="34" charset="0"/>
+                <a:cs typeface="Arial" panose="020B0604020202020204" pitchFamily="34" charset="0"/>
+              </a:rPr>
+              <a:t>Für die Umfeldanalyse wurden folgende Faktoren herangezogen und analysiert:</a:t>
+            </a:r>
+          </a:p>
+          <a:p>
+            <a:pPr algn="just"/>
+            <a:endParaRPr lang="de-DE" sz="2500" dirty="0">
+              <a:solidFill>
+                <a:schemeClr val="lt1"/>
+              </a:solidFill>
+              <a:latin typeface="Arial" panose="020B0604020202020204" pitchFamily="34" charset="0"/>
+              <a:cs typeface="Arial" panose="020B0604020202020204" pitchFamily="34" charset="0"/>
+            </a:endParaRPr>
+          </a:p>
+          <a:p>
+            <a:pPr algn="just"/>
+            <a:r>
+              <a:rPr lang="de-DE" sz="2500" dirty="0" smtClean="0">
+                <a:solidFill>
+                  <a:schemeClr val="lt1"/>
+                </a:solidFill>
+                <a:latin typeface="Arial" panose="020B0604020202020204" pitchFamily="34" charset="0"/>
+                <a:cs typeface="Arial" panose="020B0604020202020204" pitchFamily="34" charset="0"/>
+              </a:rPr>
+              <a:t>Risikoanalyse bezogen auf</a:t>
+            </a:r>
+          </a:p>
+          <a:p>
+            <a:pPr marL="514350" indent="-514350" algn="just">
+              <a:buFont typeface="+mj-lt"/>
+              <a:buAutoNum type="romanUcPeriod"/>
+            </a:pPr>
+            <a:r>
+              <a:rPr lang="de-DE" sz="2500" dirty="0" smtClean="0">
+                <a:solidFill>
+                  <a:schemeClr val="lt1"/>
+                </a:solidFill>
+                <a:latin typeface="Arial" panose="020B0604020202020204" pitchFamily="34" charset="0"/>
+                <a:cs typeface="Arial" panose="020B0604020202020204" pitchFamily="34" charset="0"/>
+              </a:rPr>
+              <a:t>Leistung</a:t>
+            </a:r>
+          </a:p>
+          <a:p>
+            <a:pPr marL="514350" indent="-514350" algn="just">
+              <a:buFont typeface="+mj-lt"/>
+              <a:buAutoNum type="romanUcPeriod"/>
+            </a:pPr>
+            <a:r>
+              <a:rPr lang="de-DE" sz="2500" dirty="0" smtClean="0">
+                <a:solidFill>
+                  <a:schemeClr val="lt1"/>
+                </a:solidFill>
+                <a:latin typeface="Arial" panose="020B0604020202020204" pitchFamily="34" charset="0"/>
+                <a:cs typeface="Arial" panose="020B0604020202020204" pitchFamily="34" charset="0"/>
+              </a:rPr>
+              <a:t>Stakeholder</a:t>
+            </a:r>
+          </a:p>
+          <a:p>
+            <a:pPr marL="514350" indent="-514350" algn="just">
+              <a:buFont typeface="+mj-lt"/>
+              <a:buAutoNum type="romanUcPeriod"/>
+            </a:pPr>
+            <a:r>
+              <a:rPr lang="de-DE" sz="2500" dirty="0" smtClean="0">
+                <a:solidFill>
+                  <a:schemeClr val="lt1"/>
+                </a:solidFill>
+                <a:latin typeface="Arial" panose="020B0604020202020204" pitchFamily="34" charset="0"/>
+                <a:cs typeface="Arial" panose="020B0604020202020204" pitchFamily="34" charset="0"/>
+              </a:rPr>
+              <a:t>Aufwand</a:t>
+            </a:r>
+          </a:p>
+          <a:p>
+            <a:pPr marL="514350" indent="-514350" algn="just">
+              <a:buFont typeface="+mj-lt"/>
+              <a:buAutoNum type="romanUcPeriod"/>
+            </a:pPr>
+            <a:r>
+              <a:rPr lang="de-DE" sz="2500" dirty="0" smtClean="0">
+                <a:solidFill>
+                  <a:schemeClr val="lt1"/>
+                </a:solidFill>
+                <a:latin typeface="Arial" panose="020B0604020202020204" pitchFamily="34" charset="0"/>
+                <a:cs typeface="Arial" panose="020B0604020202020204" pitchFamily="34" charset="0"/>
+              </a:rPr>
+              <a:t>Termine</a:t>
+            </a:r>
+          </a:p>
+          <a:p>
+            <a:pPr algn="just"/>
+            <a:endParaRPr lang="de-DE" sz="2500" dirty="0">
+              <a:solidFill>
+                <a:schemeClr val="lt1"/>
+              </a:solidFill>
+              <a:latin typeface="Arial" panose="020B0604020202020204" pitchFamily="34" charset="0"/>
+              <a:cs typeface="Arial" panose="020B0604020202020204" pitchFamily="34" charset="0"/>
+            </a:endParaRPr>
+          </a:p>
+          <a:p>
+            <a:pPr algn="just"/>
+            <a:r>
+              <a:rPr lang="de-DE" sz="2500" dirty="0" err="1" smtClean="0">
+                <a:solidFill>
+                  <a:schemeClr val="lt1"/>
+                </a:solidFill>
+                <a:latin typeface="Arial" panose="020B0604020202020204" pitchFamily="34" charset="0"/>
+                <a:cs typeface="Arial" panose="020B0604020202020204" pitchFamily="34" charset="0"/>
+              </a:rPr>
+              <a:t>Stakeholderanalyse</a:t>
+            </a:r>
+            <a:r>
+              <a:rPr lang="de-DE" sz="2500" dirty="0" smtClean="0">
+                <a:solidFill>
+                  <a:schemeClr val="lt1"/>
+                </a:solidFill>
+                <a:latin typeface="Arial" panose="020B0604020202020204" pitchFamily="34" charset="0"/>
+                <a:cs typeface="Arial" panose="020B0604020202020204" pitchFamily="34" charset="0"/>
+              </a:rPr>
+              <a:t> für</a:t>
+            </a:r>
+          </a:p>
+          <a:p>
+            <a:pPr marL="514350" indent="-514350" algn="just">
+              <a:buFont typeface="+mj-lt"/>
+              <a:buAutoNum type="romanUcPeriod"/>
+            </a:pPr>
+            <a:r>
+              <a:rPr lang="de-DE" sz="2500" dirty="0" smtClean="0">
+                <a:solidFill>
+                  <a:schemeClr val="lt1"/>
+                </a:solidFill>
+                <a:latin typeface="Arial" panose="020B0604020202020204" pitchFamily="34" charset="0"/>
+                <a:cs typeface="Arial" panose="020B0604020202020204" pitchFamily="34" charset="0"/>
+              </a:rPr>
+              <a:t>Auftraggeber (</a:t>
+            </a:r>
+            <a:r>
+              <a:rPr lang="de-DE" sz="2500" dirty="0" err="1" smtClean="0">
+                <a:solidFill>
+                  <a:schemeClr val="lt1"/>
+                </a:solidFill>
+                <a:latin typeface="Arial" panose="020B0604020202020204" pitchFamily="34" charset="0"/>
+                <a:cs typeface="Arial" panose="020B0604020202020204" pitchFamily="34" charset="0"/>
+              </a:rPr>
+              <a:t>HfTL</a:t>
+            </a:r>
+            <a:r>
+              <a:rPr lang="de-DE" sz="2500" dirty="0" smtClean="0">
+                <a:solidFill>
+                  <a:schemeClr val="lt1"/>
+                </a:solidFill>
+                <a:latin typeface="Arial" panose="020B0604020202020204" pitchFamily="34" charset="0"/>
+                <a:cs typeface="Arial" panose="020B0604020202020204" pitchFamily="34" charset="0"/>
+              </a:rPr>
+              <a:t>)</a:t>
+            </a:r>
+          </a:p>
+          <a:p>
+            <a:pPr marL="514350" indent="-514350" algn="just">
+              <a:buFont typeface="+mj-lt"/>
+              <a:buAutoNum type="romanUcPeriod"/>
+            </a:pPr>
+            <a:r>
+              <a:rPr lang="de-DE" sz="2500" dirty="0" smtClean="0">
+                <a:solidFill>
+                  <a:schemeClr val="lt1"/>
+                </a:solidFill>
+                <a:latin typeface="Arial" panose="020B0604020202020204" pitchFamily="34" charset="0"/>
+                <a:cs typeface="Arial" panose="020B0604020202020204" pitchFamily="34" charset="0"/>
+              </a:rPr>
+              <a:t>Lenkungsausschuss (Dozenten)</a:t>
+            </a:r>
+          </a:p>
+          <a:p>
+            <a:pPr marL="514350" indent="-514350" algn="just">
+              <a:buFont typeface="+mj-lt"/>
+              <a:buAutoNum type="romanUcPeriod"/>
+            </a:pPr>
+            <a:r>
+              <a:rPr lang="de-DE" sz="2500" dirty="0" smtClean="0">
+                <a:solidFill>
+                  <a:schemeClr val="lt1"/>
+                </a:solidFill>
+                <a:latin typeface="Arial" panose="020B0604020202020204" pitchFamily="34" charset="0"/>
+                <a:cs typeface="Arial" panose="020B0604020202020204" pitchFamily="34" charset="0"/>
+              </a:rPr>
+              <a:t>IT und Organisation (Projektteam)</a:t>
+            </a:r>
           </a:p>
         </p:txBody>
       </p:sp>
       <p:pic>
         <p:nvPicPr>
-          <p:cNvPr id="1037" name="Picture 13" descr="C:\Users\student\Pictures\Organigramm.png"/>
+          <p:cNvPr id="1027" name="Picture 3" descr="C:\Users\student\Pictures\Unbenannt.png"/>
           <p:cNvPicPr>
             <a:picLocks noChangeAspect="1" noChangeArrowheads="1"/>
           </p:cNvPicPr>
@@ -3806,8 +4768,8 @@
         </p:blipFill>
         <p:spPr bwMode="auto">
           <a:xfrm>
-            <a:off x="21174871" y="9018886"/>
-            <a:ext cx="5918444" cy="2376264"/>
+            <a:off x="504359" y="4956708"/>
+            <a:ext cx="2295525" cy="2266950"/>
           </a:xfrm>
           <a:prstGeom prst="rect">
             <a:avLst/>
@@ -3824,16 +4786,722 @@
           </a:extLst>
         </p:spPr>
       </p:pic>
-      <p:sp>
-        <p:nvSpPr>
-          <p:cNvPr id="26" name="Abgerundetes Rechteck 25"/>
+      <p:pic>
+        <p:nvPicPr>
+          <p:cNvPr id="1030" name="Picture 6" descr="C:\Users\student\Pictures\Unbenannt2.png"/>
+          <p:cNvPicPr>
+            <a:picLocks noChangeAspect="1" noChangeArrowheads="1"/>
+          </p:cNvPicPr>
+          <p:nvPr/>
+        </p:nvPicPr>
+        <p:blipFill>
+          <a:blip r:embed="rId10">
+            <a:extLst>
+              <a:ext uri="{28A0092B-C50C-407E-A947-70E740481C1C}">
+                <a14:useLocalDpi xmlns:a14="http://schemas.microsoft.com/office/drawing/2010/main" val="0"/>
+              </a:ext>
+            </a:extLst>
+          </a:blip>
+          <a:srcRect/>
+          <a:stretch>
+            <a:fillRect/>
+          </a:stretch>
+        </p:blipFill>
+        <p:spPr bwMode="auto">
+          <a:xfrm>
+            <a:off x="3775578" y="4956708"/>
+            <a:ext cx="2295525" cy="2266950"/>
+          </a:xfrm>
+          <a:prstGeom prst="rect">
+            <a:avLst/>
+          </a:prstGeom>
+          <a:noFill/>
+          <a:extLst>
+            <a:ext uri="{909E8E84-426E-40DD-AFC4-6F175D3DCCD1}">
+              <a14:hiddenFill xmlns:a14="http://schemas.microsoft.com/office/drawing/2010/main">
+                <a:solidFill>
+                  <a:srgbClr val="FFFFFF"/>
+                </a:solidFill>
+              </a14:hiddenFill>
+            </a:ext>
+          </a:extLst>
+        </p:spPr>
+      </p:pic>
+      <p:pic>
+        <p:nvPicPr>
+          <p:cNvPr id="1029" name="Picture 5" descr="C:\Users\student\Pictures\Unbenannt3.png"/>
+          <p:cNvPicPr>
+            <a:picLocks noChangeAspect="1" noChangeArrowheads="1"/>
+          </p:cNvPicPr>
+          <p:nvPr/>
+        </p:nvPicPr>
+        <p:blipFill>
+          <a:blip r:embed="rId11">
+            <a:extLst>
+              <a:ext uri="{28A0092B-C50C-407E-A947-70E740481C1C}">
+                <a14:useLocalDpi xmlns:a14="http://schemas.microsoft.com/office/drawing/2010/main" val="0"/>
+              </a:ext>
+            </a:extLst>
+          </a:blip>
+          <a:srcRect/>
+          <a:stretch>
+            <a:fillRect/>
+          </a:stretch>
+        </p:blipFill>
+        <p:spPr bwMode="auto">
+          <a:xfrm>
+            <a:off x="7228342" y="4956708"/>
+            <a:ext cx="2295525" cy="2266950"/>
+          </a:xfrm>
+          <a:prstGeom prst="rect">
+            <a:avLst/>
+          </a:prstGeom>
+          <a:noFill/>
+          <a:extLst>
+            <a:ext uri="{909E8E84-426E-40DD-AFC4-6F175D3DCCD1}">
+              <a14:hiddenFill xmlns:a14="http://schemas.microsoft.com/office/drawing/2010/main">
+                <a:solidFill>
+                  <a:srgbClr val="FFFFFF"/>
+                </a:solidFill>
+              </a14:hiddenFill>
+            </a:ext>
+          </a:extLst>
+        </p:spPr>
+      </p:pic>
+      <p:pic>
+        <p:nvPicPr>
+          <p:cNvPr id="29" name="Grafik 28"/>
+          <p:cNvPicPr/>
+          <p:nvPr/>
+        </p:nvPicPr>
+        <p:blipFill>
+          <a:blip r:embed="rId12"/>
+          <a:stretch>
+            <a:fillRect/>
+          </a:stretch>
+        </p:blipFill>
+        <p:spPr>
+          <a:xfrm>
+            <a:off x="9000681" y="13800634"/>
+            <a:ext cx="5760720" cy="5777230"/>
+          </a:xfrm>
+          <a:prstGeom prst="rect">
+            <a:avLst/>
+          </a:prstGeom>
+        </p:spPr>
+      </p:pic>
+      <p:pic>
+        <p:nvPicPr>
+          <p:cNvPr id="31" name="Grafik 30"/>
+          <p:cNvPicPr/>
+          <p:nvPr/>
+        </p:nvPicPr>
+        <p:blipFill>
+          <a:blip r:embed="rId13"/>
+          <a:stretch>
+            <a:fillRect/>
+          </a:stretch>
+        </p:blipFill>
+        <p:spPr>
+          <a:xfrm>
+            <a:off x="9140306" y="17765685"/>
+            <a:ext cx="5067300" cy="1743075"/>
+          </a:xfrm>
+          <a:prstGeom prst="rect">
+            <a:avLst/>
+          </a:prstGeom>
+        </p:spPr>
+      </p:pic>
+      <p:sp>
+        <p:nvSpPr>
+          <p:cNvPr id="34" name="Textfeld 33"/>
+          <p:cNvSpPr txBox="1"/>
+          <p:nvPr/>
+        </p:nvSpPr>
+        <p:spPr>
+          <a:xfrm>
+            <a:off x="166259" y="7514555"/>
+            <a:ext cx="2971723" cy="1169551"/>
+          </a:xfrm>
+          <a:prstGeom prst="rect">
+            <a:avLst/>
+          </a:prstGeom>
+          <a:noFill/>
+        </p:spPr>
+        <p:txBody>
+          <a:bodyPr wrap="square" rtlCol="0">
+            <a:spAutoFit/>
+          </a:bodyPr>
+          <a:lstStyle/>
+          <a:p>
+            <a:pPr algn="ctr"/>
+            <a:r>
+              <a:rPr lang="de-DE" sz="3500" b="1" dirty="0" smtClean="0">
+                <a:solidFill>
+                  <a:schemeClr val="lt1"/>
+                </a:solidFill>
+                <a:latin typeface="Arial" panose="020B0604020202020204" pitchFamily="34" charset="0"/>
+                <a:cs typeface="Arial" panose="020B0604020202020204" pitchFamily="34" charset="0"/>
+              </a:rPr>
+              <a:t>Fund</a:t>
+            </a:r>
+          </a:p>
+          <a:p>
+            <a:pPr algn="ctr"/>
+            <a:r>
+              <a:rPr lang="de-DE" sz="3500" b="1" dirty="0" smtClean="0">
+                <a:solidFill>
+                  <a:schemeClr val="lt1"/>
+                </a:solidFill>
+                <a:latin typeface="Arial" panose="020B0604020202020204" pitchFamily="34" charset="0"/>
+                <a:cs typeface="Arial" panose="020B0604020202020204" pitchFamily="34" charset="0"/>
+              </a:rPr>
+              <a:t>melden</a:t>
+            </a:r>
+            <a:endParaRPr lang="de-DE" sz="3500" b="1" dirty="0">
+              <a:solidFill>
+                <a:schemeClr val="lt1"/>
+              </a:solidFill>
+              <a:latin typeface="Arial" panose="020B0604020202020204" pitchFamily="34" charset="0"/>
+              <a:cs typeface="Arial" panose="020B0604020202020204" pitchFamily="34" charset="0"/>
+            </a:endParaRPr>
+          </a:p>
+        </p:txBody>
+      </p:sp>
+      <p:sp>
+        <p:nvSpPr>
+          <p:cNvPr id="35" name="Abgerundetes Rechteck 34"/>
           <p:cNvSpPr/>
           <p:nvPr/>
         </p:nvSpPr>
         <p:spPr>
           <a:xfrm>
-            <a:off x="2178547" y="16867758"/>
-            <a:ext cx="25130792" cy="8352928"/>
+            <a:off x="15503263" y="3792297"/>
+            <a:ext cx="10945216" cy="6056308"/>
+          </a:xfrm>
+          <a:prstGeom prst="roundRect">
+            <a:avLst>
+              <a:gd name="adj" fmla="val 8468"/>
+            </a:avLst>
+          </a:prstGeom>
+        </p:spPr>
+        <p:style>
+          <a:lnRef idx="2">
+            <a:schemeClr val="accent1">
+              <a:shade val="50000"/>
+            </a:schemeClr>
+          </a:lnRef>
+          <a:fillRef idx="1">
+            <a:schemeClr val="accent1"/>
+          </a:fillRef>
+          <a:effectRef idx="0">
+            <a:schemeClr val="accent1"/>
+          </a:effectRef>
+          <a:fontRef idx="minor">
+            <a:schemeClr val="lt1"/>
+          </a:fontRef>
+        </p:style>
+        <p:txBody>
+          <a:bodyPr rtlCol="0" anchor="ctr"/>
+          <a:lstStyle/>
+          <a:p>
+            <a:pPr algn="just"/>
+            <a:endParaRPr lang="de-DE" sz="2500" dirty="0" smtClean="0">
+              <a:latin typeface="Arial" panose="020B0604020202020204" pitchFamily="34" charset="0"/>
+              <a:cs typeface="Arial" panose="020B0604020202020204" pitchFamily="34" charset="0"/>
+            </a:endParaRPr>
+          </a:p>
+        </p:txBody>
+      </p:sp>
+      <p:sp>
+        <p:nvSpPr>
+          <p:cNvPr id="36" name="Textfeld 35"/>
+          <p:cNvSpPr txBox="1"/>
+          <p:nvPr/>
+        </p:nvSpPr>
+        <p:spPr>
+          <a:xfrm>
+            <a:off x="17497871" y="3804037"/>
+            <a:ext cx="7147049" cy="861774"/>
+          </a:xfrm>
+          <a:prstGeom prst="rect">
+            <a:avLst/>
+          </a:prstGeom>
+          <a:noFill/>
+        </p:spPr>
+        <p:txBody>
+          <a:bodyPr wrap="square" rtlCol="0">
+            <a:spAutoFit/>
+          </a:bodyPr>
+          <a:lstStyle/>
+          <a:p>
+            <a:pPr algn="ctr"/>
+            <a:r>
+              <a:rPr lang="de-DE" sz="5000" b="1" u="sng" dirty="0" smtClean="0">
+                <a:solidFill>
+                  <a:schemeClr val="lt1"/>
+                </a:solidFill>
+                <a:latin typeface="Arial" panose="020B0604020202020204" pitchFamily="34" charset="0"/>
+                <a:cs typeface="Arial" panose="020B0604020202020204" pitchFamily="34" charset="0"/>
+              </a:rPr>
+              <a:t>Problembeschreibung</a:t>
+            </a:r>
+            <a:endParaRPr lang="de-DE" sz="5000" b="1" u="sng" dirty="0">
+              <a:solidFill>
+                <a:schemeClr val="lt1"/>
+              </a:solidFill>
+              <a:latin typeface="Arial" panose="020B0604020202020204" pitchFamily="34" charset="0"/>
+              <a:cs typeface="Arial" panose="020B0604020202020204" pitchFamily="34" charset="0"/>
+            </a:endParaRPr>
+          </a:p>
+        </p:txBody>
+      </p:sp>
+      <p:sp>
+        <p:nvSpPr>
+          <p:cNvPr id="39" name="Textfeld 38"/>
+          <p:cNvSpPr txBox="1"/>
+          <p:nvPr/>
+        </p:nvSpPr>
+        <p:spPr>
+          <a:xfrm>
+            <a:off x="16157342" y="5049787"/>
+            <a:ext cx="9637058" cy="4708981"/>
+          </a:xfrm>
+          <a:prstGeom prst="rect">
+            <a:avLst/>
+          </a:prstGeom>
+          <a:noFill/>
+        </p:spPr>
+        <p:txBody>
+          <a:bodyPr wrap="square" rtlCol="0">
+            <a:spAutoFit/>
+          </a:bodyPr>
+          <a:lstStyle/>
+          <a:p>
+            <a:pPr algn="just"/>
+            <a:r>
+              <a:rPr lang="de-DE" sz="2500" dirty="0">
+                <a:solidFill>
+                  <a:schemeClr val="lt1"/>
+                </a:solidFill>
+                <a:latin typeface="Arial" panose="020B0604020202020204" pitchFamily="34" charset="0"/>
+                <a:cs typeface="Arial" panose="020B0604020202020204" pitchFamily="34" charset="0"/>
+              </a:rPr>
+              <a:t>An der </a:t>
+            </a:r>
+            <a:r>
+              <a:rPr lang="de-DE" sz="2500" dirty="0" err="1">
+                <a:solidFill>
+                  <a:schemeClr val="lt1"/>
+                </a:solidFill>
+                <a:latin typeface="Arial" panose="020B0604020202020204" pitchFamily="34" charset="0"/>
+                <a:cs typeface="Arial" panose="020B0604020202020204" pitchFamily="34" charset="0"/>
+              </a:rPr>
+              <a:t>HfTL</a:t>
+            </a:r>
+            <a:r>
+              <a:rPr lang="de-DE" sz="2500" dirty="0">
+                <a:solidFill>
+                  <a:schemeClr val="lt1"/>
+                </a:solidFill>
+                <a:latin typeface="Arial" panose="020B0604020202020204" pitchFamily="34" charset="0"/>
+                <a:cs typeface="Arial" panose="020B0604020202020204" pitchFamily="34" charset="0"/>
+              </a:rPr>
+              <a:t> werden des Öfteren Gegenstände verloren </a:t>
+            </a:r>
+            <a:r>
+              <a:rPr lang="de-DE" sz="2500" dirty="0" smtClean="0">
+                <a:solidFill>
+                  <a:schemeClr val="lt1"/>
+                </a:solidFill>
+                <a:latin typeface="Arial" panose="020B0604020202020204" pitchFamily="34" charset="0"/>
+                <a:cs typeface="Arial" panose="020B0604020202020204" pitchFamily="34" charset="0"/>
+              </a:rPr>
+              <a:t>beziehungsweise gefunden</a:t>
+            </a:r>
+            <a:r>
+              <a:rPr lang="de-DE" sz="2500" dirty="0">
+                <a:solidFill>
+                  <a:schemeClr val="lt1"/>
+                </a:solidFill>
+                <a:latin typeface="Arial" panose="020B0604020202020204" pitchFamily="34" charset="0"/>
+                <a:cs typeface="Arial" panose="020B0604020202020204" pitchFamily="34" charset="0"/>
+              </a:rPr>
+              <a:t>. Das Zusammenführen von Besitzer und Finder verläuft jedoch oft </a:t>
+            </a:r>
+            <a:r>
+              <a:rPr lang="de-DE" sz="2500" dirty="0" smtClean="0">
+                <a:solidFill>
+                  <a:schemeClr val="lt1"/>
+                </a:solidFill>
+                <a:latin typeface="Arial" panose="020B0604020202020204" pitchFamily="34" charset="0"/>
+                <a:cs typeface="Arial" panose="020B0604020202020204" pitchFamily="34" charset="0"/>
+              </a:rPr>
+              <a:t>langwierig </a:t>
+            </a:r>
+            <a:r>
+              <a:rPr lang="de-DE" sz="2500" dirty="0">
+                <a:solidFill>
+                  <a:schemeClr val="lt1"/>
+                </a:solidFill>
+                <a:latin typeface="Arial" panose="020B0604020202020204" pitchFamily="34" charset="0"/>
+                <a:cs typeface="Arial" panose="020B0604020202020204" pitchFamily="34" charset="0"/>
+              </a:rPr>
+              <a:t>und mit hohem Aufwand. Falls es keine Hinweise per </a:t>
+            </a:r>
+            <a:r>
+              <a:rPr lang="de-DE" sz="2500" dirty="0" smtClean="0">
+                <a:solidFill>
+                  <a:schemeClr val="lt1"/>
+                </a:solidFill>
+                <a:latin typeface="Arial" panose="020B0604020202020204" pitchFamily="34" charset="0"/>
+                <a:cs typeface="Arial" panose="020B0604020202020204" pitchFamily="34" charset="0"/>
+              </a:rPr>
+              <a:t>E-Mail gibt, ist man gezwungen eine Vielzahl von Büros aufzusuchen um weitere Informationen zu dem verlorenen Gegenstand zu erhalten. </a:t>
+            </a:r>
+          </a:p>
+          <a:p>
+            <a:pPr algn="just"/>
+            <a:r>
+              <a:rPr lang="de-DE" sz="2500" dirty="0" smtClean="0">
+                <a:solidFill>
+                  <a:schemeClr val="lt1"/>
+                </a:solidFill>
+                <a:latin typeface="Arial" panose="020B0604020202020204" pitchFamily="34" charset="0"/>
+                <a:cs typeface="Arial" panose="020B0604020202020204" pitchFamily="34" charset="0"/>
+              </a:rPr>
+              <a:t>Da das Widerfinden verschwundener Gegenstände oft erfolglos bleibt, ergibt sich hieraus eine konkrete Frage.</a:t>
+            </a:r>
+          </a:p>
+          <a:p>
+            <a:pPr algn="just"/>
+            <a:endParaRPr lang="de-DE" sz="2500" dirty="0">
+              <a:solidFill>
+                <a:schemeClr val="lt1"/>
+              </a:solidFill>
+              <a:latin typeface="Arial" panose="020B0604020202020204" pitchFamily="34" charset="0"/>
+              <a:cs typeface="Arial" panose="020B0604020202020204" pitchFamily="34" charset="0"/>
+            </a:endParaRPr>
+          </a:p>
+          <a:p>
+            <a:pPr algn="just"/>
+            <a:r>
+              <a:rPr lang="de-DE" sz="2500" dirty="0" smtClean="0">
+                <a:solidFill>
+                  <a:schemeClr val="lt1"/>
+                </a:solidFill>
+                <a:latin typeface="Arial" panose="020B0604020202020204" pitchFamily="34" charset="0"/>
+                <a:cs typeface="Arial" panose="020B0604020202020204" pitchFamily="34" charset="0"/>
+              </a:rPr>
+              <a:t>Wie kann man mit wenig Aufwand die Erfolgsaussichten eines Wiederfindens erhöhen?</a:t>
+            </a:r>
+            <a:endParaRPr lang="de-DE" sz="2500" dirty="0">
+              <a:solidFill>
+                <a:schemeClr val="lt1"/>
+              </a:solidFill>
+              <a:latin typeface="Arial" panose="020B0604020202020204" pitchFamily="34" charset="0"/>
+              <a:cs typeface="Arial" panose="020B0604020202020204" pitchFamily="34" charset="0"/>
+            </a:endParaRPr>
+          </a:p>
+          <a:p>
+            <a:pPr algn="just"/>
+            <a:endParaRPr lang="de-DE" sz="2500" dirty="0">
+              <a:solidFill>
+                <a:schemeClr val="lt1"/>
+              </a:solidFill>
+              <a:latin typeface="Arial" panose="020B0604020202020204" pitchFamily="34" charset="0"/>
+              <a:cs typeface="Arial" panose="020B0604020202020204" pitchFamily="34" charset="0"/>
+            </a:endParaRPr>
+          </a:p>
+        </p:txBody>
+      </p:sp>
+      <p:sp>
+        <p:nvSpPr>
+          <p:cNvPr id="40" name="Textfeld 39"/>
+          <p:cNvSpPr txBox="1"/>
+          <p:nvPr/>
+        </p:nvSpPr>
+        <p:spPr>
+          <a:xfrm>
+            <a:off x="115786" y="17329237"/>
+            <a:ext cx="2971723" cy="630942"/>
+          </a:xfrm>
+          <a:prstGeom prst="rect">
+            <a:avLst/>
+          </a:prstGeom>
+          <a:noFill/>
+        </p:spPr>
+        <p:txBody>
+          <a:bodyPr wrap="square" rtlCol="0">
+            <a:spAutoFit/>
+          </a:bodyPr>
+          <a:lstStyle/>
+          <a:p>
+            <a:pPr algn="ctr"/>
+            <a:r>
+              <a:rPr lang="de-DE" sz="3500" b="1" dirty="0" smtClean="0">
+                <a:solidFill>
+                  <a:schemeClr val="lt1"/>
+                </a:solidFill>
+                <a:latin typeface="Arial" panose="020B0604020202020204" pitchFamily="34" charset="0"/>
+                <a:cs typeface="Arial" panose="020B0604020202020204" pitchFamily="34" charset="0"/>
+              </a:rPr>
+              <a:t>Startseite</a:t>
+            </a:r>
+            <a:endParaRPr lang="de-DE" sz="3500" b="1" dirty="0">
+              <a:solidFill>
+                <a:schemeClr val="lt1"/>
+              </a:solidFill>
+              <a:latin typeface="Arial" panose="020B0604020202020204" pitchFamily="34" charset="0"/>
+              <a:cs typeface="Arial" panose="020B0604020202020204" pitchFamily="34" charset="0"/>
+            </a:endParaRPr>
+          </a:p>
+        </p:txBody>
+      </p:sp>
+      <p:sp>
+        <p:nvSpPr>
+          <p:cNvPr id="41" name="Textfeld 40"/>
+          <p:cNvSpPr txBox="1"/>
+          <p:nvPr/>
+        </p:nvSpPr>
+        <p:spPr>
+          <a:xfrm>
+            <a:off x="14932615" y="16698295"/>
+            <a:ext cx="6412984" cy="630942"/>
+          </a:xfrm>
+          <a:prstGeom prst="rect">
+            <a:avLst/>
+          </a:prstGeom>
+          <a:noFill/>
+        </p:spPr>
+        <p:txBody>
+          <a:bodyPr wrap="square" rtlCol="0">
+            <a:spAutoFit/>
+          </a:bodyPr>
+          <a:lstStyle/>
+          <a:p>
+            <a:r>
+              <a:rPr lang="de-DE" sz="3500" b="1" dirty="0" smtClean="0">
+                <a:solidFill>
+                  <a:schemeClr val="lt1"/>
+                </a:solidFill>
+                <a:latin typeface="Arial" panose="020B0604020202020204" pitchFamily="34" charset="0"/>
+                <a:cs typeface="Arial" panose="020B0604020202020204" pitchFamily="34" charset="0"/>
+              </a:rPr>
+              <a:t>Auflistung aller Fundsachen</a:t>
+            </a:r>
+            <a:endParaRPr lang="de-DE" sz="3500" b="1" dirty="0">
+              <a:solidFill>
+                <a:schemeClr val="lt1"/>
+              </a:solidFill>
+              <a:latin typeface="Arial" panose="020B0604020202020204" pitchFamily="34" charset="0"/>
+              <a:cs typeface="Arial" panose="020B0604020202020204" pitchFamily="34" charset="0"/>
+            </a:endParaRPr>
+          </a:p>
+        </p:txBody>
+      </p:sp>
+      <p:sp>
+        <p:nvSpPr>
+          <p:cNvPr id="42" name="Textfeld 41"/>
+          <p:cNvSpPr txBox="1"/>
+          <p:nvPr/>
+        </p:nvSpPr>
+        <p:spPr>
+          <a:xfrm>
+            <a:off x="9000681" y="19656465"/>
+            <a:ext cx="3912108" cy="630942"/>
+          </a:xfrm>
+          <a:prstGeom prst="rect">
+            <a:avLst/>
+          </a:prstGeom>
+          <a:noFill/>
+        </p:spPr>
+        <p:txBody>
+          <a:bodyPr wrap="square" rtlCol="0">
+            <a:spAutoFit/>
+          </a:bodyPr>
+          <a:lstStyle/>
+          <a:p>
+            <a:r>
+              <a:rPr lang="de-DE" sz="3500" b="1" dirty="0" smtClean="0">
+                <a:solidFill>
+                  <a:schemeClr val="lt1"/>
+                </a:solidFill>
+                <a:latin typeface="Arial" panose="020B0604020202020204" pitchFamily="34" charset="0"/>
+                <a:cs typeface="Arial" panose="020B0604020202020204" pitchFamily="34" charset="0"/>
+              </a:rPr>
+              <a:t>Fund melden</a:t>
+            </a:r>
+            <a:endParaRPr lang="de-DE" sz="3500" b="1" dirty="0">
+              <a:solidFill>
+                <a:schemeClr val="lt1"/>
+              </a:solidFill>
+              <a:latin typeface="Arial" panose="020B0604020202020204" pitchFamily="34" charset="0"/>
+              <a:cs typeface="Arial" panose="020B0604020202020204" pitchFamily="34" charset="0"/>
+            </a:endParaRPr>
+          </a:p>
+        </p:txBody>
+      </p:sp>
+      <p:pic>
+        <p:nvPicPr>
+          <p:cNvPr id="15" name="Grafik 14"/>
+          <p:cNvPicPr>
+            <a:picLocks noChangeAspect="1"/>
+          </p:cNvPicPr>
+          <p:nvPr/>
+        </p:nvPicPr>
+        <p:blipFill>
+          <a:blip r:embed="rId14"/>
+          <a:stretch>
+            <a:fillRect/>
+          </a:stretch>
+        </p:blipFill>
+        <p:spPr>
+          <a:xfrm>
+            <a:off x="21553533" y="13793472"/>
+            <a:ext cx="4629150" cy="7010400"/>
+          </a:xfrm>
+          <a:prstGeom prst="rect">
+            <a:avLst/>
+          </a:prstGeom>
+        </p:spPr>
+      </p:pic>
+      <p:sp>
+        <p:nvSpPr>
+          <p:cNvPr id="45" name="Textfeld 44"/>
+          <p:cNvSpPr txBox="1"/>
+          <p:nvPr/>
+        </p:nvSpPr>
+        <p:spPr>
+          <a:xfrm>
+            <a:off x="21434901" y="20918626"/>
+            <a:ext cx="5013578" cy="642795"/>
+          </a:xfrm>
+          <a:prstGeom prst="rect">
+            <a:avLst/>
+          </a:prstGeom>
+          <a:noFill/>
+        </p:spPr>
+        <p:txBody>
+          <a:bodyPr wrap="square" rtlCol="0">
+            <a:spAutoFit/>
+          </a:bodyPr>
+          <a:lstStyle/>
+          <a:p>
+            <a:r>
+              <a:rPr lang="de-DE" sz="3500" b="1" dirty="0" smtClean="0">
+                <a:solidFill>
+                  <a:schemeClr val="lt1"/>
+                </a:solidFill>
+                <a:latin typeface="Arial" panose="020B0604020202020204" pitchFamily="34" charset="0"/>
+                <a:cs typeface="Arial" panose="020B0604020202020204" pitchFamily="34" charset="0"/>
+              </a:rPr>
+              <a:t>Gefundenes löschen</a:t>
+            </a:r>
+            <a:endParaRPr lang="de-DE" sz="3500" b="1" dirty="0">
+              <a:solidFill>
+                <a:schemeClr val="lt1"/>
+              </a:solidFill>
+              <a:latin typeface="Arial" panose="020B0604020202020204" pitchFamily="34" charset="0"/>
+              <a:cs typeface="Arial" panose="020B0604020202020204" pitchFamily="34" charset="0"/>
+            </a:endParaRPr>
+          </a:p>
+        </p:txBody>
+      </p:sp>
+      <p:pic>
+        <p:nvPicPr>
+          <p:cNvPr id="16" name="Grafik 15"/>
+          <p:cNvPicPr>
+            <a:picLocks noChangeAspect="1"/>
+          </p:cNvPicPr>
+          <p:nvPr/>
+        </p:nvPicPr>
+        <p:blipFill>
+          <a:blip r:embed="rId15"/>
+          <a:stretch>
+            <a:fillRect/>
+          </a:stretch>
+        </p:blipFill>
+        <p:spPr>
+          <a:xfrm>
+            <a:off x="22545419" y="17928393"/>
+            <a:ext cx="3240360" cy="1417658"/>
+          </a:xfrm>
+          <a:prstGeom prst="rect">
+            <a:avLst/>
+          </a:prstGeom>
+        </p:spPr>
+      </p:pic>
+      <p:pic>
+        <p:nvPicPr>
+          <p:cNvPr id="17" name="Grafik 16"/>
+          <p:cNvPicPr>
+            <a:picLocks noChangeAspect="1"/>
+          </p:cNvPicPr>
+          <p:nvPr/>
+        </p:nvPicPr>
+        <p:blipFill>
+          <a:blip r:embed="rId16"/>
+          <a:stretch>
+            <a:fillRect/>
+          </a:stretch>
+        </p:blipFill>
+        <p:spPr>
+          <a:xfrm>
+            <a:off x="14949435" y="13816719"/>
+            <a:ext cx="6425480" cy="2805121"/>
+          </a:xfrm>
+          <a:prstGeom prst="rect">
+            <a:avLst/>
+          </a:prstGeom>
+        </p:spPr>
+      </p:pic>
+      <p:sp>
+        <p:nvSpPr>
+          <p:cNvPr id="50" name="Textfeld 49"/>
+          <p:cNvSpPr txBox="1"/>
+          <p:nvPr/>
+        </p:nvSpPr>
+        <p:spPr>
+          <a:xfrm>
+            <a:off x="881139" y="9202235"/>
+            <a:ext cx="9637058" cy="2785378"/>
+          </a:xfrm>
+          <a:prstGeom prst="rect">
+            <a:avLst/>
+          </a:prstGeom>
+          <a:noFill/>
+        </p:spPr>
+        <p:txBody>
+          <a:bodyPr wrap="square" rtlCol="0">
+            <a:spAutoFit/>
+          </a:bodyPr>
+          <a:lstStyle/>
+          <a:p>
+            <a:pPr algn="just"/>
+            <a:r>
+              <a:rPr lang="de-DE" sz="2500" dirty="0" smtClean="0">
+                <a:solidFill>
+                  <a:schemeClr val="lt1"/>
+                </a:solidFill>
+                <a:latin typeface="Arial" panose="020B0604020202020204" pitchFamily="34" charset="0"/>
+                <a:cs typeface="Arial" panose="020B0604020202020204" pitchFamily="34" charset="0"/>
+              </a:rPr>
+              <a:t>Das Ziel dieses Projektes, ist es eine Web-basierte Software zu entwickeln, welche zwischen dem Finder und dem Suchenden vermittelt. Es soll dem Finder die Möglichkeit geboten werden einen gefundenen Artikel auf die Plattform zu stellen. Eine suchende Person muss diese dementsprechend finden können und schlussendlich muss ein gefundener Artikel auch wieder aus der Datenbank gelöscht werden können.</a:t>
+            </a:r>
+          </a:p>
+        </p:txBody>
+      </p:sp>
+      <p:sp>
+        <p:nvSpPr>
+          <p:cNvPr id="52" name="Abgerundetes Rechteck 51"/>
+          <p:cNvSpPr/>
+          <p:nvPr/>
+        </p:nvSpPr>
+        <p:spPr>
+          <a:xfrm>
+            <a:off x="14085893" y="37187716"/>
+            <a:ext cx="14099545" cy="4329881"/>
           </a:xfrm>
           <a:prstGeom prst="roundRect">
             <a:avLst>
@@ -3841,59 +5509,44 @@
             </a:avLst>
           </a:prstGeom>
           <a:solidFill>
-            <a:srgbClr val="00CC99"/>
+            <a:schemeClr val="accent1">
+              <a:lumMod val="60000"/>
+              <a:lumOff val="40000"/>
+            </a:schemeClr>
           </a:solidFill>
-          <a:ln>
-            <a:solidFill>
-              <a:srgbClr val="2FA68E"/>
-            </a:solidFill>
-          </a:ln>
         </p:spPr>
         <p:style>
           <a:lnRef idx="2">
-            <a:schemeClr val="accent5">
+            <a:schemeClr val="accent3">
               <a:shade val="50000"/>
             </a:schemeClr>
           </a:lnRef>
           <a:fillRef idx="1">
-            <a:schemeClr val="accent5"/>
+            <a:schemeClr val="accent3"/>
           </a:fillRef>
           <a:effectRef idx="0">
-            <a:schemeClr val="accent5"/>
+            <a:schemeClr val="accent3"/>
           </a:effectRef>
           <a:fontRef idx="minor">
             <a:schemeClr val="lt1"/>
           </a:fontRef>
         </p:style>
         <p:txBody>
-          <a:bodyPr numCol="3" rtlCol="0" anchor="ctr"/>
+          <a:bodyPr rtlCol="0" anchor="t" anchorCtr="0"/>
           <a:lstStyle/>
           <a:p>
             <a:pPr algn="ctr"/>
-            <a:endParaRPr lang="de-DE" sz="5000" b="1" u="sng" dirty="0" smtClean="0"/>
-          </a:p>
-          <a:p>
-            <a:pPr algn="ctr"/>
-            <a:r>
-              <a:rPr lang="de-DE" sz="5000" b="1" u="sng" dirty="0" smtClean="0"/>
-              <a:t>Ergebnisse</a:t>
-            </a:r>
-          </a:p>
-          <a:p>
-            <a:pPr algn="ctr"/>
-            <a:endParaRPr lang="de-DE" sz="5000" b="1" u="sng" dirty="0" smtClean="0"/>
-          </a:p>
-          <a:p>
-            <a:pPr algn="ctr"/>
-            <a:endParaRPr lang="de-DE" sz="5000" b="1" u="sng" dirty="0"/>
-          </a:p>
-          <a:p>
-            <a:pPr algn="ctr"/>
-            <a:endParaRPr lang="de-DE" sz="5000" b="1" u="sng" dirty="0" smtClean="0"/>
-          </a:p>
-          <a:p>
-            <a:pPr algn="ctr"/>
-            <a:endParaRPr lang="de-DE" sz="5000" b="1" u="sng" dirty="0" smtClean="0"/>
+            <a:r>
+              <a:rPr lang="de-DE" sz="5000" b="1" u="sng" dirty="0" smtClean="0">
+                <a:latin typeface="Arial" panose="020B0604020202020204" pitchFamily="34" charset="0"/>
+                <a:cs typeface="Arial" panose="020B0604020202020204" pitchFamily="34" charset="0"/>
+              </a:rPr>
+              <a:t>Grobe Kostenschätzung</a:t>
+            </a:r>
+            <a:endParaRPr lang="de-DE" sz="5000" b="1" u="sng" dirty="0" smtClean="0">
+              <a:latin typeface="Arial" panose="020B0604020202020204" pitchFamily="34" charset="0"/>
+              <a:cs typeface="Arial" panose="020B0604020202020204" pitchFamily="34" charset="0"/>
+            </a:endParaRPr>
           </a:p>
           <a:p>
             <a:pPr algn="ctr"/>
@@ -3919,24 +5572,110 @@
       </p:sp>
       <p:pic>
         <p:nvPicPr>
-          <p:cNvPr id="27" name="Grafik 26"/>
-          <p:cNvPicPr/>
+          <p:cNvPr id="20" name="Grafik 3"/>
+          <p:cNvPicPr>
+            <a:picLocks noChangeAspect="1" noChangeArrowheads="1"/>
+          </p:cNvPicPr>
           <p:nvPr/>
         </p:nvPicPr>
         <p:blipFill>
-          <a:blip r:embed="rId10"/>
+          <a:blip r:embed="rId17">
+            <a:extLst>
+              <a:ext uri="{28A0092B-C50C-407E-A947-70E740481C1C}">
+                <a14:useLocalDpi xmlns:a14="http://schemas.microsoft.com/office/drawing/2010/main" val="0"/>
+              </a:ext>
+            </a:extLst>
+          </a:blip>
+          <a:srcRect/>
           <a:stretch>
             <a:fillRect/>
           </a:stretch>
         </p:blipFill>
-        <p:spPr>
-          <a:xfrm>
-            <a:off x="10675491" y="19331992"/>
-            <a:ext cx="8136904" cy="3424460"/>
+        <p:spPr bwMode="auto">
+          <a:xfrm>
+            <a:off x="14421085" y="38603696"/>
+            <a:ext cx="13392029" cy="2142724"/>
           </a:xfrm>
           <a:prstGeom prst="rect">
             <a:avLst/>
           </a:prstGeom>
+          <a:noFill/>
+          <a:ln>
+            <a:noFill/>
+          </a:ln>
+          <a:extLst>
+            <a:ext uri="{909E8E84-426E-40DD-AFC4-6F175D3DCCD1}">
+              <a14:hiddenFill xmlns:a14="http://schemas.microsoft.com/office/drawing/2010/main">
+                <a:solidFill>
+                  <a:srgbClr val="FFFFFF"/>
+                </a:solidFill>
+              </a14:hiddenFill>
+            </a:ext>
+            <a:ext uri="{91240B29-F687-4F45-9708-019B960494DF}">
+              <a14:hiddenLine xmlns:a14="http://schemas.microsoft.com/office/drawing/2010/main" w="9525">
+                <a:solidFill>
+                  <a:srgbClr val="000000"/>
+                </a:solidFill>
+                <a:miter lim="800000"/>
+                <a:headEnd/>
+                <a:tailEnd/>
+              </a14:hiddenLine>
+            </a:ext>
+          </a:extLst>
+        </p:spPr>
+      </p:pic>
+      <p:pic>
+        <p:nvPicPr>
+          <p:cNvPr id="1028" name="Grafik 1"/>
+          <p:cNvPicPr>
+            <a:picLocks noChangeAspect="1" noChangeArrowheads="1"/>
+          </p:cNvPicPr>
+          <p:nvPr/>
+        </p:nvPicPr>
+        <p:blipFill>
+          <a:blip r:embed="rId18">
+            <a:extLst>
+              <a:ext uri="{28A0092B-C50C-407E-A947-70E740481C1C}">
+                <a14:useLocalDpi xmlns:a14="http://schemas.microsoft.com/office/drawing/2010/main" val="0"/>
+              </a:ext>
+            </a:extLst>
+          </a:blip>
+          <a:srcRect/>
+          <a:stretch>
+            <a:fillRect/>
+          </a:stretch>
+        </p:blipFill>
+        <p:spPr bwMode="auto">
+          <a:xfrm>
+            <a:off x="16493773" y="31192868"/>
+            <a:ext cx="9589921" cy="4433833"/>
+          </a:xfrm>
+          <a:prstGeom prst="rect">
+            <a:avLst/>
+          </a:prstGeom>
+          <a:noFill/>
+          <a:ln>
+            <a:noFill/>
+          </a:ln>
+          <a:extLst>
+            <a:ext uri="{909E8E84-426E-40DD-AFC4-6F175D3DCCD1}">
+              <a14:hiddenFill xmlns:a14="http://schemas.microsoft.com/office/drawing/2010/main">
+                <a:solidFill>
+                  <a:srgbClr val="FFFFFF"/>
+                </a:solidFill>
+              </a14:hiddenFill>
+            </a:ext>
+            <a:ext uri="{91240B29-F687-4F45-9708-019B960494DF}">
+              <a14:hiddenLine xmlns:a14="http://schemas.microsoft.com/office/drawing/2010/main" w="9525">
+                <a:solidFill>
+                  <a:srgbClr val="000000"/>
+                </a:solidFill>
+                <a:miter lim="800000"/>
+                <a:headEnd/>
+                <a:tailEnd/>
+              </a14:hiddenLine>
+            </a:ext>
+          </a:extLst>
         </p:spPr>
       </p:pic>
     </p:spTree>
@@ -4242,4 +5981,265 @@
   <a:objectDefaults/>
   <a:extraClrSchemeLst/>
 </a:theme>
+</file>
+
+<file path=ppt/theme/theme2.xml><?xml version="1.0" encoding="utf-8"?>
+<a:theme xmlns:a="http://schemas.openxmlformats.org/drawingml/2006/main" name="Larissa">
+  <a:themeElements>
+    <a:clrScheme name="Larissa">
+      <a:dk1>
+        <a:sysClr val="windowText" lastClr="000000"/>
+      </a:dk1>
+      <a:lt1>
+        <a:sysClr val="window" lastClr="FFFFFF"/>
+      </a:lt1>
+      <a:dk2>
+        <a:srgbClr val="44546A"/>
+      </a:dk2>
+      <a:lt2>
+        <a:srgbClr val="E7E6E6"/>
+      </a:lt2>
+      <a:accent1>
+        <a:srgbClr val="5B9BD5"/>
+      </a:accent1>
+      <a:accent2>
+        <a:srgbClr val="ED7D31"/>
+      </a:accent2>
+      <a:accent3>
+        <a:srgbClr val="A5A5A5"/>
+      </a:accent3>
+      <a:accent4>
+        <a:srgbClr val="FFC000"/>
+      </a:accent4>
+      <a:accent5>
+        <a:srgbClr val="4472C4"/>
+      </a:accent5>
+      <a:accent6>
+        <a:srgbClr val="70AD47"/>
+      </a:accent6>
+      <a:hlink>
+        <a:srgbClr val="0563C1"/>
+      </a:hlink>
+      <a:folHlink>
+        <a:srgbClr val="954F72"/>
+      </a:folHlink>
+    </a:clrScheme>
+    <a:fontScheme name="Larissa">
+      <a:majorFont>
+        <a:latin typeface="Calibri Light" panose="020F0302020204030204"/>
+        <a:ea typeface=""/>
+        <a:cs typeface=""/>
+        <a:font script="Jpan" typeface="ＭＳ Ｐゴシック"/>
+        <a:font script="Hang" typeface="맑은 고딕"/>
+        <a:font script="Hans" typeface="宋体"/>
+        <a:font script="Hant" typeface="新細明體"/>
+        <a:font script="Arab" typeface="Times New Roman"/>
+        <a:font script="Hebr" typeface="Times New Roman"/>
+        <a:font script="Thai" typeface="Angsana New"/>
+        <a:font script="Ethi" typeface="Nyala"/>
+        <a:font script="Beng" typeface="Vrinda"/>
+        <a:font script="Gujr" typeface="Shruti"/>
+        <a:font script="Khmr" typeface="MoolBoran"/>
+        <a:font script="Knda" typeface="Tunga"/>
+        <a:font script="Guru" typeface="Raavi"/>
+        <a:font script="Cans" typeface="Euphemia"/>
+        <a:font script="Cher" typeface="Plantagenet Cherokee"/>
+        <a:font script="Yiii" typeface="Microsoft Yi Baiti"/>
+        <a:font script="Tibt" typeface="Microsoft Himalaya"/>
+        <a:font script="Thaa" typeface="MV Boli"/>
+        <a:font script="Deva" typeface="Mangal"/>
+        <a:font script="Telu" typeface="Gautami"/>
+        <a:font script="Taml" typeface="Latha"/>
+        <a:font script="Syrc" typeface="Estrangelo Edessa"/>
+        <a:font script="Orya" typeface="Kalinga"/>
+        <a:font script="Mlym" typeface="Kartika"/>
+        <a:font script="Laoo" typeface="DokChampa"/>
+        <a:font script="Sinh" typeface="Iskoola Pota"/>
+        <a:font script="Mong" typeface="Mongolian Baiti"/>
+        <a:font script="Viet" typeface="Times New Roman"/>
+        <a:font script="Uigh" typeface="Microsoft Uighur"/>
+        <a:font script="Geor" typeface="Sylfaen"/>
+      </a:majorFont>
+      <a:minorFont>
+        <a:latin typeface="Calibri" panose="020F0502020204030204"/>
+        <a:ea typeface=""/>
+        <a:cs typeface=""/>
+        <a:font script="Jpan" typeface="ＭＳ Ｐゴシック"/>
+        <a:font script="Hang" typeface="맑은 고딕"/>
+        <a:font script="Hans" typeface="宋体"/>
+        <a:font script="Hant" typeface="新細明體"/>
+        <a:font script="Arab" typeface="Arial"/>
+        <a:font script="Hebr" typeface="Arial"/>
+        <a:font script="Thai" typeface="Cordia New"/>
+        <a:font script="Ethi" typeface="Nyala"/>
+        <a:font script="Beng" typeface="Vrinda"/>
+        <a:font script="Gujr" typeface="Shruti"/>
+        <a:font script="Khmr" typeface="DaunPenh"/>
+        <a:font script="Knda" typeface="Tunga"/>
+        <a:font script="Guru" typeface="Raavi"/>
+        <a:font script="Cans" typeface="Euphemia"/>
+        <a:font script="Cher" typeface="Plantagenet Cherokee"/>
+        <a:font script="Yiii" typeface="Microsoft Yi Baiti"/>
+        <a:font script="Tibt" typeface="Microsoft Himalaya"/>
+        <a:font script="Thaa" typeface="MV Boli"/>
+        <a:font script="Deva" typeface="Mangal"/>
+        <a:font script="Telu" typeface="Gautami"/>
+        <a:font script="Taml" typeface="Latha"/>
+        <a:font script="Syrc" typeface="Estrangelo Edessa"/>
+        <a:font script="Orya" typeface="Kalinga"/>
+        <a:font script="Mlym" typeface="Kartika"/>
+        <a:font script="Laoo" typeface="DokChampa"/>
+        <a:font script="Sinh" typeface="Iskoola Pota"/>
+        <a:font script="Mong" typeface="Mongolian Baiti"/>
+        <a:font script="Viet" typeface="Arial"/>
+        <a:font script="Uigh" typeface="Microsoft Uighur"/>
+        <a:font script="Geor" typeface="Sylfaen"/>
+      </a:minorFont>
+    </a:fontScheme>
+    <a:fmtScheme name="Larissa">
+      <a:fillStyleLst>
+        <a:solidFill>
+          <a:schemeClr val="phClr"/>
+        </a:solidFill>
+        <a:gradFill rotWithShape="1">
+          <a:gsLst>
+            <a:gs pos="0">
+              <a:schemeClr val="phClr">
+                <a:lumMod val="110000"/>
+                <a:satMod val="105000"/>
+                <a:tint val="67000"/>
+              </a:schemeClr>
+            </a:gs>
+            <a:gs pos="50000">
+              <a:schemeClr val="phClr">
+                <a:lumMod val="105000"/>
+                <a:satMod val="103000"/>
+                <a:tint val="73000"/>
+              </a:schemeClr>
+            </a:gs>
+            <a:gs pos="100000">
+              <a:schemeClr val="phClr">
+                <a:lumMod val="105000"/>
+                <a:satMod val="109000"/>
+                <a:tint val="81000"/>
+              </a:schemeClr>
+            </a:gs>
+          </a:gsLst>
+          <a:lin ang="5400000" scaled="0"/>
+        </a:gradFill>
+        <a:gradFill rotWithShape="1">
+          <a:gsLst>
+            <a:gs pos="0">
+              <a:schemeClr val="phClr">
+                <a:satMod val="103000"/>
+                <a:lumMod val="102000"/>
+                <a:tint val="94000"/>
+              </a:schemeClr>
+            </a:gs>
+            <a:gs pos="50000">
+              <a:schemeClr val="phClr">
+                <a:satMod val="110000"/>
+                <a:lumMod val="100000"/>
+                <a:shade val="100000"/>
+              </a:schemeClr>
+            </a:gs>
+            <a:gs pos="100000">
+              <a:schemeClr val="phClr">
+                <a:lumMod val="99000"/>
+                <a:satMod val="120000"/>
+                <a:shade val="78000"/>
+              </a:schemeClr>
+            </a:gs>
+          </a:gsLst>
+          <a:lin ang="5400000" scaled="0"/>
+        </a:gradFill>
+      </a:fillStyleLst>
+      <a:lnStyleLst>
+        <a:ln w="6350" cap="flat" cmpd="sng" algn="ctr">
+          <a:solidFill>
+            <a:schemeClr val="phClr"/>
+          </a:solidFill>
+          <a:prstDash val="solid"/>
+          <a:miter lim="800000"/>
+        </a:ln>
+        <a:ln w="12700" cap="flat" cmpd="sng" algn="ctr">
+          <a:solidFill>
+            <a:schemeClr val="phClr"/>
+          </a:solidFill>
+          <a:prstDash val="solid"/>
+          <a:miter lim="800000"/>
+        </a:ln>
+        <a:ln w="19050" cap="flat" cmpd="sng" algn="ctr">
+          <a:solidFill>
+            <a:schemeClr val="phClr"/>
+          </a:solidFill>
+          <a:prstDash val="solid"/>
+          <a:miter lim="800000"/>
+        </a:ln>
+      </a:lnStyleLst>
+      <a:effectStyleLst>
+        <a:effectStyle>
+          <a:effectLst/>
+        </a:effectStyle>
+        <a:effectStyle>
+          <a:effectLst/>
+        </a:effectStyle>
+        <a:effectStyle>
+          <a:effectLst>
+            <a:outerShdw blurRad="57150" dist="19050" dir="5400000" algn="ctr" rotWithShape="0">
+              <a:srgbClr val="000000">
+                <a:alpha val="63000"/>
+              </a:srgbClr>
+            </a:outerShdw>
+          </a:effectLst>
+        </a:effectStyle>
+      </a:effectStyleLst>
+      <a:bgFillStyleLst>
+        <a:solidFill>
+          <a:schemeClr val="phClr"/>
+        </a:solidFill>
+        <a:solidFill>
+          <a:schemeClr val="phClr">
+            <a:tint val="95000"/>
+            <a:satMod val="170000"/>
+          </a:schemeClr>
+        </a:solidFill>
+        <a:gradFill rotWithShape="1">
+          <a:gsLst>
+            <a:gs pos="0">
+              <a:schemeClr val="phClr">
+                <a:tint val="93000"/>
+                <a:satMod val="150000"/>
+                <a:shade val="98000"/>
+                <a:lumMod val="102000"/>
+              </a:schemeClr>
+            </a:gs>
+            <a:gs pos="50000">
+              <a:schemeClr val="phClr">
+                <a:tint val="98000"/>
+                <a:satMod val="130000"/>
+                <a:shade val="90000"/>
+                <a:lumMod val="103000"/>
+              </a:schemeClr>
+            </a:gs>
+            <a:gs pos="100000">
+              <a:schemeClr val="phClr">
+                <a:shade val="63000"/>
+                <a:satMod val="120000"/>
+              </a:schemeClr>
+            </a:gs>
+          </a:gsLst>
+          <a:lin ang="5400000" scaled="0"/>
+        </a:gradFill>
+      </a:bgFillStyleLst>
+    </a:fmtScheme>
+  </a:themeElements>
+  <a:objectDefaults/>
+  <a:extraClrSchemeLst/>
+  <a:extLst>
+    <a:ext uri="{05A4C25C-085E-4340-85A3-A5531E510DB2}">
+      <thm15:themeFamily xmlns:thm15="http://schemas.microsoft.com/office/thememl/2012/main" name="Office Theme" id="{62F939B6-93AF-4DB8-9C6B-D6C7DFDC589F}" vid="{4A3C46E8-61CC-4603-A589-7422A47A8E4A}"/>
+    </a:ext>
+  </a:extLst>
+</a:theme>
 </file>
--- a/Ausarbeitungen-Projektdoku/Miniposter.pptx
+++ b/Ausarbeitungen-Projektdoku/Miniposter.pptx
@@ -208,7 +208,7 @@
           <a:p>
             <a:fld id="{381CEBEB-8E17-436E-B953-91520D649C80}" type="datetimeFigureOut">
               <a:rPr lang="de-DE" smtClean="0"/>
-              <a:t>06.01.2016</a:t>
+              <a:t>07.01.2016</a:t>
             </a:fld>
             <a:endParaRPr lang="de-DE"/>
           </a:p>
@@ -741,7 +741,7 @@
           <a:p>
             <a:fld id="{8E5A9B32-403F-47DB-A62E-56CDCAD5B4FF}" type="datetimeFigureOut">
               <a:rPr lang="de-DE" smtClean="0"/>
-              <a:t>06.01.2016</a:t>
+              <a:t>07.01.2016</a:t>
             </a:fld>
             <a:endParaRPr lang="de-DE"/>
           </a:p>
@@ -911,7 +911,7 @@
           <a:p>
             <a:fld id="{8E5A9B32-403F-47DB-A62E-56CDCAD5B4FF}" type="datetimeFigureOut">
               <a:rPr lang="de-DE" smtClean="0"/>
-              <a:t>06.01.2016</a:t>
+              <a:t>07.01.2016</a:t>
             </a:fld>
             <a:endParaRPr lang="de-DE"/>
           </a:p>
@@ -1091,7 +1091,7 @@
           <a:p>
             <a:fld id="{8E5A9B32-403F-47DB-A62E-56CDCAD5B4FF}" type="datetimeFigureOut">
               <a:rPr lang="de-DE" smtClean="0"/>
-              <a:t>06.01.2016</a:t>
+              <a:t>07.01.2016</a:t>
             </a:fld>
             <a:endParaRPr lang="de-DE"/>
           </a:p>
@@ -1261,7 +1261,7 @@
           <a:p>
             <a:fld id="{8E5A9B32-403F-47DB-A62E-56CDCAD5B4FF}" type="datetimeFigureOut">
               <a:rPr lang="de-DE" smtClean="0"/>
-              <a:t>06.01.2016</a:t>
+              <a:t>07.01.2016</a:t>
             </a:fld>
             <a:endParaRPr lang="de-DE"/>
           </a:p>
@@ -1507,7 +1507,7 @@
           <a:p>
             <a:fld id="{8E5A9B32-403F-47DB-A62E-56CDCAD5B4FF}" type="datetimeFigureOut">
               <a:rPr lang="de-DE" smtClean="0"/>
-              <a:t>06.01.2016</a:t>
+              <a:t>07.01.2016</a:t>
             </a:fld>
             <a:endParaRPr lang="de-DE"/>
           </a:p>
@@ -1795,7 +1795,7 @@
           <a:p>
             <a:fld id="{8E5A9B32-403F-47DB-A62E-56CDCAD5B4FF}" type="datetimeFigureOut">
               <a:rPr lang="de-DE" smtClean="0"/>
-              <a:t>06.01.2016</a:t>
+              <a:t>07.01.2016</a:t>
             </a:fld>
             <a:endParaRPr lang="de-DE"/>
           </a:p>
@@ -2222,7 +2222,7 @@
           <a:p>
             <a:fld id="{8E5A9B32-403F-47DB-A62E-56CDCAD5B4FF}" type="datetimeFigureOut">
               <a:rPr lang="de-DE" smtClean="0"/>
-              <a:t>06.01.2016</a:t>
+              <a:t>07.01.2016</a:t>
             </a:fld>
             <a:endParaRPr lang="de-DE"/>
           </a:p>
@@ -2340,7 +2340,7 @@
           <a:p>
             <a:fld id="{8E5A9B32-403F-47DB-A62E-56CDCAD5B4FF}" type="datetimeFigureOut">
               <a:rPr lang="de-DE" smtClean="0"/>
-              <a:t>06.01.2016</a:t>
+              <a:t>07.01.2016</a:t>
             </a:fld>
             <a:endParaRPr lang="de-DE"/>
           </a:p>
@@ -2435,7 +2435,7 @@
           <a:p>
             <a:fld id="{8E5A9B32-403F-47DB-A62E-56CDCAD5B4FF}" type="datetimeFigureOut">
               <a:rPr lang="de-DE" smtClean="0"/>
-              <a:t>06.01.2016</a:t>
+              <a:t>07.01.2016</a:t>
             </a:fld>
             <a:endParaRPr lang="de-DE"/>
           </a:p>
@@ -2712,7 +2712,7 @@
           <a:p>
             <a:fld id="{8E5A9B32-403F-47DB-A62E-56CDCAD5B4FF}" type="datetimeFigureOut">
               <a:rPr lang="de-DE" smtClean="0"/>
-              <a:t>06.01.2016</a:t>
+              <a:t>07.01.2016</a:t>
             </a:fld>
             <a:endParaRPr lang="de-DE"/>
           </a:p>
@@ -2965,7 +2965,7 @@
           <a:p>
             <a:fld id="{8E5A9B32-403F-47DB-A62E-56CDCAD5B4FF}" type="datetimeFigureOut">
               <a:rPr lang="de-DE" smtClean="0"/>
-              <a:t>06.01.2016</a:t>
+              <a:t>07.01.2016</a:t>
             </a:fld>
             <a:endParaRPr lang="de-DE"/>
           </a:p>
@@ -3178,7 +3178,7 @@
           <a:p>
             <a:fld id="{8E5A9B32-403F-47DB-A62E-56CDCAD5B4FF}" type="datetimeFigureOut">
               <a:rPr lang="de-DE" smtClean="0"/>
-              <a:t>06.01.2016</a:t>
+              <a:t>07.01.2016</a:t>
             </a:fld>
             <a:endParaRPr lang="de-DE"/>
           </a:p>
@@ -3570,234 +3570,6 @@
       </p:grpSpPr>
       <p:sp>
         <p:nvSpPr>
-          <p:cNvPr id="56" name="Abgerundetes Rechteck 55"/>
-          <p:cNvSpPr/>
-          <p:nvPr/>
-        </p:nvSpPr>
-        <p:spPr>
-          <a:xfrm>
-            <a:off x="16073984" y="29642326"/>
-            <a:ext cx="10363504" cy="7389114"/>
-          </a:xfrm>
-          <a:prstGeom prst="roundRect">
-            <a:avLst>
-              <a:gd name="adj" fmla="val 12502"/>
-            </a:avLst>
-          </a:prstGeom>
-          <a:solidFill>
-            <a:schemeClr val="accent1">
-              <a:lumMod val="60000"/>
-              <a:lumOff val="40000"/>
-            </a:schemeClr>
-          </a:solidFill>
-        </p:spPr>
-        <p:style>
-          <a:lnRef idx="2">
-            <a:schemeClr val="accent3">
-              <a:shade val="50000"/>
-            </a:schemeClr>
-          </a:lnRef>
-          <a:fillRef idx="1">
-            <a:schemeClr val="accent3"/>
-          </a:fillRef>
-          <a:effectRef idx="0">
-            <a:schemeClr val="accent3"/>
-          </a:effectRef>
-          <a:fontRef idx="minor">
-            <a:schemeClr val="lt1"/>
-          </a:fontRef>
-        </p:style>
-        <p:txBody>
-          <a:bodyPr rtlCol="0" anchor="t" anchorCtr="0"/>
-          <a:lstStyle/>
-          <a:p>
-            <a:pPr algn="ctr"/>
-            <a:r>
-              <a:rPr lang="de-DE" sz="5000" b="1" u="sng" dirty="0" smtClean="0">
-                <a:latin typeface="Arial" panose="020B0604020202020204" pitchFamily="34" charset="0"/>
-                <a:cs typeface="Arial" panose="020B0604020202020204" pitchFamily="34" charset="0"/>
-              </a:rPr>
-              <a:t>Kostenganglinie</a:t>
-            </a:r>
-            <a:endParaRPr lang="de-DE" sz="5000" b="1" u="sng" dirty="0" smtClean="0">
-              <a:latin typeface="Arial" panose="020B0604020202020204" pitchFamily="34" charset="0"/>
-              <a:cs typeface="Arial" panose="020B0604020202020204" pitchFamily="34" charset="0"/>
-            </a:endParaRPr>
-          </a:p>
-          <a:p>
-            <a:pPr algn="ctr"/>
-            <a:endParaRPr lang="de-DE" sz="5000" b="1" dirty="0" smtClean="0"/>
-          </a:p>
-          <a:p>
-            <a:pPr algn="ctr"/>
-            <a:endParaRPr lang="de-DE" sz="5000" b="1" dirty="0"/>
-          </a:p>
-          <a:p>
-            <a:pPr algn="ctr"/>
-            <a:endParaRPr lang="de-DE" sz="4800" b="1" dirty="0"/>
-          </a:p>
-          <a:p>
-            <a:pPr algn="ctr"/>
-            <a:endParaRPr lang="de-DE" sz="5000" b="1" dirty="0" smtClean="0"/>
-          </a:p>
-          <a:p>
-            <a:pPr algn="ctr"/>
-            <a:endParaRPr lang="de-DE" sz="5000" b="1" dirty="0"/>
-          </a:p>
-        </p:txBody>
-      </p:sp>
-      <p:sp>
-        <p:nvSpPr>
-          <p:cNvPr id="51" name="Abgerundetes Rechteck 50"/>
-          <p:cNvSpPr/>
-          <p:nvPr/>
-        </p:nvSpPr>
-        <p:spPr>
-          <a:xfrm>
-            <a:off x="166259" y="37187716"/>
-            <a:ext cx="13518958" cy="5508590"/>
-          </a:xfrm>
-          <a:prstGeom prst="roundRect">
-            <a:avLst>
-              <a:gd name="adj" fmla="val 12502"/>
-            </a:avLst>
-          </a:prstGeom>
-          <a:solidFill>
-            <a:schemeClr val="accent1">
-              <a:lumMod val="60000"/>
-              <a:lumOff val="40000"/>
-            </a:schemeClr>
-          </a:solidFill>
-        </p:spPr>
-        <p:style>
-          <a:lnRef idx="2">
-            <a:schemeClr val="accent3">
-              <a:shade val="50000"/>
-            </a:schemeClr>
-          </a:lnRef>
-          <a:fillRef idx="1">
-            <a:schemeClr val="accent3"/>
-          </a:fillRef>
-          <a:effectRef idx="0">
-            <a:schemeClr val="accent3"/>
-          </a:effectRef>
-          <a:fontRef idx="minor">
-            <a:schemeClr val="lt1"/>
-          </a:fontRef>
-        </p:style>
-        <p:txBody>
-          <a:bodyPr rtlCol="0" anchor="t" anchorCtr="0"/>
-          <a:lstStyle/>
-          <a:p>
-            <a:pPr algn="ctr"/>
-            <a:r>
-              <a:rPr lang="de-DE" sz="5000" b="1" u="sng" dirty="0" smtClean="0">
-                <a:latin typeface="Arial" panose="020B0604020202020204" pitchFamily="34" charset="0"/>
-                <a:cs typeface="Arial" panose="020B0604020202020204" pitchFamily="34" charset="0"/>
-              </a:rPr>
-              <a:t>Projektphasen</a:t>
-            </a:r>
-            <a:endParaRPr lang="de-DE" sz="5000" b="1" u="sng" dirty="0" smtClean="0">
-              <a:latin typeface="Arial" panose="020B0604020202020204" pitchFamily="34" charset="0"/>
-              <a:cs typeface="Arial" panose="020B0604020202020204" pitchFamily="34" charset="0"/>
-            </a:endParaRPr>
-          </a:p>
-          <a:p>
-            <a:pPr algn="ctr"/>
-            <a:endParaRPr lang="de-DE" sz="5000" b="1" dirty="0" smtClean="0"/>
-          </a:p>
-          <a:p>
-            <a:pPr algn="ctr"/>
-            <a:endParaRPr lang="de-DE" sz="5000" b="1" dirty="0"/>
-          </a:p>
-          <a:p>
-            <a:pPr algn="ctr"/>
-            <a:endParaRPr lang="de-DE" sz="4800" b="1" dirty="0"/>
-          </a:p>
-          <a:p>
-            <a:pPr algn="ctr"/>
-            <a:endParaRPr lang="de-DE" sz="5000" b="1" dirty="0" smtClean="0"/>
-          </a:p>
-          <a:p>
-            <a:pPr algn="ctr"/>
-            <a:endParaRPr lang="de-DE" sz="5000" b="1" dirty="0"/>
-          </a:p>
-        </p:txBody>
-      </p:sp>
-      <p:sp>
-        <p:nvSpPr>
-          <p:cNvPr id="49" name="Abgerundetes Rechteck 48"/>
-          <p:cNvSpPr/>
-          <p:nvPr/>
-        </p:nvSpPr>
-        <p:spPr>
-          <a:xfrm>
-            <a:off x="115786" y="22245121"/>
-            <a:ext cx="10363504" cy="7107571"/>
-          </a:xfrm>
-          <a:prstGeom prst="roundRect">
-            <a:avLst>
-              <a:gd name="adj" fmla="val 12502"/>
-            </a:avLst>
-          </a:prstGeom>
-        </p:spPr>
-        <p:style>
-          <a:lnRef idx="2">
-            <a:schemeClr val="accent5">
-              <a:shade val="50000"/>
-            </a:schemeClr>
-          </a:lnRef>
-          <a:fillRef idx="1">
-            <a:schemeClr val="accent5"/>
-          </a:fillRef>
-          <a:effectRef idx="0">
-            <a:schemeClr val="accent5"/>
-          </a:effectRef>
-          <a:fontRef idx="minor">
-            <a:schemeClr val="lt1"/>
-          </a:fontRef>
-        </p:style>
-        <p:txBody>
-          <a:bodyPr rtlCol="0" anchor="t" anchorCtr="0"/>
-          <a:lstStyle/>
-          <a:p>
-            <a:pPr algn="ctr"/>
-            <a:r>
-              <a:rPr lang="de-DE" sz="5000" b="1" u="sng" dirty="0" smtClean="0">
-                <a:latin typeface="Arial" panose="020B0604020202020204" pitchFamily="34" charset="0"/>
-                <a:cs typeface="Arial" panose="020B0604020202020204" pitchFamily="34" charset="0"/>
-              </a:rPr>
-              <a:t>Umfeldanalyse</a:t>
-            </a:r>
-            <a:endParaRPr lang="de-DE" sz="5000" b="1" u="sng" dirty="0" smtClean="0">
-              <a:latin typeface="Arial" panose="020B0604020202020204" pitchFamily="34" charset="0"/>
-              <a:cs typeface="Arial" panose="020B0604020202020204" pitchFamily="34" charset="0"/>
-            </a:endParaRPr>
-          </a:p>
-          <a:p>
-            <a:pPr algn="ctr"/>
-            <a:endParaRPr lang="de-DE" sz="5000" b="1" dirty="0" smtClean="0"/>
-          </a:p>
-          <a:p>
-            <a:pPr algn="ctr"/>
-            <a:endParaRPr lang="de-DE" sz="5000" b="1" dirty="0"/>
-          </a:p>
-          <a:p>
-            <a:pPr algn="ctr"/>
-            <a:endParaRPr lang="de-DE" sz="4800" b="1" dirty="0"/>
-          </a:p>
-          <a:p>
-            <a:pPr algn="ctr"/>
-            <a:endParaRPr lang="de-DE" sz="5000" b="1" dirty="0" smtClean="0"/>
-          </a:p>
-          <a:p>
-            <a:pPr algn="ctr"/>
-            <a:endParaRPr lang="de-DE" sz="5000" b="1" dirty="0"/>
-          </a:p>
-        </p:txBody>
-      </p:sp>
-      <p:sp>
-        <p:nvSpPr>
           <p:cNvPr id="6" name="Abgerundetes Rechteck 5"/>
           <p:cNvSpPr/>
           <p:nvPr/>
@@ -3863,7 +3635,27 @@
                 <a:latin typeface="Arial" panose="020B0604020202020204" pitchFamily="34" charset="0"/>
                 <a:cs typeface="Arial" panose="020B0604020202020204" pitchFamily="34" charset="0"/>
               </a:rPr>
-              <a:t>Fundbüro, DWI13/2</a:t>
+              <a:t>Das </a:t>
+            </a:r>
+            <a:r>
+              <a:rPr lang="de-DE" sz="10000" b="1" dirty="0" err="1" smtClean="0">
+                <a:solidFill>
+                  <a:schemeClr val="bg1"/>
+                </a:solidFill>
+                <a:latin typeface="Arial" panose="020B0604020202020204" pitchFamily="34" charset="0"/>
+                <a:cs typeface="Arial" panose="020B0604020202020204" pitchFamily="34" charset="0"/>
+              </a:rPr>
+              <a:t>HfTL</a:t>
+            </a:r>
+            <a:r>
+              <a:rPr lang="de-DE" sz="10000" b="1" dirty="0" smtClean="0">
+                <a:solidFill>
+                  <a:schemeClr val="bg1"/>
+                </a:solidFill>
+                <a:latin typeface="Arial" panose="020B0604020202020204" pitchFamily="34" charset="0"/>
+                <a:cs typeface="Arial" panose="020B0604020202020204" pitchFamily="34" charset="0"/>
+              </a:rPr>
+              <a:t> Fundbüro</a:t>
             </a:r>
             <a:r>
               <a:rPr lang="de-DE" sz="16400" dirty="0" smtClean="0">
@@ -3943,1741 +3735,2430 @@
           </a:extLst>
         </p:spPr>
       </p:pic>
-      <p:sp>
-        <p:nvSpPr>
-          <p:cNvPr id="9" name="Abgerundetes Rechteck 8"/>
-          <p:cNvSpPr/>
+      <p:grpSp>
+        <p:nvGrpSpPr>
+          <p:cNvPr id="28" name="Gruppieren 27"/>
+          <p:cNvGrpSpPr/>
           <p:nvPr/>
-        </p:nvSpPr>
-        <p:spPr>
+        </p:nvGrpSpPr>
+        <p:grpSpPr>
           <a:xfrm>
-            <a:off x="115786" y="29575647"/>
-            <a:ext cx="10363504" cy="7389114"/>
+            <a:off x="16217373" y="36921429"/>
+            <a:ext cx="13518958" cy="5508590"/>
+            <a:chOff x="197876" y="37125743"/>
+            <a:chExt cx="13518958" cy="5508590"/>
           </a:xfrm>
-          <a:prstGeom prst="roundRect">
-            <a:avLst>
-              <a:gd name="adj" fmla="val 12502"/>
-            </a:avLst>
-          </a:prstGeom>
-          <a:solidFill>
-            <a:schemeClr val="accent1">
-              <a:lumMod val="60000"/>
-              <a:lumOff val="40000"/>
-            </a:schemeClr>
-          </a:solidFill>
-        </p:spPr>
-        <p:style>
-          <a:lnRef idx="2">
-            <a:schemeClr val="accent3">
-              <a:shade val="50000"/>
-            </a:schemeClr>
-          </a:lnRef>
-          <a:fillRef idx="1">
-            <a:schemeClr val="accent3"/>
-          </a:fillRef>
-          <a:effectRef idx="0">
-            <a:schemeClr val="accent3"/>
-          </a:effectRef>
-          <a:fontRef idx="minor">
-            <a:schemeClr val="lt1"/>
-          </a:fontRef>
-        </p:style>
-        <p:txBody>
-          <a:bodyPr rtlCol="0" anchor="t" anchorCtr="0"/>
-          <a:lstStyle/>
-          <a:p>
-            <a:pPr algn="ctr"/>
-            <a:r>
-              <a:rPr lang="de-DE" sz="5000" b="1" u="sng" dirty="0" smtClean="0">
+        </p:grpSpPr>
+        <p:sp>
+          <p:nvSpPr>
+            <p:cNvPr id="51" name="Abgerundetes Rechteck 50"/>
+            <p:cNvSpPr/>
+            <p:nvPr/>
+          </p:nvSpPr>
+          <p:spPr>
+            <a:xfrm>
+              <a:off x="197876" y="37125743"/>
+              <a:ext cx="13518958" cy="5508590"/>
+            </a:xfrm>
+            <a:prstGeom prst="roundRect">
+              <a:avLst>
+                <a:gd name="adj" fmla="val 12502"/>
+              </a:avLst>
+            </a:prstGeom>
+          </p:spPr>
+          <p:style>
+            <a:lnRef idx="2">
+              <a:schemeClr val="accent5">
+                <a:shade val="50000"/>
+              </a:schemeClr>
+            </a:lnRef>
+            <a:fillRef idx="1">
+              <a:schemeClr val="accent5"/>
+            </a:fillRef>
+            <a:effectRef idx="0">
+              <a:schemeClr val="accent5"/>
+            </a:effectRef>
+            <a:fontRef idx="minor">
+              <a:schemeClr val="lt1"/>
+            </a:fontRef>
+          </p:style>
+          <p:txBody>
+            <a:bodyPr rtlCol="0" anchor="t" anchorCtr="0"/>
+            <a:lstStyle/>
+            <a:p>
+              <a:pPr algn="ctr"/>
+              <a:r>
+                <a:rPr lang="de-DE" sz="5000" b="1" dirty="0">
+                  <a:latin typeface="Arial" panose="020B0604020202020204" pitchFamily="34" charset="0"/>
+                  <a:cs typeface="Arial" panose="020B0604020202020204" pitchFamily="34" charset="0"/>
+                </a:rPr>
+                <a:t>9</a:t>
+              </a:r>
+              <a:r>
+                <a:rPr lang="de-DE" sz="5000" b="1" dirty="0" smtClean="0">
+                  <a:latin typeface="Arial" panose="020B0604020202020204" pitchFamily="34" charset="0"/>
+                  <a:cs typeface="Arial" panose="020B0604020202020204" pitchFamily="34" charset="0"/>
+                </a:rPr>
+                <a:t>. </a:t>
+              </a:r>
+              <a:r>
+                <a:rPr lang="de-DE" sz="5000" b="1" dirty="0">
+                  <a:latin typeface="Arial" panose="020B0604020202020204" pitchFamily="34" charset="0"/>
+                  <a:cs typeface="Arial" panose="020B0604020202020204" pitchFamily="34" charset="0"/>
+                </a:rPr>
+                <a:t>Projektphasen</a:t>
+              </a:r>
+            </a:p>
+            <a:p>
+              <a:pPr algn="ctr"/>
+              <a:endParaRPr lang="de-DE" sz="5000" b="1" dirty="0">
                 <a:latin typeface="Arial" panose="020B0604020202020204" pitchFamily="34" charset="0"/>
                 <a:cs typeface="Arial" panose="020B0604020202020204" pitchFamily="34" charset="0"/>
-              </a:rPr>
-              <a:t>Vorgehensmodell</a:t>
-            </a:r>
-            <a:endParaRPr lang="de-DE" sz="5000" b="1" u="sng" dirty="0" smtClean="0">
-              <a:latin typeface="Arial" panose="020B0604020202020204" pitchFamily="34" charset="0"/>
-              <a:cs typeface="Arial" panose="020B0604020202020204" pitchFamily="34" charset="0"/>
-            </a:endParaRPr>
-          </a:p>
-          <a:p>
-            <a:pPr algn="ctr"/>
-            <a:endParaRPr lang="de-DE" sz="5000" b="1" dirty="0" smtClean="0"/>
-          </a:p>
-          <a:p>
-            <a:pPr algn="ctr"/>
-            <a:endParaRPr lang="de-DE" sz="5000" b="1" dirty="0"/>
-          </a:p>
-          <a:p>
-            <a:pPr algn="ctr"/>
-            <a:endParaRPr lang="de-DE" sz="4800" b="1" dirty="0"/>
-          </a:p>
-          <a:p>
-            <a:pPr algn="ctr"/>
-            <a:endParaRPr lang="de-DE" sz="5000" b="1" dirty="0" smtClean="0"/>
-          </a:p>
-          <a:p>
-            <a:pPr algn="ctr"/>
-            <a:endParaRPr lang="de-DE" sz="5000" b="1" dirty="0"/>
-          </a:p>
-        </p:txBody>
-      </p:sp>
-      <p:pic>
-        <p:nvPicPr>
-          <p:cNvPr id="1036" name="Picture 12" descr="C:\Users\student\Pictures\Phasen.png"/>
-          <p:cNvPicPr>
-            <a:picLocks noChangeAspect="1" noChangeArrowheads="1"/>
-          </p:cNvPicPr>
-          <p:nvPr/>
-        </p:nvPicPr>
-        <p:blipFill>
-          <a:blip r:embed="rId5">
+              </a:endParaRPr>
+            </a:p>
+            <a:p>
+              <a:pPr algn="ctr"/>
+              <a:endParaRPr lang="de-DE" sz="5000" b="1" dirty="0">
+                <a:latin typeface="Arial" panose="020B0604020202020204" pitchFamily="34" charset="0"/>
+                <a:cs typeface="Arial" panose="020B0604020202020204" pitchFamily="34" charset="0"/>
+              </a:endParaRPr>
+            </a:p>
+            <a:p>
+              <a:pPr algn="ctr"/>
+              <a:endParaRPr lang="de-DE" sz="5000" b="1" dirty="0">
+                <a:latin typeface="Arial" panose="020B0604020202020204" pitchFamily="34" charset="0"/>
+                <a:cs typeface="Arial" panose="020B0604020202020204" pitchFamily="34" charset="0"/>
+              </a:endParaRPr>
+            </a:p>
+            <a:p>
+              <a:pPr algn="ctr"/>
+              <a:endParaRPr lang="de-DE" sz="5000" b="1" dirty="0">
+                <a:latin typeface="Arial" panose="020B0604020202020204" pitchFamily="34" charset="0"/>
+                <a:cs typeface="Arial" panose="020B0604020202020204" pitchFamily="34" charset="0"/>
+              </a:endParaRPr>
+            </a:p>
+            <a:p>
+              <a:pPr algn="ctr"/>
+              <a:endParaRPr lang="de-DE" sz="5000" b="1" dirty="0">
+                <a:latin typeface="Arial" panose="020B0604020202020204" pitchFamily="34" charset="0"/>
+                <a:cs typeface="Arial" panose="020B0604020202020204" pitchFamily="34" charset="0"/>
+              </a:endParaRPr>
+            </a:p>
+          </p:txBody>
+        </p:sp>
+        <p:pic>
+          <p:nvPicPr>
+            <p:cNvPr id="1036" name="Picture 12" descr="C:\Users\student\Pictures\Phasen.png"/>
+            <p:cNvPicPr>
+              <a:picLocks noChangeAspect="1" noChangeArrowheads="1"/>
+            </p:cNvPicPr>
+            <p:nvPr/>
+          </p:nvPicPr>
+          <p:blipFill>
+            <a:blip r:embed="rId5">
+              <a:extLst>
+                <a:ext uri="{28A0092B-C50C-407E-A947-70E740481C1C}">
+                  <a14:useLocalDpi xmlns:a14="http://schemas.microsoft.com/office/drawing/2010/main" val="0"/>
+                </a:ext>
+              </a:extLst>
+            </a:blip>
+            <a:srcRect/>
+            <a:stretch>
+              <a:fillRect/>
+            </a:stretch>
+          </p:blipFill>
+          <p:spPr bwMode="auto">
+            <a:xfrm>
+              <a:off x="718942" y="38417848"/>
+              <a:ext cx="12476826" cy="3580702"/>
+            </a:xfrm>
+            <a:prstGeom prst="rect">
+              <a:avLst/>
+            </a:prstGeom>
+            <a:noFill/>
+            <a:ln>
+              <a:solidFill>
+                <a:schemeClr val="accent1">
+                  <a:shade val="50000"/>
+                </a:schemeClr>
+              </a:solidFill>
+            </a:ln>
             <a:extLst>
-              <a:ext uri="{28A0092B-C50C-407E-A947-70E740481C1C}">
-                <a14:useLocalDpi xmlns:a14="http://schemas.microsoft.com/office/drawing/2010/main" val="0"/>
+              <a:ext uri="{909E8E84-426E-40DD-AFC4-6F175D3DCCD1}">
+                <a14:hiddenFill xmlns:a14="http://schemas.microsoft.com/office/drawing/2010/main">
+                  <a:solidFill>
+                    <a:srgbClr val="FFFFFF"/>
+                  </a:solidFill>
+                </a14:hiddenFill>
               </a:ext>
             </a:extLst>
-          </a:blip>
-          <a:srcRect/>
-          <a:stretch>
-            <a:fillRect/>
-          </a:stretch>
-        </p:blipFill>
-        <p:spPr bwMode="auto">
+          </p:spPr>
+        </p:pic>
+      </p:grpSp>
+      <p:grpSp>
+        <p:nvGrpSpPr>
+          <p:cNvPr id="3" name="Gruppieren 2"/>
+          <p:cNvGrpSpPr/>
+          <p:nvPr/>
+        </p:nvGrpSpPr>
+        <p:grpSpPr>
           <a:xfrm>
-            <a:off x="566935" y="38665669"/>
-            <a:ext cx="12476826" cy="3580702"/>
+            <a:off x="17795971" y="23051298"/>
+            <a:ext cx="10363504" cy="5964943"/>
+            <a:chOff x="16073984" y="22272644"/>
+            <a:chExt cx="10363504" cy="5964943"/>
           </a:xfrm>
-          <a:prstGeom prst="rect">
-            <a:avLst/>
-          </a:prstGeom>
-          <a:noFill/>
-          <a:ln>
-            <a:solidFill>
-              <a:schemeClr val="accent1">
+        </p:grpSpPr>
+        <p:sp>
+          <p:nvSpPr>
+            <p:cNvPr id="24" name="Abgerundetes Rechteck 23"/>
+            <p:cNvSpPr/>
+            <p:nvPr/>
+          </p:nvSpPr>
+          <p:spPr>
+            <a:xfrm>
+              <a:off x="16073984" y="22272644"/>
+              <a:ext cx="10363504" cy="5964943"/>
+            </a:xfrm>
+            <a:prstGeom prst="roundRect">
+              <a:avLst>
+                <a:gd name="adj" fmla="val 12502"/>
+              </a:avLst>
+            </a:prstGeom>
+          </p:spPr>
+          <p:style>
+            <a:lnRef idx="2">
+              <a:schemeClr val="accent5">
                 <a:shade val="50000"/>
               </a:schemeClr>
-            </a:solidFill>
-          </a:ln>
-          <a:extLst>
-            <a:ext uri="{909E8E84-426E-40DD-AFC4-6F175D3DCCD1}">
-              <a14:hiddenFill xmlns:a14="http://schemas.microsoft.com/office/drawing/2010/main">
-                <a:solidFill>
-                  <a:srgbClr val="FFFFFF"/>
-                </a:solidFill>
-              </a14:hiddenFill>
-            </a:ext>
-          </a:extLst>
-        </p:spPr>
-      </p:pic>
-      <p:sp>
-        <p:nvSpPr>
-          <p:cNvPr id="24" name="Abgerundetes Rechteck 23"/>
-          <p:cNvSpPr/>
-          <p:nvPr/>
-        </p:nvSpPr>
-        <p:spPr>
-          <a:xfrm>
-            <a:off x="16073984" y="22272644"/>
-            <a:ext cx="10363504" cy="7108634"/>
-          </a:xfrm>
-          <a:prstGeom prst="roundRect">
-            <a:avLst>
-              <a:gd name="adj" fmla="val 12502"/>
-            </a:avLst>
-          </a:prstGeom>
-        </p:spPr>
-        <p:style>
-          <a:lnRef idx="2">
-            <a:schemeClr val="accent5">
-              <a:shade val="50000"/>
-            </a:schemeClr>
-          </a:lnRef>
-          <a:fillRef idx="1">
-            <a:schemeClr val="accent5"/>
-          </a:fillRef>
-          <a:effectRef idx="0">
-            <a:schemeClr val="accent5"/>
-          </a:effectRef>
-          <a:fontRef idx="minor">
-            <a:schemeClr val="lt1"/>
-          </a:fontRef>
-        </p:style>
-        <p:txBody>
-          <a:bodyPr rtlCol="0" anchor="t" anchorCtr="0"/>
-          <a:lstStyle/>
-          <a:p>
-            <a:pPr algn="ctr"/>
-            <a:r>
-              <a:rPr lang="de-DE" sz="5000" b="1" u="sng" dirty="0" smtClean="0">
+            </a:lnRef>
+            <a:fillRef idx="1">
+              <a:schemeClr val="accent5"/>
+            </a:fillRef>
+            <a:effectRef idx="0">
+              <a:schemeClr val="accent5"/>
+            </a:effectRef>
+            <a:fontRef idx="minor">
+              <a:schemeClr val="lt1"/>
+            </a:fontRef>
+          </p:style>
+          <p:txBody>
+            <a:bodyPr rtlCol="0" anchor="t" anchorCtr="0"/>
+            <a:lstStyle/>
+            <a:p>
+              <a:pPr algn="ctr"/>
+              <a:r>
+                <a:rPr lang="de-DE" sz="5000" b="1" dirty="0" smtClean="0">
+                  <a:latin typeface="Arial" panose="020B0604020202020204" pitchFamily="34" charset="0"/>
+                  <a:cs typeface="Arial" panose="020B0604020202020204" pitchFamily="34" charset="0"/>
+                </a:rPr>
+                <a:t>5. Projektorganisation</a:t>
+              </a:r>
+              <a:endParaRPr lang="de-DE" sz="5000" b="1" dirty="0">
                 <a:latin typeface="Arial" panose="020B0604020202020204" pitchFamily="34" charset="0"/>
                 <a:cs typeface="Arial" panose="020B0604020202020204" pitchFamily="34" charset="0"/>
-              </a:rPr>
-              <a:t>Projektorganisation</a:t>
-            </a:r>
-            <a:endParaRPr lang="de-DE" sz="5000" b="1" u="sng" dirty="0">
-              <a:latin typeface="Arial" panose="020B0604020202020204" pitchFamily="34" charset="0"/>
-              <a:cs typeface="Arial" panose="020B0604020202020204" pitchFamily="34" charset="0"/>
-            </a:endParaRPr>
-          </a:p>
-          <a:p>
-            <a:pPr algn="ctr"/>
-            <a:endParaRPr lang="de-DE" sz="5000" b="1" u="sng" dirty="0">
-              <a:latin typeface="Arial" panose="020B0604020202020204" pitchFamily="34" charset="0"/>
-              <a:cs typeface="Arial" panose="020B0604020202020204" pitchFamily="34" charset="0"/>
-            </a:endParaRPr>
-          </a:p>
-          <a:p>
-            <a:pPr algn="ctr"/>
-            <a:endParaRPr lang="de-DE" sz="5000" b="1" u="sng" dirty="0">
-              <a:latin typeface="Arial" panose="020B0604020202020204" pitchFamily="34" charset="0"/>
-              <a:cs typeface="Arial" panose="020B0604020202020204" pitchFamily="34" charset="0"/>
-            </a:endParaRPr>
-          </a:p>
-          <a:p>
-            <a:pPr algn="ctr"/>
-            <a:endParaRPr lang="de-DE" sz="5000" b="1" u="sng" dirty="0">
-              <a:latin typeface="Arial" panose="020B0604020202020204" pitchFamily="34" charset="0"/>
-              <a:cs typeface="Arial" panose="020B0604020202020204" pitchFamily="34" charset="0"/>
-            </a:endParaRPr>
-          </a:p>
-          <a:p>
-            <a:pPr algn="ctr"/>
-            <a:endParaRPr lang="de-DE" sz="5000" b="1" u="sng" dirty="0">
-              <a:latin typeface="Arial" panose="020B0604020202020204" pitchFamily="34" charset="0"/>
-              <a:cs typeface="Arial" panose="020B0604020202020204" pitchFamily="34" charset="0"/>
-            </a:endParaRPr>
-          </a:p>
-          <a:p>
-            <a:pPr algn="ctr"/>
-            <a:endParaRPr lang="de-DE" sz="5000" b="1" u="sng" dirty="0">
-              <a:latin typeface="Arial" panose="020B0604020202020204" pitchFamily="34" charset="0"/>
-              <a:cs typeface="Arial" panose="020B0604020202020204" pitchFamily="34" charset="0"/>
-            </a:endParaRPr>
-          </a:p>
-        </p:txBody>
-      </p:sp>
-      <p:pic>
-        <p:nvPicPr>
-          <p:cNvPr id="1037" name="Picture 13" descr="C:\Users\student\Pictures\Organigramm.png"/>
-          <p:cNvPicPr>
-            <a:picLocks noChangeAspect="1" noChangeArrowheads="1"/>
-          </p:cNvPicPr>
-          <p:nvPr/>
-        </p:nvPicPr>
-        <p:blipFill>
-          <a:blip r:embed="rId6">
+              </a:endParaRPr>
+            </a:p>
+            <a:p>
+              <a:pPr algn="ctr"/>
+              <a:endParaRPr lang="de-DE" sz="5000" b="1" u="sng" dirty="0">
+                <a:latin typeface="Arial" panose="020B0604020202020204" pitchFamily="34" charset="0"/>
+                <a:cs typeface="Arial" panose="020B0604020202020204" pitchFamily="34" charset="0"/>
+              </a:endParaRPr>
+            </a:p>
+            <a:p>
+              <a:pPr algn="ctr"/>
+              <a:endParaRPr lang="de-DE" sz="5000" b="1" u="sng" dirty="0">
+                <a:latin typeface="Arial" panose="020B0604020202020204" pitchFamily="34" charset="0"/>
+                <a:cs typeface="Arial" panose="020B0604020202020204" pitchFamily="34" charset="0"/>
+              </a:endParaRPr>
+            </a:p>
+            <a:p>
+              <a:pPr algn="ctr"/>
+              <a:endParaRPr lang="de-DE" sz="5000" b="1" u="sng" dirty="0">
+                <a:latin typeface="Arial" panose="020B0604020202020204" pitchFamily="34" charset="0"/>
+                <a:cs typeface="Arial" panose="020B0604020202020204" pitchFamily="34" charset="0"/>
+              </a:endParaRPr>
+            </a:p>
+            <a:p>
+              <a:pPr algn="ctr"/>
+              <a:endParaRPr lang="de-DE" sz="5000" b="1" u="sng" dirty="0">
+                <a:latin typeface="Arial" panose="020B0604020202020204" pitchFamily="34" charset="0"/>
+                <a:cs typeface="Arial" panose="020B0604020202020204" pitchFamily="34" charset="0"/>
+              </a:endParaRPr>
+            </a:p>
+            <a:p>
+              <a:pPr algn="ctr"/>
+              <a:endParaRPr lang="de-DE" sz="5000" b="1" u="sng" dirty="0">
+                <a:latin typeface="Arial" panose="020B0604020202020204" pitchFamily="34" charset="0"/>
+                <a:cs typeface="Arial" panose="020B0604020202020204" pitchFamily="34" charset="0"/>
+              </a:endParaRPr>
+            </a:p>
+          </p:txBody>
+        </p:sp>
+        <p:pic>
+          <p:nvPicPr>
+            <p:cNvPr id="1037" name="Picture 13" descr="C:\Users\student\Pictures\Organigramm.png"/>
+            <p:cNvPicPr>
+              <a:picLocks noChangeAspect="1" noChangeArrowheads="1"/>
+            </p:cNvPicPr>
+            <p:nvPr/>
+          </p:nvPicPr>
+          <p:blipFill>
+            <a:blip r:embed="rId6">
+              <a:extLst>
+                <a:ext uri="{28A0092B-C50C-407E-A947-70E740481C1C}">
+                  <a14:useLocalDpi xmlns:a14="http://schemas.microsoft.com/office/drawing/2010/main" val="0"/>
+                </a:ext>
+              </a:extLst>
+            </a:blip>
+            <a:srcRect/>
+            <a:stretch>
+              <a:fillRect/>
+            </a:stretch>
+          </p:blipFill>
+          <p:spPr bwMode="auto">
+            <a:xfrm>
+              <a:off x="16274530" y="23687278"/>
+              <a:ext cx="9962412" cy="3848092"/>
+            </a:xfrm>
+            <a:prstGeom prst="rect">
+              <a:avLst/>
+            </a:prstGeom>
+            <a:noFill/>
             <a:extLst>
-              <a:ext uri="{28A0092B-C50C-407E-A947-70E740481C1C}">
-                <a14:useLocalDpi xmlns:a14="http://schemas.microsoft.com/office/drawing/2010/main" val="0"/>
+              <a:ext uri="{909E8E84-426E-40DD-AFC4-6F175D3DCCD1}">
+                <a14:hiddenFill xmlns:a14="http://schemas.microsoft.com/office/drawing/2010/main">
+                  <a:solidFill>
+                    <a:srgbClr val="FFFFFF"/>
+                  </a:solidFill>
+                </a14:hiddenFill>
               </a:ext>
             </a:extLst>
-          </a:blip>
-          <a:srcRect/>
-          <a:stretch>
-            <a:fillRect/>
-          </a:stretch>
-        </p:blipFill>
-        <p:spPr bwMode="auto">
+          </p:spPr>
+        </p:pic>
+      </p:grpSp>
+      <p:grpSp>
+        <p:nvGrpSpPr>
+          <p:cNvPr id="19" name="Gruppieren 18"/>
+          <p:cNvGrpSpPr/>
+          <p:nvPr/>
+        </p:nvGrpSpPr>
+        <p:grpSpPr>
           <a:xfrm>
-            <a:off x="16274530" y="24105316"/>
-            <a:ext cx="9962412" cy="3848092"/>
+            <a:off x="1705717" y="30662522"/>
+            <a:ext cx="10363504" cy="7389114"/>
+            <a:chOff x="115786" y="29575647"/>
+            <a:chExt cx="10363504" cy="7389114"/>
           </a:xfrm>
-          <a:prstGeom prst="rect">
-            <a:avLst/>
-          </a:prstGeom>
-          <a:noFill/>
-          <a:extLst>
-            <a:ext uri="{909E8E84-426E-40DD-AFC4-6F175D3DCCD1}">
-              <a14:hiddenFill xmlns:a14="http://schemas.microsoft.com/office/drawing/2010/main">
-                <a:solidFill>
-                  <a:srgbClr val="FFFFFF"/>
-                </a:solidFill>
-              </a14:hiddenFill>
-            </a:ext>
-          </a:extLst>
-        </p:spPr>
-      </p:pic>
-      <p:sp>
-        <p:nvSpPr>
-          <p:cNvPr id="26" name="Abgerundetes Rechteck 25"/>
-          <p:cNvSpPr/>
-          <p:nvPr/>
-        </p:nvSpPr>
-        <p:spPr>
-          <a:xfrm>
-            <a:off x="166259" y="12347652"/>
-            <a:ext cx="26448471" cy="9674514"/>
-          </a:xfrm>
-          <a:prstGeom prst="roundRect">
-            <a:avLst>
-              <a:gd name="adj" fmla="val 12502"/>
-            </a:avLst>
-          </a:prstGeom>
-          <a:solidFill>
-            <a:srgbClr val="00CC99"/>
-          </a:solidFill>
-          <a:ln>
-            <a:solidFill>
-              <a:srgbClr val="2FA68E"/>
-            </a:solidFill>
-          </a:ln>
-        </p:spPr>
-        <p:style>
-          <a:lnRef idx="2">
-            <a:schemeClr val="accent5">
-              <a:shade val="50000"/>
-            </a:schemeClr>
-          </a:lnRef>
-          <a:fillRef idx="1">
-            <a:schemeClr val="accent5"/>
-          </a:fillRef>
-          <a:effectRef idx="0">
-            <a:schemeClr val="accent5"/>
-          </a:effectRef>
-          <a:fontRef idx="minor">
-            <a:schemeClr val="lt1"/>
-          </a:fontRef>
-        </p:style>
-        <p:txBody>
-          <a:bodyPr numCol="3" rtlCol="0" anchor="t" anchorCtr="0"/>
-          <a:lstStyle/>
-          <a:p>
-            <a:r>
-              <a:rPr lang="de-DE" sz="5000" b="1" u="sng" dirty="0" smtClean="0">
+        </p:grpSpPr>
+        <p:sp>
+          <p:nvSpPr>
+            <p:cNvPr id="9" name="Abgerundetes Rechteck 8"/>
+            <p:cNvSpPr/>
+            <p:nvPr/>
+          </p:nvSpPr>
+          <p:spPr>
+            <a:xfrm>
+              <a:off x="115786" y="29575647"/>
+              <a:ext cx="10363504" cy="7389114"/>
+            </a:xfrm>
+            <a:prstGeom prst="roundRect">
+              <a:avLst>
+                <a:gd name="adj" fmla="val 12502"/>
+              </a:avLst>
+            </a:prstGeom>
+          </p:spPr>
+          <p:style>
+            <a:lnRef idx="2">
+              <a:schemeClr val="accent5">
+                <a:shade val="50000"/>
+              </a:schemeClr>
+            </a:lnRef>
+            <a:fillRef idx="1">
+              <a:schemeClr val="accent5"/>
+            </a:fillRef>
+            <a:effectRef idx="0">
+              <a:schemeClr val="accent5"/>
+            </a:effectRef>
+            <a:fontRef idx="minor">
+              <a:schemeClr val="lt1"/>
+            </a:fontRef>
+          </p:style>
+          <p:txBody>
+            <a:bodyPr rtlCol="0" anchor="t" anchorCtr="0"/>
+            <a:lstStyle/>
+            <a:p>
+              <a:pPr algn="ctr"/>
+              <a:r>
+                <a:rPr lang="de-DE" sz="5000" b="1" dirty="0">
+                  <a:latin typeface="Arial" panose="020B0604020202020204" pitchFamily="34" charset="0"/>
+                  <a:cs typeface="Arial" panose="020B0604020202020204" pitchFamily="34" charset="0"/>
+                </a:rPr>
+                <a:t>6</a:t>
+              </a:r>
+              <a:r>
+                <a:rPr lang="de-DE" sz="5000" b="1" dirty="0" smtClean="0">
+                  <a:latin typeface="Arial" panose="020B0604020202020204" pitchFamily="34" charset="0"/>
+                  <a:cs typeface="Arial" panose="020B0604020202020204" pitchFamily="34" charset="0"/>
+                </a:rPr>
+                <a:t>. </a:t>
+              </a:r>
+              <a:r>
+                <a:rPr lang="de-DE" sz="5000" b="1" dirty="0">
+                  <a:latin typeface="Arial" panose="020B0604020202020204" pitchFamily="34" charset="0"/>
+                  <a:cs typeface="Arial" panose="020B0604020202020204" pitchFamily="34" charset="0"/>
+                </a:rPr>
+                <a:t>Vorgehensmodell</a:t>
+              </a:r>
+            </a:p>
+            <a:p>
+              <a:pPr algn="ctr"/>
+              <a:endParaRPr lang="de-DE" sz="5000" b="1" dirty="0">
                 <a:latin typeface="Arial" panose="020B0604020202020204" pitchFamily="34" charset="0"/>
                 <a:cs typeface="Arial" panose="020B0604020202020204" pitchFamily="34" charset="0"/>
-              </a:rPr>
-              <a:t>Projektvorstellung</a:t>
-            </a:r>
-            <a:endParaRPr lang="de-DE" sz="5000" b="1" dirty="0" smtClean="0"/>
-          </a:p>
-          <a:p>
-            <a:pPr algn="ctr"/>
-            <a:endParaRPr lang="de-DE" sz="5000" b="1" dirty="0"/>
-          </a:p>
-          <a:p>
-            <a:pPr algn="ctr"/>
-            <a:endParaRPr lang="de-DE" sz="4800" b="1" dirty="0"/>
-          </a:p>
-          <a:p>
-            <a:pPr algn="ctr"/>
-            <a:endParaRPr lang="de-DE" sz="5000" b="1" dirty="0" smtClean="0"/>
-          </a:p>
-          <a:p>
-            <a:pPr algn="ctr"/>
-            <a:endParaRPr lang="de-DE" sz="5000" b="1" dirty="0"/>
-          </a:p>
-        </p:txBody>
-      </p:sp>
-      <p:pic>
-        <p:nvPicPr>
-          <p:cNvPr id="27" name="Grafik 26"/>
-          <p:cNvPicPr/>
+              </a:endParaRPr>
+            </a:p>
+            <a:p>
+              <a:pPr algn="ctr"/>
+              <a:endParaRPr lang="de-DE" sz="5000" b="1" dirty="0">
+                <a:latin typeface="Arial" panose="020B0604020202020204" pitchFamily="34" charset="0"/>
+                <a:cs typeface="Arial" panose="020B0604020202020204" pitchFamily="34" charset="0"/>
+              </a:endParaRPr>
+            </a:p>
+            <a:p>
+              <a:pPr algn="ctr"/>
+              <a:endParaRPr lang="de-DE" sz="5000" b="1" dirty="0">
+                <a:latin typeface="Arial" panose="020B0604020202020204" pitchFamily="34" charset="0"/>
+                <a:cs typeface="Arial" panose="020B0604020202020204" pitchFamily="34" charset="0"/>
+              </a:endParaRPr>
+            </a:p>
+            <a:p>
+              <a:pPr algn="ctr"/>
+              <a:endParaRPr lang="de-DE" sz="5000" b="1" dirty="0">
+                <a:latin typeface="Arial" panose="020B0604020202020204" pitchFamily="34" charset="0"/>
+                <a:cs typeface="Arial" panose="020B0604020202020204" pitchFamily="34" charset="0"/>
+              </a:endParaRPr>
+            </a:p>
+            <a:p>
+              <a:pPr algn="ctr"/>
+              <a:endParaRPr lang="de-DE" sz="5000" b="1" dirty="0">
+                <a:latin typeface="Arial" panose="020B0604020202020204" pitchFamily="34" charset="0"/>
+                <a:cs typeface="Arial" panose="020B0604020202020204" pitchFamily="34" charset="0"/>
+              </a:endParaRPr>
+            </a:p>
+          </p:txBody>
+        </p:sp>
+        <p:pic>
+          <p:nvPicPr>
+            <p:cNvPr id="4" name="Grafik 3"/>
+            <p:cNvPicPr>
+              <a:picLocks noChangeAspect="1"/>
+            </p:cNvPicPr>
+            <p:nvPr/>
+          </p:nvPicPr>
+          <p:blipFill>
+            <a:blip r:embed="rId7">
+              <a:extLst>
+                <a:ext uri="{28A0092B-C50C-407E-A947-70E740481C1C}">
+                  <a14:useLocalDpi xmlns:a14="http://schemas.microsoft.com/office/drawing/2010/main" val="0"/>
+                </a:ext>
+              </a:extLst>
+            </a:blip>
+            <a:stretch>
+              <a:fillRect/>
+            </a:stretch>
+          </p:blipFill>
+          <p:spPr>
+            <a:xfrm>
+              <a:off x="434436" y="31021983"/>
+              <a:ext cx="8487960" cy="5715798"/>
+            </a:xfrm>
+            <a:prstGeom prst="rect">
+              <a:avLst/>
+            </a:prstGeom>
+          </p:spPr>
+        </p:pic>
+      </p:grpSp>
+      <p:grpSp>
+        <p:nvGrpSpPr>
+          <p:cNvPr id="14" name="Gruppieren 13"/>
+          <p:cNvGrpSpPr/>
           <p:nvPr/>
-        </p:nvPicPr>
-        <p:blipFill>
-          <a:blip r:embed="rId7"/>
-          <a:stretch>
-            <a:fillRect/>
-          </a:stretch>
-        </p:blipFill>
-        <p:spPr>
+        </p:nvGrpSpPr>
+        <p:grpSpPr>
           <a:xfrm>
-            <a:off x="489614" y="13772555"/>
-            <a:ext cx="8136904" cy="3424460"/>
+            <a:off x="1705717" y="23051298"/>
+            <a:ext cx="10363504" cy="7107571"/>
+            <a:chOff x="115786" y="22245121"/>
+            <a:chExt cx="10363504" cy="7107571"/>
           </a:xfrm>
-          <a:prstGeom prst="rect">
-            <a:avLst/>
-          </a:prstGeom>
-        </p:spPr>
-      </p:pic>
-      <p:pic>
-        <p:nvPicPr>
-          <p:cNvPr id="4" name="Grafik 3"/>
-          <p:cNvPicPr>
-            <a:picLocks noChangeAspect="1"/>
-          </p:cNvPicPr>
-          <p:nvPr/>
-        </p:nvPicPr>
-        <p:blipFill>
-          <a:blip r:embed="rId8">
-            <a:extLst>
-              <a:ext uri="{28A0092B-C50C-407E-A947-70E740481C1C}">
-                <a14:useLocalDpi xmlns:a14="http://schemas.microsoft.com/office/drawing/2010/main" val="0"/>
-              </a:ext>
-            </a:extLst>
-          </a:blip>
-          <a:stretch>
-            <a:fillRect/>
-          </a:stretch>
-        </p:blipFill>
-        <p:spPr>
-          <a:xfrm>
-            <a:off x="1008985" y="31024176"/>
-            <a:ext cx="8487960" cy="5715798"/>
-          </a:xfrm>
-          <a:prstGeom prst="rect">
-            <a:avLst/>
-          </a:prstGeom>
-        </p:spPr>
-      </p:pic>
-      <p:sp>
-        <p:nvSpPr>
-          <p:cNvPr id="18" name="Abgerundetes Rechteck 17"/>
-          <p:cNvSpPr/>
-          <p:nvPr/>
-        </p:nvSpPr>
-        <p:spPr>
-          <a:xfrm>
-            <a:off x="115786" y="3792297"/>
-            <a:ext cx="10945216" cy="8332400"/>
-          </a:xfrm>
-          <a:prstGeom prst="roundRect">
-            <a:avLst>
-              <a:gd name="adj" fmla="val 8468"/>
-            </a:avLst>
-          </a:prstGeom>
-        </p:spPr>
-        <p:style>
-          <a:lnRef idx="2">
-            <a:schemeClr val="accent1">
-              <a:shade val="50000"/>
-            </a:schemeClr>
-          </a:lnRef>
-          <a:fillRef idx="1">
-            <a:schemeClr val="accent1"/>
-          </a:fillRef>
-          <a:effectRef idx="0">
-            <a:schemeClr val="accent1"/>
-          </a:effectRef>
-          <a:fontRef idx="minor">
-            <a:schemeClr val="lt1"/>
-          </a:fontRef>
-        </p:style>
-        <p:txBody>
-          <a:bodyPr rtlCol="0" anchor="ctr"/>
-          <a:lstStyle/>
-          <a:p>
-            <a:pPr algn="just"/>
-            <a:endParaRPr lang="de-DE" sz="2500" dirty="0" smtClean="0">
-              <a:latin typeface="Arial" panose="020B0604020202020204" pitchFamily="34" charset="0"/>
-              <a:cs typeface="Arial" panose="020B0604020202020204" pitchFamily="34" charset="0"/>
-            </a:endParaRPr>
-          </a:p>
-        </p:txBody>
-      </p:sp>
-      <p:sp>
-        <p:nvSpPr>
-          <p:cNvPr id="5" name="Textfeld 4"/>
-          <p:cNvSpPr txBox="1"/>
-          <p:nvPr/>
-        </p:nvSpPr>
-        <p:spPr>
-          <a:xfrm>
-            <a:off x="1973744" y="3804037"/>
-            <a:ext cx="7147049" cy="861774"/>
-          </a:xfrm>
-          <a:prstGeom prst="rect">
-            <a:avLst/>
-          </a:prstGeom>
-          <a:noFill/>
-        </p:spPr>
-        <p:txBody>
-          <a:bodyPr wrap="square" rtlCol="0">
-            <a:spAutoFit/>
-          </a:bodyPr>
-          <a:lstStyle/>
-          <a:p>
-            <a:pPr algn="ctr"/>
-            <a:r>
-              <a:rPr lang="de-DE" sz="5000" b="1" u="sng" dirty="0">
+        </p:grpSpPr>
+        <p:sp>
+          <p:nvSpPr>
+            <p:cNvPr id="49" name="Abgerundetes Rechteck 48"/>
+            <p:cNvSpPr/>
+            <p:nvPr/>
+          </p:nvSpPr>
+          <p:spPr>
+            <a:xfrm>
+              <a:off x="115786" y="22245121"/>
+              <a:ext cx="10363504" cy="7107571"/>
+            </a:xfrm>
+            <a:prstGeom prst="roundRect">
+              <a:avLst>
+                <a:gd name="adj" fmla="val 12502"/>
+              </a:avLst>
+            </a:prstGeom>
+          </p:spPr>
+          <p:style>
+            <a:lnRef idx="2">
+              <a:schemeClr val="accent5">
+                <a:shade val="50000"/>
+              </a:schemeClr>
+            </a:lnRef>
+            <a:fillRef idx="1">
+              <a:schemeClr val="accent5"/>
+            </a:fillRef>
+            <a:effectRef idx="0">
+              <a:schemeClr val="accent5"/>
+            </a:effectRef>
+            <a:fontRef idx="minor">
+              <a:schemeClr val="lt1"/>
+            </a:fontRef>
+          </p:style>
+          <p:txBody>
+            <a:bodyPr rtlCol="0" anchor="t" anchorCtr="0"/>
+            <a:lstStyle/>
+            <a:p>
+              <a:pPr algn="ctr"/>
+              <a:r>
+                <a:rPr lang="de-DE" sz="5000" b="1" dirty="0" smtClean="0">
+                  <a:latin typeface="Arial" panose="020B0604020202020204" pitchFamily="34" charset="0"/>
+                  <a:cs typeface="Arial" panose="020B0604020202020204" pitchFamily="34" charset="0"/>
+                </a:rPr>
+                <a:t>4. Umfeldanalyse</a:t>
+              </a:r>
+            </a:p>
+            <a:p>
+              <a:pPr algn="ctr"/>
+              <a:endParaRPr lang="de-DE" sz="5000" b="1" dirty="0" smtClean="0"/>
+            </a:p>
+            <a:p>
+              <a:pPr algn="ctr"/>
+              <a:endParaRPr lang="de-DE" sz="5000" b="1" dirty="0"/>
+            </a:p>
+            <a:p>
+              <a:pPr algn="ctr"/>
+              <a:endParaRPr lang="de-DE" sz="4800" b="1" dirty="0"/>
+            </a:p>
+            <a:p>
+              <a:pPr algn="ctr"/>
+              <a:endParaRPr lang="de-DE" sz="5000" b="1" dirty="0" smtClean="0"/>
+            </a:p>
+            <a:p>
+              <a:pPr algn="ctr"/>
+              <a:endParaRPr lang="de-DE" sz="5000" b="1" dirty="0"/>
+            </a:p>
+          </p:txBody>
+        </p:sp>
+        <p:sp>
+          <p:nvSpPr>
+            <p:cNvPr id="23" name="Textfeld 22"/>
+            <p:cNvSpPr txBox="1"/>
+            <p:nvPr/>
+          </p:nvSpPr>
+          <p:spPr>
+            <a:xfrm>
+              <a:off x="434436" y="23560417"/>
+              <a:ext cx="9637058" cy="5093702"/>
+            </a:xfrm>
+            <a:prstGeom prst="rect">
+              <a:avLst/>
+            </a:prstGeom>
+            <a:noFill/>
+          </p:spPr>
+          <p:txBody>
+            <a:bodyPr wrap="square" rtlCol="0">
+              <a:spAutoFit/>
+            </a:bodyPr>
+            <a:lstStyle/>
+            <a:p>
+              <a:pPr algn="just"/>
+              <a:r>
+                <a:rPr lang="de-DE" sz="2500" dirty="0" smtClean="0">
+                  <a:solidFill>
+                    <a:schemeClr val="lt1"/>
+                  </a:solidFill>
+                  <a:latin typeface="Arial" panose="020B0604020202020204" pitchFamily="34" charset="0"/>
+                  <a:cs typeface="Arial" panose="020B0604020202020204" pitchFamily="34" charset="0"/>
+                </a:rPr>
+                <a:t>Für die Umfeldanalyse wurden folgende Faktoren herangezogen und analysiert:</a:t>
+              </a:r>
+            </a:p>
+            <a:p>
+              <a:pPr algn="just"/>
+              <a:endParaRPr lang="de-DE" sz="2500" dirty="0">
                 <a:solidFill>
                   <a:schemeClr val="lt1"/>
                 </a:solidFill>
                 <a:latin typeface="Arial" panose="020B0604020202020204" pitchFamily="34" charset="0"/>
                 <a:cs typeface="Arial" panose="020B0604020202020204" pitchFamily="34" charset="0"/>
-              </a:rPr>
-              <a:t>Projektbeschreibung</a:t>
-            </a:r>
-            <a:endParaRPr lang="de-DE" sz="5000" b="1" u="sng" dirty="0">
-              <a:solidFill>
-                <a:schemeClr val="lt1"/>
-              </a:solidFill>
-              <a:latin typeface="Arial" panose="020B0604020202020204" pitchFamily="34" charset="0"/>
-              <a:cs typeface="Arial" panose="020B0604020202020204" pitchFamily="34" charset="0"/>
-            </a:endParaRPr>
-          </a:p>
-        </p:txBody>
-      </p:sp>
-      <p:sp>
-        <p:nvSpPr>
-          <p:cNvPr id="21" name="Textfeld 20"/>
-          <p:cNvSpPr txBox="1"/>
-          <p:nvPr/>
-        </p:nvSpPr>
-        <p:spPr>
-          <a:xfrm>
-            <a:off x="3437478" y="7514554"/>
-            <a:ext cx="2971723" cy="1169551"/>
-          </a:xfrm>
-          <a:prstGeom prst="rect">
-            <a:avLst/>
-          </a:prstGeom>
-          <a:noFill/>
-        </p:spPr>
-        <p:txBody>
-          <a:bodyPr wrap="square" rtlCol="0">
-            <a:spAutoFit/>
-          </a:bodyPr>
-          <a:lstStyle/>
-          <a:p>
-            <a:pPr algn="ctr"/>
-            <a:r>
-              <a:rPr lang="de-DE" sz="3500" b="1" dirty="0" smtClean="0">
+              </a:endParaRPr>
+            </a:p>
+            <a:p>
+              <a:pPr algn="just"/>
+              <a:r>
+                <a:rPr lang="de-DE" sz="2500" dirty="0" smtClean="0">
+                  <a:solidFill>
+                    <a:schemeClr val="lt1"/>
+                  </a:solidFill>
+                  <a:latin typeface="Arial" panose="020B0604020202020204" pitchFamily="34" charset="0"/>
+                  <a:cs typeface="Arial" panose="020B0604020202020204" pitchFamily="34" charset="0"/>
+                </a:rPr>
+                <a:t>Risikoanalyse bezogen auf</a:t>
+              </a:r>
+            </a:p>
+            <a:p>
+              <a:pPr marL="514350" indent="-514350" algn="just">
+                <a:buFont typeface="+mj-lt"/>
+                <a:buAutoNum type="romanUcPeriod"/>
+              </a:pPr>
+              <a:r>
+                <a:rPr lang="de-DE" sz="2500" dirty="0" smtClean="0">
+                  <a:solidFill>
+                    <a:schemeClr val="lt1"/>
+                  </a:solidFill>
+                  <a:latin typeface="Arial" panose="020B0604020202020204" pitchFamily="34" charset="0"/>
+                  <a:cs typeface="Arial" panose="020B0604020202020204" pitchFamily="34" charset="0"/>
+                </a:rPr>
+                <a:t>Leistung</a:t>
+              </a:r>
+            </a:p>
+            <a:p>
+              <a:pPr marL="514350" indent="-514350" algn="just">
+                <a:buFont typeface="+mj-lt"/>
+                <a:buAutoNum type="romanUcPeriod"/>
+              </a:pPr>
+              <a:r>
+                <a:rPr lang="de-DE" sz="2500" dirty="0" smtClean="0">
+                  <a:solidFill>
+                    <a:schemeClr val="lt1"/>
+                  </a:solidFill>
+                  <a:latin typeface="Arial" panose="020B0604020202020204" pitchFamily="34" charset="0"/>
+                  <a:cs typeface="Arial" panose="020B0604020202020204" pitchFamily="34" charset="0"/>
+                </a:rPr>
+                <a:t>Stakeholder</a:t>
+              </a:r>
+            </a:p>
+            <a:p>
+              <a:pPr marL="514350" indent="-514350" algn="just">
+                <a:buFont typeface="+mj-lt"/>
+                <a:buAutoNum type="romanUcPeriod"/>
+              </a:pPr>
+              <a:r>
+                <a:rPr lang="de-DE" sz="2500" dirty="0" smtClean="0">
+                  <a:solidFill>
+                    <a:schemeClr val="lt1"/>
+                  </a:solidFill>
+                  <a:latin typeface="Arial" panose="020B0604020202020204" pitchFamily="34" charset="0"/>
+                  <a:cs typeface="Arial" panose="020B0604020202020204" pitchFamily="34" charset="0"/>
+                </a:rPr>
+                <a:t>Aufwand</a:t>
+              </a:r>
+            </a:p>
+            <a:p>
+              <a:pPr marL="514350" indent="-514350" algn="just">
+                <a:buFont typeface="+mj-lt"/>
+                <a:buAutoNum type="romanUcPeriod"/>
+              </a:pPr>
+              <a:r>
+                <a:rPr lang="de-DE" sz="2500" dirty="0" smtClean="0">
+                  <a:solidFill>
+                    <a:schemeClr val="lt1"/>
+                  </a:solidFill>
+                  <a:latin typeface="Arial" panose="020B0604020202020204" pitchFamily="34" charset="0"/>
+                  <a:cs typeface="Arial" panose="020B0604020202020204" pitchFamily="34" charset="0"/>
+                </a:rPr>
+                <a:t>Termine</a:t>
+              </a:r>
+            </a:p>
+            <a:p>
+              <a:pPr algn="just"/>
+              <a:endParaRPr lang="de-DE" sz="2500" dirty="0">
                 <a:solidFill>
                   <a:schemeClr val="lt1"/>
                 </a:solidFill>
                 <a:latin typeface="Arial" panose="020B0604020202020204" pitchFamily="34" charset="0"/>
                 <a:cs typeface="Arial" panose="020B0604020202020204" pitchFamily="34" charset="0"/>
-              </a:rPr>
-              <a:t>Verlorenes</a:t>
-            </a:r>
-          </a:p>
-          <a:p>
-            <a:pPr algn="ctr"/>
-            <a:r>
-              <a:rPr lang="de-DE" sz="3500" b="1" dirty="0" smtClean="0">
+              </a:endParaRPr>
+            </a:p>
+            <a:p>
+              <a:pPr algn="just"/>
+              <a:r>
+                <a:rPr lang="de-DE" sz="2500" dirty="0" err="1" smtClean="0">
+                  <a:solidFill>
+                    <a:schemeClr val="lt1"/>
+                  </a:solidFill>
+                  <a:latin typeface="Arial" panose="020B0604020202020204" pitchFamily="34" charset="0"/>
+                  <a:cs typeface="Arial" panose="020B0604020202020204" pitchFamily="34" charset="0"/>
+                </a:rPr>
+                <a:t>Stakeholderanalyse</a:t>
+              </a:r>
+              <a:r>
+                <a:rPr lang="de-DE" sz="2500" dirty="0" smtClean="0">
+                  <a:solidFill>
+                    <a:schemeClr val="lt1"/>
+                  </a:solidFill>
+                  <a:latin typeface="Arial" panose="020B0604020202020204" pitchFamily="34" charset="0"/>
+                  <a:cs typeface="Arial" panose="020B0604020202020204" pitchFamily="34" charset="0"/>
+                </a:rPr>
+                <a:t> für</a:t>
+              </a:r>
+            </a:p>
+            <a:p>
+              <a:pPr marL="514350" indent="-514350" algn="just">
+                <a:buFont typeface="+mj-lt"/>
+                <a:buAutoNum type="romanUcPeriod"/>
+              </a:pPr>
+              <a:r>
+                <a:rPr lang="de-DE" sz="2500" dirty="0" smtClean="0">
+                  <a:solidFill>
+                    <a:schemeClr val="lt1"/>
+                  </a:solidFill>
+                  <a:latin typeface="Arial" panose="020B0604020202020204" pitchFamily="34" charset="0"/>
+                  <a:cs typeface="Arial" panose="020B0604020202020204" pitchFamily="34" charset="0"/>
+                </a:rPr>
+                <a:t>Auftraggeber (</a:t>
+              </a:r>
+              <a:r>
+                <a:rPr lang="de-DE" sz="2500" dirty="0" err="1" smtClean="0">
+                  <a:solidFill>
+                    <a:schemeClr val="lt1"/>
+                  </a:solidFill>
+                  <a:latin typeface="Arial" panose="020B0604020202020204" pitchFamily="34" charset="0"/>
+                  <a:cs typeface="Arial" panose="020B0604020202020204" pitchFamily="34" charset="0"/>
+                </a:rPr>
+                <a:t>HfTL</a:t>
+              </a:r>
+              <a:r>
+                <a:rPr lang="de-DE" sz="2500" dirty="0" smtClean="0">
+                  <a:solidFill>
+                    <a:schemeClr val="lt1"/>
+                  </a:solidFill>
+                  <a:latin typeface="Arial" panose="020B0604020202020204" pitchFamily="34" charset="0"/>
+                  <a:cs typeface="Arial" panose="020B0604020202020204" pitchFamily="34" charset="0"/>
+                </a:rPr>
+                <a:t>)</a:t>
+              </a:r>
+            </a:p>
+            <a:p>
+              <a:pPr marL="514350" indent="-514350" algn="just">
+                <a:buFont typeface="+mj-lt"/>
+                <a:buAutoNum type="romanUcPeriod"/>
+              </a:pPr>
+              <a:r>
+                <a:rPr lang="de-DE" sz="2500" dirty="0" smtClean="0">
+                  <a:solidFill>
+                    <a:schemeClr val="lt1"/>
+                  </a:solidFill>
+                  <a:latin typeface="Arial" panose="020B0604020202020204" pitchFamily="34" charset="0"/>
+                  <a:cs typeface="Arial" panose="020B0604020202020204" pitchFamily="34" charset="0"/>
+                </a:rPr>
+                <a:t>Lenkungsausschuss (Dozenten)</a:t>
+              </a:r>
+            </a:p>
+            <a:p>
+              <a:pPr marL="514350" indent="-514350" algn="just">
+                <a:buFont typeface="+mj-lt"/>
+                <a:buAutoNum type="romanUcPeriod"/>
+              </a:pPr>
+              <a:r>
+                <a:rPr lang="de-DE" sz="2500" dirty="0" smtClean="0">
+                  <a:solidFill>
+                    <a:schemeClr val="lt1"/>
+                  </a:solidFill>
+                  <a:latin typeface="Arial" panose="020B0604020202020204" pitchFamily="34" charset="0"/>
+                  <a:cs typeface="Arial" panose="020B0604020202020204" pitchFamily="34" charset="0"/>
+                </a:rPr>
+                <a:t>IT und Organisation (Projektteam)</a:t>
+              </a:r>
+            </a:p>
+          </p:txBody>
+        </p:sp>
+      </p:grpSp>
+      <p:grpSp>
+        <p:nvGrpSpPr>
+          <p:cNvPr id="11" name="Gruppieren 10"/>
+          <p:cNvGrpSpPr/>
+          <p:nvPr/>
+        </p:nvGrpSpPr>
+        <p:grpSpPr>
+          <a:xfrm>
+            <a:off x="2115898" y="3950695"/>
+            <a:ext cx="10945216" cy="6056308"/>
+            <a:chOff x="15503263" y="3792297"/>
+            <a:chExt cx="10945216" cy="6056308"/>
+          </a:xfrm>
+        </p:grpSpPr>
+        <p:sp>
+          <p:nvSpPr>
+            <p:cNvPr id="35" name="Abgerundetes Rechteck 34"/>
+            <p:cNvSpPr/>
+            <p:nvPr/>
+          </p:nvSpPr>
+          <p:spPr>
+            <a:xfrm>
+              <a:off x="15503263" y="3792297"/>
+              <a:ext cx="10945216" cy="6056308"/>
+            </a:xfrm>
+            <a:prstGeom prst="roundRect">
+              <a:avLst>
+                <a:gd name="adj" fmla="val 8468"/>
+              </a:avLst>
+            </a:prstGeom>
+          </p:spPr>
+          <p:style>
+            <a:lnRef idx="2">
+              <a:schemeClr val="accent1">
+                <a:shade val="50000"/>
+              </a:schemeClr>
+            </a:lnRef>
+            <a:fillRef idx="1">
+              <a:schemeClr val="accent1"/>
+            </a:fillRef>
+            <a:effectRef idx="0">
+              <a:schemeClr val="accent1"/>
+            </a:effectRef>
+            <a:fontRef idx="minor">
+              <a:schemeClr val="lt1"/>
+            </a:fontRef>
+          </p:style>
+          <p:txBody>
+            <a:bodyPr rtlCol="0" anchor="ctr"/>
+            <a:lstStyle/>
+            <a:p>
+              <a:pPr algn="just"/>
+              <a:endParaRPr lang="de-DE" sz="2500" dirty="0" smtClean="0">
+                <a:latin typeface="Arial" panose="020B0604020202020204" pitchFamily="34" charset="0"/>
+                <a:cs typeface="Arial" panose="020B0604020202020204" pitchFamily="34" charset="0"/>
+              </a:endParaRPr>
+            </a:p>
+          </p:txBody>
+        </p:sp>
+        <p:sp>
+          <p:nvSpPr>
+            <p:cNvPr id="36" name="Textfeld 35"/>
+            <p:cNvSpPr txBox="1"/>
+            <p:nvPr/>
+          </p:nvSpPr>
+          <p:spPr>
+            <a:xfrm>
+              <a:off x="17156211" y="3833516"/>
+              <a:ext cx="7920880" cy="861774"/>
+            </a:xfrm>
+            <a:prstGeom prst="rect">
+              <a:avLst/>
+            </a:prstGeom>
+            <a:noFill/>
+          </p:spPr>
+          <p:txBody>
+            <a:bodyPr wrap="square" rtlCol="0">
+              <a:spAutoFit/>
+            </a:bodyPr>
+            <a:lstStyle/>
+            <a:p>
+              <a:pPr algn="ctr"/>
+              <a:r>
+                <a:rPr lang="de-DE" sz="5000" b="1" dirty="0">
+                  <a:solidFill>
+                    <a:schemeClr val="lt1"/>
+                  </a:solidFill>
+                  <a:latin typeface="Arial" panose="020B0604020202020204" pitchFamily="34" charset="0"/>
+                  <a:cs typeface="Arial" panose="020B0604020202020204" pitchFamily="34" charset="0"/>
+                </a:rPr>
+                <a:t>1</a:t>
+              </a:r>
+              <a:r>
+                <a:rPr lang="de-DE" sz="5000" b="1" dirty="0" smtClean="0">
+                  <a:solidFill>
+                    <a:schemeClr val="lt1"/>
+                  </a:solidFill>
+                  <a:latin typeface="Arial" panose="020B0604020202020204" pitchFamily="34" charset="0"/>
+                  <a:cs typeface="Arial" panose="020B0604020202020204" pitchFamily="34" charset="0"/>
+                </a:rPr>
+                <a:t>. Problembeschreibung</a:t>
+              </a:r>
+              <a:endParaRPr lang="de-DE" sz="5000" b="1" dirty="0">
                 <a:solidFill>
                   <a:schemeClr val="lt1"/>
                 </a:solidFill>
                 <a:latin typeface="Arial" panose="020B0604020202020204" pitchFamily="34" charset="0"/>
                 <a:cs typeface="Arial" panose="020B0604020202020204" pitchFamily="34" charset="0"/>
-              </a:rPr>
-              <a:t>finden</a:t>
-            </a:r>
-            <a:endParaRPr lang="de-DE" sz="3500" b="1" dirty="0">
-              <a:solidFill>
-                <a:schemeClr val="lt1"/>
-              </a:solidFill>
-              <a:latin typeface="Arial" panose="020B0604020202020204" pitchFamily="34" charset="0"/>
-              <a:cs typeface="Arial" panose="020B0604020202020204" pitchFamily="34" charset="0"/>
-            </a:endParaRPr>
-          </a:p>
-        </p:txBody>
-      </p:sp>
-      <p:sp>
-        <p:nvSpPr>
-          <p:cNvPr id="22" name="Textfeld 21"/>
-          <p:cNvSpPr txBox="1"/>
-          <p:nvPr/>
-        </p:nvSpPr>
-        <p:spPr>
-          <a:xfrm>
-            <a:off x="6770827" y="7514554"/>
-            <a:ext cx="3210553" cy="1169551"/>
-          </a:xfrm>
-          <a:prstGeom prst="rect">
-            <a:avLst/>
-          </a:prstGeom>
-          <a:noFill/>
-        </p:spPr>
-        <p:txBody>
-          <a:bodyPr wrap="square" rtlCol="0">
-            <a:spAutoFit/>
-          </a:bodyPr>
-          <a:lstStyle/>
-          <a:p>
-            <a:pPr algn="ctr"/>
-            <a:r>
-              <a:rPr lang="de-DE" sz="3500" b="1" dirty="0" smtClean="0">
+              </a:endParaRPr>
+            </a:p>
+          </p:txBody>
+        </p:sp>
+        <p:sp>
+          <p:nvSpPr>
+            <p:cNvPr id="39" name="Textfeld 38"/>
+            <p:cNvSpPr txBox="1"/>
+            <p:nvPr/>
+          </p:nvSpPr>
+          <p:spPr>
+            <a:xfrm>
+              <a:off x="16073984" y="4885969"/>
+              <a:ext cx="9637058" cy="4708981"/>
+            </a:xfrm>
+            <a:prstGeom prst="rect">
+              <a:avLst/>
+            </a:prstGeom>
+            <a:noFill/>
+          </p:spPr>
+          <p:txBody>
+            <a:bodyPr wrap="square" rtlCol="0">
+              <a:spAutoFit/>
+            </a:bodyPr>
+            <a:lstStyle/>
+            <a:p>
+              <a:pPr algn="just"/>
+              <a:r>
+                <a:rPr lang="de-DE" sz="2500" dirty="0">
+                  <a:solidFill>
+                    <a:schemeClr val="lt1"/>
+                  </a:solidFill>
+                  <a:latin typeface="Arial" panose="020B0604020202020204" pitchFamily="34" charset="0"/>
+                  <a:cs typeface="Arial" panose="020B0604020202020204" pitchFamily="34" charset="0"/>
+                </a:rPr>
+                <a:t>An der </a:t>
+              </a:r>
+              <a:r>
+                <a:rPr lang="de-DE" sz="2500" dirty="0" err="1">
+                  <a:solidFill>
+                    <a:schemeClr val="lt1"/>
+                  </a:solidFill>
+                  <a:latin typeface="Arial" panose="020B0604020202020204" pitchFamily="34" charset="0"/>
+                  <a:cs typeface="Arial" panose="020B0604020202020204" pitchFamily="34" charset="0"/>
+                </a:rPr>
+                <a:t>HfTL</a:t>
+              </a:r>
+              <a:r>
+                <a:rPr lang="de-DE" sz="2500" dirty="0">
+                  <a:solidFill>
+                    <a:schemeClr val="lt1"/>
+                  </a:solidFill>
+                  <a:latin typeface="Arial" panose="020B0604020202020204" pitchFamily="34" charset="0"/>
+                  <a:cs typeface="Arial" panose="020B0604020202020204" pitchFamily="34" charset="0"/>
+                </a:rPr>
+                <a:t> werden des Öfteren Gegenstände verloren </a:t>
+              </a:r>
+              <a:r>
+                <a:rPr lang="de-DE" sz="2500" dirty="0" smtClean="0">
+                  <a:solidFill>
+                    <a:schemeClr val="lt1"/>
+                  </a:solidFill>
+                  <a:latin typeface="Arial" panose="020B0604020202020204" pitchFamily="34" charset="0"/>
+                  <a:cs typeface="Arial" panose="020B0604020202020204" pitchFamily="34" charset="0"/>
+                </a:rPr>
+                <a:t>beziehungsweise gefunden</a:t>
+              </a:r>
+              <a:r>
+                <a:rPr lang="de-DE" sz="2500" dirty="0">
+                  <a:solidFill>
+                    <a:schemeClr val="lt1"/>
+                  </a:solidFill>
+                  <a:latin typeface="Arial" panose="020B0604020202020204" pitchFamily="34" charset="0"/>
+                  <a:cs typeface="Arial" panose="020B0604020202020204" pitchFamily="34" charset="0"/>
+                </a:rPr>
+                <a:t>. Das Zusammenführen von Besitzer und Finder verläuft jedoch oft </a:t>
+              </a:r>
+              <a:r>
+                <a:rPr lang="de-DE" sz="2500" dirty="0" smtClean="0">
+                  <a:solidFill>
+                    <a:schemeClr val="lt1"/>
+                  </a:solidFill>
+                  <a:latin typeface="Arial" panose="020B0604020202020204" pitchFamily="34" charset="0"/>
+                  <a:cs typeface="Arial" panose="020B0604020202020204" pitchFamily="34" charset="0"/>
+                </a:rPr>
+                <a:t>langwierig </a:t>
+              </a:r>
+              <a:r>
+                <a:rPr lang="de-DE" sz="2500" dirty="0">
+                  <a:solidFill>
+                    <a:schemeClr val="lt1"/>
+                  </a:solidFill>
+                  <a:latin typeface="Arial" panose="020B0604020202020204" pitchFamily="34" charset="0"/>
+                  <a:cs typeface="Arial" panose="020B0604020202020204" pitchFamily="34" charset="0"/>
+                </a:rPr>
+                <a:t>und mit hohem Aufwand. Falls es keine Hinweise per </a:t>
+              </a:r>
+              <a:r>
+                <a:rPr lang="de-DE" sz="2500" dirty="0" smtClean="0">
+                  <a:solidFill>
+                    <a:schemeClr val="lt1"/>
+                  </a:solidFill>
+                  <a:latin typeface="Arial" panose="020B0604020202020204" pitchFamily="34" charset="0"/>
+                  <a:cs typeface="Arial" panose="020B0604020202020204" pitchFamily="34" charset="0"/>
+                </a:rPr>
+                <a:t>E-Mail gibt, ist man gezwungen eine Vielzahl von Büros aufzusuchen um weitere Informationen zu dem verlorenen Gegenstand zu erhalten. </a:t>
+              </a:r>
+            </a:p>
+            <a:p>
+              <a:pPr algn="just"/>
+              <a:r>
+                <a:rPr lang="de-DE" sz="2500" dirty="0" smtClean="0">
+                  <a:solidFill>
+                    <a:schemeClr val="lt1"/>
+                  </a:solidFill>
+                  <a:latin typeface="Arial" panose="020B0604020202020204" pitchFamily="34" charset="0"/>
+                  <a:cs typeface="Arial" panose="020B0604020202020204" pitchFamily="34" charset="0"/>
+                </a:rPr>
+                <a:t>Da das Widerfinden verschwundener Gegenstände oft erfolglos bleibt, ergibt sich hieraus eine konkrete Frage.</a:t>
+              </a:r>
+            </a:p>
+            <a:p>
+              <a:pPr algn="just"/>
+              <a:endParaRPr lang="de-DE" sz="2500" dirty="0">
                 <a:solidFill>
                   <a:schemeClr val="lt1"/>
                 </a:solidFill>
                 <a:latin typeface="Arial" panose="020B0604020202020204" pitchFamily="34" charset="0"/>
                 <a:cs typeface="Arial" panose="020B0604020202020204" pitchFamily="34" charset="0"/>
-              </a:rPr>
-              <a:t>Gefundenes</a:t>
-            </a:r>
-          </a:p>
-          <a:p>
-            <a:pPr algn="ctr"/>
-            <a:r>
-              <a:rPr lang="de-DE" sz="3500" b="1" dirty="0" smtClean="0">
+              </a:endParaRPr>
+            </a:p>
+            <a:p>
+              <a:pPr algn="just"/>
+              <a:r>
+                <a:rPr lang="de-DE" sz="2500" dirty="0" smtClean="0">
+                  <a:solidFill>
+                    <a:schemeClr val="lt1"/>
+                  </a:solidFill>
+                  <a:latin typeface="Arial" panose="020B0604020202020204" pitchFamily="34" charset="0"/>
+                  <a:cs typeface="Arial" panose="020B0604020202020204" pitchFamily="34" charset="0"/>
+                </a:rPr>
+                <a:t>Wie kann man mit wenig Aufwand die Erfolgsaussichten eines Wiederfindens erhöhen?</a:t>
+              </a:r>
+              <a:endParaRPr lang="de-DE" sz="2500" dirty="0">
                 <a:solidFill>
                   <a:schemeClr val="lt1"/>
                 </a:solidFill>
                 <a:latin typeface="Arial" panose="020B0604020202020204" pitchFamily="34" charset="0"/>
                 <a:cs typeface="Arial" panose="020B0604020202020204" pitchFamily="34" charset="0"/>
-              </a:rPr>
-              <a:t>entfernen</a:t>
-            </a:r>
-            <a:endParaRPr lang="de-DE" sz="3500" b="1" dirty="0">
-              <a:solidFill>
-                <a:schemeClr val="lt1"/>
-              </a:solidFill>
-              <a:latin typeface="Arial" panose="020B0604020202020204" pitchFamily="34" charset="0"/>
-              <a:cs typeface="Arial" panose="020B0604020202020204" pitchFamily="34" charset="0"/>
-            </a:endParaRPr>
-          </a:p>
-        </p:txBody>
-      </p:sp>
-      <p:sp>
-        <p:nvSpPr>
-          <p:cNvPr id="23" name="Textfeld 22"/>
-          <p:cNvSpPr txBox="1"/>
-          <p:nvPr/>
-        </p:nvSpPr>
-        <p:spPr>
-          <a:xfrm>
-            <a:off x="479009" y="23699749"/>
-            <a:ext cx="9637058" cy="5093702"/>
-          </a:xfrm>
-          <a:prstGeom prst="rect">
-            <a:avLst/>
-          </a:prstGeom>
-          <a:noFill/>
-        </p:spPr>
-        <p:txBody>
-          <a:bodyPr wrap="square" rtlCol="0">
-            <a:spAutoFit/>
-          </a:bodyPr>
-          <a:lstStyle/>
-          <a:p>
-            <a:pPr algn="just"/>
-            <a:r>
-              <a:rPr lang="de-DE" sz="2500" dirty="0" smtClean="0">
+              </a:endParaRPr>
+            </a:p>
+            <a:p>
+              <a:pPr algn="just"/>
+              <a:endParaRPr lang="de-DE" sz="2500" dirty="0">
                 <a:solidFill>
                   <a:schemeClr val="lt1"/>
                 </a:solidFill>
                 <a:latin typeface="Arial" panose="020B0604020202020204" pitchFamily="34" charset="0"/>
                 <a:cs typeface="Arial" panose="020B0604020202020204" pitchFamily="34" charset="0"/>
-              </a:rPr>
-              <a:t>Für die Umfeldanalyse wurden folgende Faktoren herangezogen und analysiert:</a:t>
-            </a:r>
-          </a:p>
-          <a:p>
-            <a:pPr algn="just"/>
-            <a:endParaRPr lang="de-DE" sz="2500" dirty="0">
-              <a:solidFill>
-                <a:schemeClr val="lt1"/>
-              </a:solidFill>
-              <a:latin typeface="Arial" panose="020B0604020202020204" pitchFamily="34" charset="0"/>
-              <a:cs typeface="Arial" panose="020B0604020202020204" pitchFamily="34" charset="0"/>
-            </a:endParaRPr>
-          </a:p>
-          <a:p>
-            <a:pPr algn="just"/>
-            <a:r>
-              <a:rPr lang="de-DE" sz="2500" dirty="0" smtClean="0">
+              </a:endParaRPr>
+            </a:p>
+          </p:txBody>
+        </p:sp>
+      </p:grpSp>
+      <p:grpSp>
+        <p:nvGrpSpPr>
+          <p:cNvPr id="12" name="Gruppieren 11"/>
+          <p:cNvGrpSpPr/>
+          <p:nvPr/>
+        </p:nvGrpSpPr>
+        <p:grpSpPr>
+          <a:xfrm>
+            <a:off x="17660080" y="3949636"/>
+            <a:ext cx="10525358" cy="8332400"/>
+            <a:chOff x="115786" y="3792297"/>
+            <a:chExt cx="10525358" cy="8332400"/>
+          </a:xfrm>
+        </p:grpSpPr>
+        <p:sp>
+          <p:nvSpPr>
+            <p:cNvPr id="18" name="Abgerundetes Rechteck 17"/>
+            <p:cNvSpPr/>
+            <p:nvPr/>
+          </p:nvSpPr>
+          <p:spPr>
+            <a:xfrm>
+              <a:off x="115786" y="3792297"/>
+              <a:ext cx="10525358" cy="8332400"/>
+            </a:xfrm>
+            <a:prstGeom prst="roundRect">
+              <a:avLst>
+                <a:gd name="adj" fmla="val 8468"/>
+              </a:avLst>
+            </a:prstGeom>
+          </p:spPr>
+          <p:style>
+            <a:lnRef idx="2">
+              <a:schemeClr val="accent1">
+                <a:shade val="50000"/>
+              </a:schemeClr>
+            </a:lnRef>
+            <a:fillRef idx="1">
+              <a:schemeClr val="accent1"/>
+            </a:fillRef>
+            <a:effectRef idx="0">
+              <a:schemeClr val="accent1"/>
+            </a:effectRef>
+            <a:fontRef idx="minor">
+              <a:schemeClr val="lt1"/>
+            </a:fontRef>
+          </p:style>
+          <p:txBody>
+            <a:bodyPr rtlCol="0" anchor="ctr"/>
+            <a:lstStyle/>
+            <a:p>
+              <a:pPr algn="just"/>
+              <a:endParaRPr lang="de-DE" sz="2500" dirty="0" smtClean="0">
+                <a:latin typeface="Arial" panose="020B0604020202020204" pitchFamily="34" charset="0"/>
+                <a:cs typeface="Arial" panose="020B0604020202020204" pitchFamily="34" charset="0"/>
+              </a:endParaRPr>
+            </a:p>
+          </p:txBody>
+        </p:sp>
+        <p:sp>
+          <p:nvSpPr>
+            <p:cNvPr id="5" name="Textfeld 4"/>
+            <p:cNvSpPr txBox="1"/>
+            <p:nvPr/>
+          </p:nvSpPr>
+          <p:spPr>
+            <a:xfrm>
+              <a:off x="1531601" y="3829896"/>
+              <a:ext cx="7523201" cy="861774"/>
+            </a:xfrm>
+            <a:prstGeom prst="rect">
+              <a:avLst/>
+            </a:prstGeom>
+            <a:noFill/>
+          </p:spPr>
+          <p:txBody>
+            <a:bodyPr wrap="square" rtlCol="0">
+              <a:spAutoFit/>
+            </a:bodyPr>
+            <a:lstStyle/>
+            <a:p>
+              <a:pPr algn="ctr"/>
+              <a:r>
+                <a:rPr lang="de-DE" sz="5000" b="1" dirty="0">
+                  <a:solidFill>
+                    <a:schemeClr val="lt1"/>
+                  </a:solidFill>
+                  <a:latin typeface="Arial" panose="020B0604020202020204" pitchFamily="34" charset="0"/>
+                  <a:cs typeface="Arial" panose="020B0604020202020204" pitchFamily="34" charset="0"/>
+                </a:rPr>
+                <a:t>2</a:t>
+              </a:r>
+              <a:r>
+                <a:rPr lang="de-DE" sz="5000" b="1" dirty="0" smtClean="0">
+                  <a:solidFill>
+                    <a:schemeClr val="lt1"/>
+                  </a:solidFill>
+                  <a:latin typeface="Arial" panose="020B0604020202020204" pitchFamily="34" charset="0"/>
+                  <a:cs typeface="Arial" panose="020B0604020202020204" pitchFamily="34" charset="0"/>
+                </a:rPr>
+                <a:t>. Projektbeschreibung</a:t>
+              </a:r>
+              <a:endParaRPr lang="de-DE" sz="5000" b="1" dirty="0">
                 <a:solidFill>
                   <a:schemeClr val="lt1"/>
                 </a:solidFill>
                 <a:latin typeface="Arial" panose="020B0604020202020204" pitchFamily="34" charset="0"/>
                 <a:cs typeface="Arial" panose="020B0604020202020204" pitchFamily="34" charset="0"/>
-              </a:rPr>
-              <a:t>Risikoanalyse bezogen auf</a:t>
-            </a:r>
-          </a:p>
-          <a:p>
-            <a:pPr marL="514350" indent="-514350" algn="just">
-              <a:buFont typeface="+mj-lt"/>
-              <a:buAutoNum type="romanUcPeriod"/>
-            </a:pPr>
-            <a:r>
-              <a:rPr lang="de-DE" sz="2500" dirty="0" smtClean="0">
+              </a:endParaRPr>
+            </a:p>
+          </p:txBody>
+        </p:sp>
+        <p:sp>
+          <p:nvSpPr>
+            <p:cNvPr id="21" name="Textfeld 20"/>
+            <p:cNvSpPr txBox="1"/>
+            <p:nvPr/>
+          </p:nvSpPr>
+          <p:spPr>
+            <a:xfrm>
+              <a:off x="3437478" y="7514554"/>
+              <a:ext cx="2971723" cy="1169551"/>
+            </a:xfrm>
+            <a:prstGeom prst="rect">
+              <a:avLst/>
+            </a:prstGeom>
+            <a:noFill/>
+          </p:spPr>
+          <p:txBody>
+            <a:bodyPr wrap="square" rtlCol="0">
+              <a:spAutoFit/>
+            </a:bodyPr>
+            <a:lstStyle/>
+            <a:p>
+              <a:pPr algn="ctr"/>
+              <a:r>
+                <a:rPr lang="de-DE" sz="3500" b="1" dirty="0" smtClean="0">
+                  <a:solidFill>
+                    <a:schemeClr val="lt1"/>
+                  </a:solidFill>
+                  <a:latin typeface="Arial" panose="020B0604020202020204" pitchFamily="34" charset="0"/>
+                  <a:cs typeface="Arial" panose="020B0604020202020204" pitchFamily="34" charset="0"/>
+                </a:rPr>
+                <a:t>Verlorenes</a:t>
+              </a:r>
+            </a:p>
+            <a:p>
+              <a:pPr algn="ctr"/>
+              <a:r>
+                <a:rPr lang="de-DE" sz="3500" b="1" dirty="0" smtClean="0">
+                  <a:solidFill>
+                    <a:schemeClr val="lt1"/>
+                  </a:solidFill>
+                  <a:latin typeface="Arial" panose="020B0604020202020204" pitchFamily="34" charset="0"/>
+                  <a:cs typeface="Arial" panose="020B0604020202020204" pitchFamily="34" charset="0"/>
+                </a:rPr>
+                <a:t>finden</a:t>
+              </a:r>
+              <a:endParaRPr lang="de-DE" sz="3500" b="1" dirty="0">
                 <a:solidFill>
                   <a:schemeClr val="lt1"/>
                 </a:solidFill>
                 <a:latin typeface="Arial" panose="020B0604020202020204" pitchFamily="34" charset="0"/>
                 <a:cs typeface="Arial" panose="020B0604020202020204" pitchFamily="34" charset="0"/>
-              </a:rPr>
-              <a:t>Leistung</a:t>
-            </a:r>
-          </a:p>
-          <a:p>
-            <a:pPr marL="514350" indent="-514350" algn="just">
-              <a:buFont typeface="+mj-lt"/>
-              <a:buAutoNum type="romanUcPeriod"/>
-            </a:pPr>
-            <a:r>
-              <a:rPr lang="de-DE" sz="2500" dirty="0" smtClean="0">
+              </a:endParaRPr>
+            </a:p>
+          </p:txBody>
+        </p:sp>
+        <p:sp>
+          <p:nvSpPr>
+            <p:cNvPr id="22" name="Textfeld 21"/>
+            <p:cNvSpPr txBox="1"/>
+            <p:nvPr/>
+          </p:nvSpPr>
+          <p:spPr>
+            <a:xfrm>
+              <a:off x="6770827" y="7514554"/>
+              <a:ext cx="3210553" cy="1169551"/>
+            </a:xfrm>
+            <a:prstGeom prst="rect">
+              <a:avLst/>
+            </a:prstGeom>
+            <a:noFill/>
+          </p:spPr>
+          <p:txBody>
+            <a:bodyPr wrap="square" rtlCol="0">
+              <a:spAutoFit/>
+            </a:bodyPr>
+            <a:lstStyle/>
+            <a:p>
+              <a:pPr algn="ctr"/>
+              <a:r>
+                <a:rPr lang="de-DE" sz="3500" b="1" dirty="0" smtClean="0">
+                  <a:solidFill>
+                    <a:schemeClr val="lt1"/>
+                  </a:solidFill>
+                  <a:latin typeface="Arial" panose="020B0604020202020204" pitchFamily="34" charset="0"/>
+                  <a:cs typeface="Arial" panose="020B0604020202020204" pitchFamily="34" charset="0"/>
+                </a:rPr>
+                <a:t>Gefundenes</a:t>
+              </a:r>
+            </a:p>
+            <a:p>
+              <a:pPr algn="ctr"/>
+              <a:r>
+                <a:rPr lang="de-DE" sz="3500" b="1" dirty="0" smtClean="0">
+                  <a:solidFill>
+                    <a:schemeClr val="lt1"/>
+                  </a:solidFill>
+                  <a:latin typeface="Arial" panose="020B0604020202020204" pitchFamily="34" charset="0"/>
+                  <a:cs typeface="Arial" panose="020B0604020202020204" pitchFamily="34" charset="0"/>
+                </a:rPr>
+                <a:t>entfernen</a:t>
+              </a:r>
+              <a:endParaRPr lang="de-DE" sz="3500" b="1" dirty="0">
                 <a:solidFill>
                   <a:schemeClr val="lt1"/>
                 </a:solidFill>
                 <a:latin typeface="Arial" panose="020B0604020202020204" pitchFamily="34" charset="0"/>
                 <a:cs typeface="Arial" panose="020B0604020202020204" pitchFamily="34" charset="0"/>
-              </a:rPr>
-              <a:t>Stakeholder</a:t>
-            </a:r>
-          </a:p>
-          <a:p>
-            <a:pPr marL="514350" indent="-514350" algn="just">
-              <a:buFont typeface="+mj-lt"/>
-              <a:buAutoNum type="romanUcPeriod"/>
-            </a:pPr>
-            <a:r>
-              <a:rPr lang="de-DE" sz="2500" dirty="0" smtClean="0">
+              </a:endParaRPr>
+            </a:p>
+          </p:txBody>
+        </p:sp>
+        <p:pic>
+          <p:nvPicPr>
+            <p:cNvPr id="1027" name="Picture 3" descr="C:\Users\student\Pictures\Unbenannt.png"/>
+            <p:cNvPicPr>
+              <a:picLocks noChangeAspect="1" noChangeArrowheads="1"/>
+            </p:cNvPicPr>
+            <p:nvPr/>
+          </p:nvPicPr>
+          <p:blipFill>
+            <a:blip r:embed="rId8">
+              <a:extLst>
+                <a:ext uri="{28A0092B-C50C-407E-A947-70E740481C1C}">
+                  <a14:useLocalDpi xmlns:a14="http://schemas.microsoft.com/office/drawing/2010/main" val="0"/>
+                </a:ext>
+              </a:extLst>
+            </a:blip>
+            <a:srcRect/>
+            <a:stretch>
+              <a:fillRect/>
+            </a:stretch>
+          </p:blipFill>
+          <p:spPr bwMode="auto">
+            <a:xfrm>
+              <a:off x="504359" y="4956708"/>
+              <a:ext cx="2295525" cy="2266950"/>
+            </a:xfrm>
+            <a:prstGeom prst="rect">
+              <a:avLst/>
+            </a:prstGeom>
+            <a:noFill/>
+            <a:extLst>
+              <a:ext uri="{909E8E84-426E-40DD-AFC4-6F175D3DCCD1}">
+                <a14:hiddenFill xmlns:a14="http://schemas.microsoft.com/office/drawing/2010/main">
+                  <a:solidFill>
+                    <a:srgbClr val="FFFFFF"/>
+                  </a:solidFill>
+                </a14:hiddenFill>
+              </a:ext>
+            </a:extLst>
+          </p:spPr>
+        </p:pic>
+        <p:pic>
+          <p:nvPicPr>
+            <p:cNvPr id="1030" name="Picture 6" descr="C:\Users\student\Pictures\Unbenannt2.png"/>
+            <p:cNvPicPr>
+              <a:picLocks noChangeAspect="1" noChangeArrowheads="1"/>
+            </p:cNvPicPr>
+            <p:nvPr/>
+          </p:nvPicPr>
+          <p:blipFill>
+            <a:blip r:embed="rId9">
+              <a:extLst>
+                <a:ext uri="{28A0092B-C50C-407E-A947-70E740481C1C}">
+                  <a14:useLocalDpi xmlns:a14="http://schemas.microsoft.com/office/drawing/2010/main" val="0"/>
+                </a:ext>
+              </a:extLst>
+            </a:blip>
+            <a:srcRect/>
+            <a:stretch>
+              <a:fillRect/>
+            </a:stretch>
+          </p:blipFill>
+          <p:spPr bwMode="auto">
+            <a:xfrm>
+              <a:off x="3775578" y="4956708"/>
+              <a:ext cx="2295525" cy="2266950"/>
+            </a:xfrm>
+            <a:prstGeom prst="rect">
+              <a:avLst/>
+            </a:prstGeom>
+            <a:noFill/>
+            <a:extLst>
+              <a:ext uri="{909E8E84-426E-40DD-AFC4-6F175D3DCCD1}">
+                <a14:hiddenFill xmlns:a14="http://schemas.microsoft.com/office/drawing/2010/main">
+                  <a:solidFill>
+                    <a:srgbClr val="FFFFFF"/>
+                  </a:solidFill>
+                </a14:hiddenFill>
+              </a:ext>
+            </a:extLst>
+          </p:spPr>
+        </p:pic>
+        <p:pic>
+          <p:nvPicPr>
+            <p:cNvPr id="1029" name="Picture 5" descr="C:\Users\student\Pictures\Unbenannt3.png"/>
+            <p:cNvPicPr>
+              <a:picLocks noChangeAspect="1" noChangeArrowheads="1"/>
+            </p:cNvPicPr>
+            <p:nvPr/>
+          </p:nvPicPr>
+          <p:blipFill>
+            <a:blip r:embed="rId10">
+              <a:extLst>
+                <a:ext uri="{28A0092B-C50C-407E-A947-70E740481C1C}">
+                  <a14:useLocalDpi xmlns:a14="http://schemas.microsoft.com/office/drawing/2010/main" val="0"/>
+                </a:ext>
+              </a:extLst>
+            </a:blip>
+            <a:srcRect/>
+            <a:stretch>
+              <a:fillRect/>
+            </a:stretch>
+          </p:blipFill>
+          <p:spPr bwMode="auto">
+            <a:xfrm>
+              <a:off x="7228342" y="4956708"/>
+              <a:ext cx="2295525" cy="2266950"/>
+            </a:xfrm>
+            <a:prstGeom prst="rect">
+              <a:avLst/>
+            </a:prstGeom>
+            <a:noFill/>
+            <a:extLst>
+              <a:ext uri="{909E8E84-426E-40DD-AFC4-6F175D3DCCD1}">
+                <a14:hiddenFill xmlns:a14="http://schemas.microsoft.com/office/drawing/2010/main">
+                  <a:solidFill>
+                    <a:srgbClr val="FFFFFF"/>
+                  </a:solidFill>
+                </a14:hiddenFill>
+              </a:ext>
+            </a:extLst>
+          </p:spPr>
+        </p:pic>
+        <p:sp>
+          <p:nvSpPr>
+            <p:cNvPr id="34" name="Textfeld 33"/>
+            <p:cNvSpPr txBox="1"/>
+            <p:nvPr/>
+          </p:nvSpPr>
+          <p:spPr>
+            <a:xfrm>
+              <a:off x="166259" y="7514555"/>
+              <a:ext cx="2971723" cy="1169551"/>
+            </a:xfrm>
+            <a:prstGeom prst="rect">
+              <a:avLst/>
+            </a:prstGeom>
+            <a:noFill/>
+          </p:spPr>
+          <p:txBody>
+            <a:bodyPr wrap="square" rtlCol="0">
+              <a:spAutoFit/>
+            </a:bodyPr>
+            <a:lstStyle/>
+            <a:p>
+              <a:pPr algn="ctr"/>
+              <a:r>
+                <a:rPr lang="de-DE" sz="3500" b="1" dirty="0" smtClean="0">
+                  <a:solidFill>
+                    <a:schemeClr val="lt1"/>
+                  </a:solidFill>
+                  <a:latin typeface="Arial" panose="020B0604020202020204" pitchFamily="34" charset="0"/>
+                  <a:cs typeface="Arial" panose="020B0604020202020204" pitchFamily="34" charset="0"/>
+                </a:rPr>
+                <a:t>Fund</a:t>
+              </a:r>
+            </a:p>
+            <a:p>
+              <a:pPr algn="ctr"/>
+              <a:r>
+                <a:rPr lang="de-DE" sz="3500" b="1" dirty="0" smtClean="0">
+                  <a:solidFill>
+                    <a:schemeClr val="lt1"/>
+                  </a:solidFill>
+                  <a:latin typeface="Arial" panose="020B0604020202020204" pitchFamily="34" charset="0"/>
+                  <a:cs typeface="Arial" panose="020B0604020202020204" pitchFamily="34" charset="0"/>
+                </a:rPr>
+                <a:t>melden</a:t>
+              </a:r>
+              <a:endParaRPr lang="de-DE" sz="3500" b="1" dirty="0">
                 <a:solidFill>
                   <a:schemeClr val="lt1"/>
                 </a:solidFill>
                 <a:latin typeface="Arial" panose="020B0604020202020204" pitchFamily="34" charset="0"/>
                 <a:cs typeface="Arial" panose="020B0604020202020204" pitchFamily="34" charset="0"/>
-              </a:rPr>
-              <a:t>Aufwand</a:t>
-            </a:r>
-          </a:p>
-          <a:p>
-            <a:pPr marL="514350" indent="-514350" algn="just">
-              <a:buFont typeface="+mj-lt"/>
-              <a:buAutoNum type="romanUcPeriod"/>
-            </a:pPr>
-            <a:r>
-              <a:rPr lang="de-DE" sz="2500" dirty="0" smtClean="0">
+              </a:endParaRPr>
+            </a:p>
+          </p:txBody>
+        </p:sp>
+        <p:sp>
+          <p:nvSpPr>
+            <p:cNvPr id="50" name="Textfeld 49"/>
+            <p:cNvSpPr txBox="1"/>
+            <p:nvPr/>
+          </p:nvSpPr>
+          <p:spPr>
+            <a:xfrm>
+              <a:off x="566935" y="8907060"/>
+              <a:ext cx="9637058" cy="2785378"/>
+            </a:xfrm>
+            <a:prstGeom prst="rect">
+              <a:avLst/>
+            </a:prstGeom>
+            <a:noFill/>
+          </p:spPr>
+          <p:txBody>
+            <a:bodyPr wrap="square" rtlCol="0">
+              <a:spAutoFit/>
+            </a:bodyPr>
+            <a:lstStyle/>
+            <a:p>
+              <a:pPr algn="just"/>
+              <a:r>
+                <a:rPr lang="de-DE" sz="2500" dirty="0" smtClean="0">
+                  <a:solidFill>
+                    <a:schemeClr val="lt1"/>
+                  </a:solidFill>
+                  <a:latin typeface="Arial" panose="020B0604020202020204" pitchFamily="34" charset="0"/>
+                  <a:cs typeface="Arial" panose="020B0604020202020204" pitchFamily="34" charset="0"/>
+                </a:rPr>
+                <a:t>Das Ziel dieses Projektes, ist es eine Web-basierte Software zu entwickeln, welche zwischen dem Finder und dem Suchenden vermittelt. Es soll dem Finder die Möglichkeit geboten werden einen gefundenen Artikel auf die Plattform zu stellen. Eine suchende Person muss diese dementsprechend finden können und schlussendlich muss ein gefundener Artikel auch wieder aus der Datenbank gelöscht werden können.</a:t>
+              </a:r>
+            </a:p>
+          </p:txBody>
+        </p:sp>
+      </p:grpSp>
+      <p:grpSp>
+        <p:nvGrpSpPr>
+          <p:cNvPr id="30" name="Gruppieren 29"/>
+          <p:cNvGrpSpPr/>
+          <p:nvPr/>
+        </p:nvGrpSpPr>
+        <p:grpSpPr>
+          <a:xfrm>
+            <a:off x="1705717" y="38555289"/>
+            <a:ext cx="14099545" cy="3874730"/>
+            <a:chOff x="14085893" y="37187717"/>
+            <a:chExt cx="14099545" cy="3874730"/>
+          </a:xfrm>
+        </p:grpSpPr>
+        <p:sp>
+          <p:nvSpPr>
+            <p:cNvPr id="52" name="Abgerundetes Rechteck 51"/>
+            <p:cNvSpPr/>
+            <p:nvPr/>
+          </p:nvSpPr>
+          <p:spPr>
+            <a:xfrm>
+              <a:off x="14085893" y="37187717"/>
+              <a:ext cx="14099545" cy="3874730"/>
+            </a:xfrm>
+            <a:prstGeom prst="roundRect">
+              <a:avLst>
+                <a:gd name="adj" fmla="val 12502"/>
+              </a:avLst>
+            </a:prstGeom>
+          </p:spPr>
+          <p:style>
+            <a:lnRef idx="2">
+              <a:schemeClr val="accent5">
+                <a:shade val="50000"/>
+              </a:schemeClr>
+            </a:lnRef>
+            <a:fillRef idx="1">
+              <a:schemeClr val="accent5"/>
+            </a:fillRef>
+            <a:effectRef idx="0">
+              <a:schemeClr val="accent5"/>
+            </a:effectRef>
+            <a:fontRef idx="minor">
+              <a:schemeClr val="lt1"/>
+            </a:fontRef>
+          </p:style>
+          <p:txBody>
+            <a:bodyPr rtlCol="0" anchor="t" anchorCtr="0"/>
+            <a:lstStyle/>
+            <a:p>
+              <a:pPr algn="ctr"/>
+              <a:r>
+                <a:rPr lang="de-DE" sz="5000" b="1" dirty="0">
+                  <a:latin typeface="Arial" panose="020B0604020202020204" pitchFamily="34" charset="0"/>
+                  <a:cs typeface="Arial" panose="020B0604020202020204" pitchFamily="34" charset="0"/>
+                </a:rPr>
+                <a:t>8</a:t>
+              </a:r>
+              <a:r>
+                <a:rPr lang="de-DE" sz="5000" b="1" dirty="0" smtClean="0">
+                  <a:latin typeface="Arial" panose="020B0604020202020204" pitchFamily="34" charset="0"/>
+                  <a:cs typeface="Arial" panose="020B0604020202020204" pitchFamily="34" charset="0"/>
+                </a:rPr>
+                <a:t>. </a:t>
+              </a:r>
+              <a:r>
+                <a:rPr lang="de-DE" sz="5000" b="1" dirty="0">
+                  <a:latin typeface="Arial" panose="020B0604020202020204" pitchFamily="34" charset="0"/>
+                  <a:cs typeface="Arial" panose="020B0604020202020204" pitchFamily="34" charset="0"/>
+                </a:rPr>
+                <a:t>Grobe Kostenschätzung</a:t>
+              </a:r>
+            </a:p>
+            <a:p>
+              <a:pPr algn="ctr"/>
+              <a:endParaRPr lang="de-DE" sz="5000" b="1" dirty="0">
+                <a:latin typeface="Arial" panose="020B0604020202020204" pitchFamily="34" charset="0"/>
+                <a:cs typeface="Arial" panose="020B0604020202020204" pitchFamily="34" charset="0"/>
+              </a:endParaRPr>
+            </a:p>
+            <a:p>
+              <a:pPr algn="ctr"/>
+              <a:endParaRPr lang="de-DE" sz="5000" b="1" dirty="0">
+                <a:latin typeface="Arial" panose="020B0604020202020204" pitchFamily="34" charset="0"/>
+                <a:cs typeface="Arial" panose="020B0604020202020204" pitchFamily="34" charset="0"/>
+              </a:endParaRPr>
+            </a:p>
+            <a:p>
+              <a:pPr algn="ctr"/>
+              <a:endParaRPr lang="de-DE" sz="5000" b="1" dirty="0">
+                <a:latin typeface="Arial" panose="020B0604020202020204" pitchFamily="34" charset="0"/>
+                <a:cs typeface="Arial" panose="020B0604020202020204" pitchFamily="34" charset="0"/>
+              </a:endParaRPr>
+            </a:p>
+            <a:p>
+              <a:pPr algn="ctr"/>
+              <a:endParaRPr lang="de-DE" sz="5000" b="1" dirty="0">
+                <a:latin typeface="Arial" panose="020B0604020202020204" pitchFamily="34" charset="0"/>
+                <a:cs typeface="Arial" panose="020B0604020202020204" pitchFamily="34" charset="0"/>
+              </a:endParaRPr>
+            </a:p>
+            <a:p>
+              <a:pPr algn="ctr"/>
+              <a:endParaRPr lang="de-DE" sz="5000" b="1" dirty="0">
+                <a:latin typeface="Arial" panose="020B0604020202020204" pitchFamily="34" charset="0"/>
+                <a:cs typeface="Arial" panose="020B0604020202020204" pitchFamily="34" charset="0"/>
+              </a:endParaRPr>
+            </a:p>
+          </p:txBody>
+        </p:sp>
+        <p:pic>
+          <p:nvPicPr>
+            <p:cNvPr id="20" name="Grafik 3"/>
+            <p:cNvPicPr>
+              <a:picLocks noChangeAspect="1" noChangeArrowheads="1"/>
+            </p:cNvPicPr>
+            <p:nvPr/>
+          </p:nvPicPr>
+          <p:blipFill>
+            <a:blip r:embed="rId11">
+              <a:extLst>
+                <a:ext uri="{28A0092B-C50C-407E-A947-70E740481C1C}">
+                  <a14:useLocalDpi xmlns:a14="http://schemas.microsoft.com/office/drawing/2010/main" val="0"/>
+                </a:ext>
+              </a:extLst>
+            </a:blip>
+            <a:srcRect/>
+            <a:stretch>
+              <a:fillRect/>
+            </a:stretch>
+          </p:blipFill>
+          <p:spPr bwMode="auto">
+            <a:xfrm>
+              <a:off x="14439650" y="38441108"/>
+              <a:ext cx="13392029" cy="2142724"/>
+            </a:xfrm>
+            <a:prstGeom prst="rect">
+              <a:avLst/>
+            </a:prstGeom>
+            <a:noFill/>
+            <a:ln>
+              <a:noFill/>
+            </a:ln>
+            <a:extLst>
+              <a:ext uri="{909E8E84-426E-40DD-AFC4-6F175D3DCCD1}">
+                <a14:hiddenFill xmlns:a14="http://schemas.microsoft.com/office/drawing/2010/main">
+                  <a:solidFill>
+                    <a:srgbClr val="FFFFFF"/>
+                  </a:solidFill>
+                </a14:hiddenFill>
+              </a:ext>
+              <a:ext uri="{91240B29-F687-4F45-9708-019B960494DF}">
+                <a14:hiddenLine xmlns:a14="http://schemas.microsoft.com/office/drawing/2010/main" w="9525">
+                  <a:solidFill>
+                    <a:srgbClr val="000000"/>
+                  </a:solidFill>
+                  <a:miter lim="800000"/>
+                  <a:headEnd/>
+                  <a:tailEnd/>
+                </a14:hiddenLine>
+              </a:ext>
+            </a:extLst>
+          </p:spPr>
+        </p:pic>
+      </p:grpSp>
+      <p:grpSp>
+        <p:nvGrpSpPr>
+          <p:cNvPr id="25" name="Gruppieren 24"/>
+          <p:cNvGrpSpPr/>
+          <p:nvPr/>
+        </p:nvGrpSpPr>
+        <p:grpSpPr>
+          <a:xfrm>
+            <a:off x="17795971" y="29460296"/>
+            <a:ext cx="10363504" cy="6774213"/>
+            <a:chOff x="16073984" y="29642326"/>
+            <a:chExt cx="10363504" cy="6774213"/>
+          </a:xfrm>
+        </p:grpSpPr>
+        <p:sp>
+          <p:nvSpPr>
+            <p:cNvPr id="56" name="Abgerundetes Rechteck 55"/>
+            <p:cNvSpPr/>
+            <p:nvPr/>
+          </p:nvSpPr>
+          <p:spPr>
+            <a:xfrm>
+              <a:off x="16073984" y="29642326"/>
+              <a:ext cx="10363504" cy="6774213"/>
+            </a:xfrm>
+            <a:prstGeom prst="roundRect">
+              <a:avLst>
+                <a:gd name="adj" fmla="val 12502"/>
+              </a:avLst>
+            </a:prstGeom>
+          </p:spPr>
+          <p:style>
+            <a:lnRef idx="2">
+              <a:schemeClr val="accent5">
+                <a:shade val="50000"/>
+              </a:schemeClr>
+            </a:lnRef>
+            <a:fillRef idx="1">
+              <a:schemeClr val="accent5"/>
+            </a:fillRef>
+            <a:effectRef idx="0">
+              <a:schemeClr val="accent5"/>
+            </a:effectRef>
+            <a:fontRef idx="minor">
+              <a:schemeClr val="lt1"/>
+            </a:fontRef>
+          </p:style>
+          <p:txBody>
+            <a:bodyPr rtlCol="0" anchor="t" anchorCtr="0"/>
+            <a:lstStyle/>
+            <a:p>
+              <a:pPr algn="ctr"/>
+              <a:r>
+                <a:rPr lang="de-DE" sz="5000" b="1" dirty="0">
+                  <a:latin typeface="Arial" panose="020B0604020202020204" pitchFamily="34" charset="0"/>
+                  <a:cs typeface="Arial" panose="020B0604020202020204" pitchFamily="34" charset="0"/>
+                </a:rPr>
+                <a:t>7</a:t>
+              </a:r>
+              <a:r>
+                <a:rPr lang="de-DE" sz="5000" b="1" dirty="0" smtClean="0">
+                  <a:latin typeface="Arial" panose="020B0604020202020204" pitchFamily="34" charset="0"/>
+                  <a:cs typeface="Arial" panose="020B0604020202020204" pitchFamily="34" charset="0"/>
+                </a:rPr>
+                <a:t>. </a:t>
+              </a:r>
+              <a:r>
+                <a:rPr lang="de-DE" sz="5000" b="1" dirty="0">
+                  <a:latin typeface="Arial" panose="020B0604020202020204" pitchFamily="34" charset="0"/>
+                  <a:cs typeface="Arial" panose="020B0604020202020204" pitchFamily="34" charset="0"/>
+                </a:rPr>
+                <a:t>Kostenganglinie</a:t>
+              </a:r>
+            </a:p>
+            <a:p>
+              <a:pPr algn="ctr"/>
+              <a:endParaRPr lang="de-DE" sz="5000" b="1" dirty="0">
+                <a:latin typeface="Arial" panose="020B0604020202020204" pitchFamily="34" charset="0"/>
+                <a:cs typeface="Arial" panose="020B0604020202020204" pitchFamily="34" charset="0"/>
+              </a:endParaRPr>
+            </a:p>
+            <a:p>
+              <a:pPr algn="ctr"/>
+              <a:endParaRPr lang="de-DE" sz="5000" b="1" dirty="0">
+                <a:latin typeface="Arial" panose="020B0604020202020204" pitchFamily="34" charset="0"/>
+                <a:cs typeface="Arial" panose="020B0604020202020204" pitchFamily="34" charset="0"/>
+              </a:endParaRPr>
+            </a:p>
+            <a:p>
+              <a:pPr algn="ctr"/>
+              <a:endParaRPr lang="de-DE" sz="5000" b="1" dirty="0">
+                <a:latin typeface="Arial" panose="020B0604020202020204" pitchFamily="34" charset="0"/>
+                <a:cs typeface="Arial" panose="020B0604020202020204" pitchFamily="34" charset="0"/>
+              </a:endParaRPr>
+            </a:p>
+            <a:p>
+              <a:pPr algn="ctr"/>
+              <a:endParaRPr lang="de-DE" sz="5000" b="1" dirty="0">
+                <a:latin typeface="Arial" panose="020B0604020202020204" pitchFamily="34" charset="0"/>
+                <a:cs typeface="Arial" panose="020B0604020202020204" pitchFamily="34" charset="0"/>
+              </a:endParaRPr>
+            </a:p>
+            <a:p>
+              <a:pPr algn="ctr"/>
+              <a:endParaRPr lang="de-DE" sz="5000" b="1" dirty="0">
+                <a:latin typeface="Arial" panose="020B0604020202020204" pitchFamily="34" charset="0"/>
+                <a:cs typeface="Arial" panose="020B0604020202020204" pitchFamily="34" charset="0"/>
+              </a:endParaRPr>
+            </a:p>
+          </p:txBody>
+        </p:sp>
+        <p:pic>
+          <p:nvPicPr>
+            <p:cNvPr id="1028" name="Grafik 1"/>
+            <p:cNvPicPr>
+              <a:picLocks noChangeAspect="1" noChangeArrowheads="1"/>
+            </p:cNvPicPr>
+            <p:nvPr/>
+          </p:nvPicPr>
+          <p:blipFill>
+            <a:blip r:embed="rId12">
+              <a:extLst>
+                <a:ext uri="{28A0092B-C50C-407E-A947-70E740481C1C}">
+                  <a14:useLocalDpi xmlns:a14="http://schemas.microsoft.com/office/drawing/2010/main" val="0"/>
+                </a:ext>
+              </a:extLst>
+            </a:blip>
+            <a:srcRect/>
+            <a:stretch>
+              <a:fillRect/>
+            </a:stretch>
+          </p:blipFill>
+          <p:spPr bwMode="auto">
+            <a:xfrm>
+              <a:off x="16460775" y="31119966"/>
+              <a:ext cx="9589921" cy="4433833"/>
+            </a:xfrm>
+            <a:prstGeom prst="rect">
+              <a:avLst/>
+            </a:prstGeom>
+            <a:noFill/>
+            <a:ln>
+              <a:noFill/>
+            </a:ln>
+            <a:extLst>
+              <a:ext uri="{909E8E84-426E-40DD-AFC4-6F175D3DCCD1}">
+                <a14:hiddenFill xmlns:a14="http://schemas.microsoft.com/office/drawing/2010/main">
+                  <a:solidFill>
+                    <a:srgbClr val="FFFFFF"/>
+                  </a:solidFill>
+                </a14:hiddenFill>
+              </a:ext>
+              <a:ext uri="{91240B29-F687-4F45-9708-019B960494DF}">
+                <a14:hiddenLine xmlns:a14="http://schemas.microsoft.com/office/drawing/2010/main" w="9525">
+                  <a:solidFill>
+                    <a:srgbClr val="000000"/>
+                  </a:solidFill>
+                  <a:miter lim="800000"/>
+                  <a:headEnd/>
+                  <a:tailEnd/>
+                </a14:hiddenLine>
+              </a:ext>
+            </a:extLst>
+          </p:spPr>
+        </p:pic>
+      </p:grpSp>
+      <p:grpSp>
+        <p:nvGrpSpPr>
+          <p:cNvPr id="13" name="Gruppieren 12"/>
+          <p:cNvGrpSpPr/>
+          <p:nvPr/>
+        </p:nvGrpSpPr>
+        <p:grpSpPr>
+          <a:xfrm>
+            <a:off x="1711004" y="12829410"/>
+            <a:ext cx="26474434" cy="9674514"/>
+            <a:chOff x="166259" y="12347652"/>
+            <a:chExt cx="26474434" cy="9674514"/>
+          </a:xfrm>
+        </p:grpSpPr>
+        <p:sp>
+          <p:nvSpPr>
+            <p:cNvPr id="26" name="Abgerundetes Rechteck 25"/>
+            <p:cNvSpPr/>
+            <p:nvPr/>
+          </p:nvSpPr>
+          <p:spPr>
+            <a:xfrm>
+              <a:off x="166259" y="12347652"/>
+              <a:ext cx="26448471" cy="9674514"/>
+            </a:xfrm>
+            <a:prstGeom prst="roundRect">
+              <a:avLst>
+                <a:gd name="adj" fmla="val 12502"/>
+              </a:avLst>
+            </a:prstGeom>
+            <a:solidFill>
+              <a:srgbClr val="00CC99"/>
+            </a:solidFill>
+            <a:ln>
+              <a:solidFill>
+                <a:srgbClr val="2FA68E"/>
+              </a:solidFill>
+            </a:ln>
+          </p:spPr>
+          <p:style>
+            <a:lnRef idx="2">
+              <a:schemeClr val="accent5">
+                <a:shade val="50000"/>
+              </a:schemeClr>
+            </a:lnRef>
+            <a:fillRef idx="1">
+              <a:schemeClr val="accent5"/>
+            </a:fillRef>
+            <a:effectRef idx="0">
+              <a:schemeClr val="accent5"/>
+            </a:effectRef>
+            <a:fontRef idx="minor">
+              <a:schemeClr val="lt1"/>
+            </a:fontRef>
+          </p:style>
+          <p:txBody>
+            <a:bodyPr numCol="3" rtlCol="0" anchor="t" anchorCtr="0"/>
+            <a:lstStyle/>
+            <a:p>
+              <a:pPr algn="ctr"/>
+              <a:endParaRPr lang="de-DE" sz="5000" b="1" dirty="0"/>
+            </a:p>
+            <a:p>
+              <a:pPr algn="ctr"/>
+              <a:endParaRPr lang="de-DE" sz="4800" b="1" dirty="0"/>
+            </a:p>
+            <a:p>
+              <a:pPr algn="ctr"/>
+              <a:endParaRPr lang="de-DE" sz="5000" b="1" dirty="0" smtClean="0"/>
+            </a:p>
+            <a:p>
+              <a:pPr algn="ctr"/>
+              <a:endParaRPr lang="de-DE" sz="5000" b="1" dirty="0"/>
+            </a:p>
+          </p:txBody>
+        </p:sp>
+        <p:pic>
+          <p:nvPicPr>
+            <p:cNvPr id="27" name="Grafik 26"/>
+            <p:cNvPicPr/>
+            <p:nvPr/>
+          </p:nvPicPr>
+          <p:blipFill>
+            <a:blip r:embed="rId13"/>
+            <a:stretch>
+              <a:fillRect/>
+            </a:stretch>
+          </p:blipFill>
+          <p:spPr>
+            <a:xfrm>
+              <a:off x="515018" y="13793472"/>
+              <a:ext cx="8136904" cy="3424460"/>
+            </a:xfrm>
+            <a:prstGeom prst="rect">
+              <a:avLst/>
+            </a:prstGeom>
+          </p:spPr>
+        </p:pic>
+        <p:pic>
+          <p:nvPicPr>
+            <p:cNvPr id="29" name="Grafik 28"/>
+            <p:cNvPicPr/>
+            <p:nvPr/>
+          </p:nvPicPr>
+          <p:blipFill>
+            <a:blip r:embed="rId14"/>
+            <a:stretch>
+              <a:fillRect/>
+            </a:stretch>
+          </p:blipFill>
+          <p:spPr>
+            <a:xfrm>
+              <a:off x="8911908" y="13801097"/>
+              <a:ext cx="5760720" cy="5777230"/>
+            </a:xfrm>
+            <a:prstGeom prst="rect">
+              <a:avLst/>
+            </a:prstGeom>
+          </p:spPr>
+        </p:pic>
+        <p:pic>
+          <p:nvPicPr>
+            <p:cNvPr id="31" name="Grafik 30"/>
+            <p:cNvPicPr/>
+            <p:nvPr/>
+          </p:nvPicPr>
+          <p:blipFill>
+            <a:blip r:embed="rId15"/>
+            <a:stretch>
+              <a:fillRect/>
+            </a:stretch>
+          </p:blipFill>
+          <p:spPr>
+            <a:xfrm>
+              <a:off x="9064575" y="17765685"/>
+              <a:ext cx="5067300" cy="1743075"/>
+            </a:xfrm>
+            <a:prstGeom prst="rect">
+              <a:avLst/>
+            </a:prstGeom>
+          </p:spPr>
+        </p:pic>
+        <p:sp>
+          <p:nvSpPr>
+            <p:cNvPr id="40" name="Textfeld 39"/>
+            <p:cNvSpPr txBox="1"/>
+            <p:nvPr/>
+          </p:nvSpPr>
+          <p:spPr>
+            <a:xfrm>
+              <a:off x="515018" y="17329237"/>
+              <a:ext cx="2546147" cy="630942"/>
+            </a:xfrm>
+            <a:prstGeom prst="rect">
+              <a:avLst/>
+            </a:prstGeom>
+            <a:noFill/>
+          </p:spPr>
+          <p:txBody>
+            <a:bodyPr wrap="square" rtlCol="0">
+              <a:spAutoFit/>
+            </a:bodyPr>
+            <a:lstStyle/>
+            <a:p>
+              <a:r>
+                <a:rPr lang="de-DE" sz="3500" b="1" dirty="0" smtClean="0">
+                  <a:solidFill>
+                    <a:schemeClr val="lt1"/>
+                  </a:solidFill>
+                  <a:latin typeface="Arial" panose="020B0604020202020204" pitchFamily="34" charset="0"/>
+                  <a:cs typeface="Arial" panose="020B0604020202020204" pitchFamily="34" charset="0"/>
+                </a:rPr>
+                <a:t>Startseite</a:t>
+              </a:r>
+              <a:endParaRPr lang="de-DE" sz="3500" b="1" dirty="0">
                 <a:solidFill>
                   <a:schemeClr val="lt1"/>
                 </a:solidFill>
                 <a:latin typeface="Arial" panose="020B0604020202020204" pitchFamily="34" charset="0"/>
                 <a:cs typeface="Arial" panose="020B0604020202020204" pitchFamily="34" charset="0"/>
-              </a:rPr>
-              <a:t>Termine</a:t>
-            </a:r>
-          </a:p>
-          <a:p>
-            <a:pPr algn="just"/>
-            <a:endParaRPr lang="de-DE" sz="2500" dirty="0">
-              <a:solidFill>
-                <a:schemeClr val="lt1"/>
-              </a:solidFill>
-              <a:latin typeface="Arial" panose="020B0604020202020204" pitchFamily="34" charset="0"/>
-              <a:cs typeface="Arial" panose="020B0604020202020204" pitchFamily="34" charset="0"/>
-            </a:endParaRPr>
-          </a:p>
-          <a:p>
-            <a:pPr algn="just"/>
-            <a:r>
-              <a:rPr lang="de-DE" sz="2500" dirty="0" err="1" smtClean="0">
+              </a:endParaRPr>
+            </a:p>
+          </p:txBody>
+        </p:sp>
+        <p:sp>
+          <p:nvSpPr>
+            <p:cNvPr id="41" name="Textfeld 40"/>
+            <p:cNvSpPr txBox="1"/>
+            <p:nvPr/>
+          </p:nvSpPr>
+          <p:spPr>
+            <a:xfrm>
+              <a:off x="14932615" y="16676387"/>
+              <a:ext cx="6412984" cy="630942"/>
+            </a:xfrm>
+            <a:prstGeom prst="rect">
+              <a:avLst/>
+            </a:prstGeom>
+            <a:noFill/>
+          </p:spPr>
+          <p:txBody>
+            <a:bodyPr wrap="square" rtlCol="0">
+              <a:spAutoFit/>
+            </a:bodyPr>
+            <a:lstStyle/>
+            <a:p>
+              <a:r>
+                <a:rPr lang="de-DE" sz="3500" b="1" dirty="0" smtClean="0">
+                  <a:solidFill>
+                    <a:schemeClr val="lt1"/>
+                  </a:solidFill>
+                  <a:latin typeface="Arial" panose="020B0604020202020204" pitchFamily="34" charset="0"/>
+                  <a:cs typeface="Arial" panose="020B0604020202020204" pitchFamily="34" charset="0"/>
+                </a:rPr>
+                <a:t>Auflistung aller Fundsachen</a:t>
+              </a:r>
+              <a:endParaRPr lang="de-DE" sz="3500" b="1" dirty="0">
                 <a:solidFill>
                   <a:schemeClr val="lt1"/>
                 </a:solidFill>
                 <a:latin typeface="Arial" panose="020B0604020202020204" pitchFamily="34" charset="0"/>
                 <a:cs typeface="Arial" panose="020B0604020202020204" pitchFamily="34" charset="0"/>
-              </a:rPr>
-              <a:t>Stakeholderanalyse</a:t>
-            </a:r>
-            <a:r>
-              <a:rPr lang="de-DE" sz="2500" dirty="0" smtClean="0">
+              </a:endParaRPr>
+            </a:p>
+          </p:txBody>
+        </p:sp>
+        <p:sp>
+          <p:nvSpPr>
+            <p:cNvPr id="42" name="Textfeld 41"/>
+            <p:cNvSpPr txBox="1"/>
+            <p:nvPr/>
+          </p:nvSpPr>
+          <p:spPr>
+            <a:xfrm>
+              <a:off x="8911908" y="19656884"/>
+              <a:ext cx="3912108" cy="630942"/>
+            </a:xfrm>
+            <a:prstGeom prst="rect">
+              <a:avLst/>
+            </a:prstGeom>
+            <a:noFill/>
+          </p:spPr>
+          <p:txBody>
+            <a:bodyPr wrap="square" rtlCol="0">
+              <a:spAutoFit/>
+            </a:bodyPr>
+            <a:lstStyle/>
+            <a:p>
+              <a:r>
+                <a:rPr lang="de-DE" sz="3500" b="1" dirty="0" smtClean="0">
+                  <a:solidFill>
+                    <a:schemeClr val="lt1"/>
+                  </a:solidFill>
+                  <a:latin typeface="Arial" panose="020B0604020202020204" pitchFamily="34" charset="0"/>
+                  <a:cs typeface="Arial" panose="020B0604020202020204" pitchFamily="34" charset="0"/>
+                </a:rPr>
+                <a:t>Fund melden</a:t>
+              </a:r>
+              <a:endParaRPr lang="de-DE" sz="3500" b="1" dirty="0">
                 <a:solidFill>
                   <a:schemeClr val="lt1"/>
                 </a:solidFill>
                 <a:latin typeface="Arial" panose="020B0604020202020204" pitchFamily="34" charset="0"/>
                 <a:cs typeface="Arial" panose="020B0604020202020204" pitchFamily="34" charset="0"/>
-              </a:rPr>
-              <a:t> für</a:t>
-            </a:r>
-          </a:p>
-          <a:p>
-            <a:pPr marL="514350" indent="-514350" algn="just">
-              <a:buFont typeface="+mj-lt"/>
-              <a:buAutoNum type="romanUcPeriod"/>
-            </a:pPr>
-            <a:r>
-              <a:rPr lang="de-DE" sz="2500" dirty="0" smtClean="0">
+              </a:endParaRPr>
+            </a:p>
+          </p:txBody>
+        </p:sp>
+        <p:pic>
+          <p:nvPicPr>
+            <p:cNvPr id="15" name="Grafik 14"/>
+            <p:cNvPicPr>
+              <a:picLocks noChangeAspect="1"/>
+            </p:cNvPicPr>
+            <p:nvPr/>
+          </p:nvPicPr>
+          <p:blipFill>
+            <a:blip r:embed="rId16"/>
+            <a:stretch>
+              <a:fillRect/>
+            </a:stretch>
+          </p:blipFill>
+          <p:spPr>
+            <a:xfrm>
+              <a:off x="21627115" y="13793393"/>
+              <a:ext cx="4629150" cy="7010400"/>
+            </a:xfrm>
+            <a:prstGeom prst="rect">
+              <a:avLst/>
+            </a:prstGeom>
+          </p:spPr>
+        </p:pic>
+        <p:sp>
+          <p:nvSpPr>
+            <p:cNvPr id="45" name="Textfeld 44"/>
+            <p:cNvSpPr txBox="1"/>
+            <p:nvPr/>
+          </p:nvSpPr>
+          <p:spPr>
+            <a:xfrm>
+              <a:off x="21627115" y="20803793"/>
+              <a:ext cx="5013578" cy="642795"/>
+            </a:xfrm>
+            <a:prstGeom prst="rect">
+              <a:avLst/>
+            </a:prstGeom>
+            <a:noFill/>
+          </p:spPr>
+          <p:txBody>
+            <a:bodyPr wrap="square" rtlCol="0">
+              <a:spAutoFit/>
+            </a:bodyPr>
+            <a:lstStyle/>
+            <a:p>
+              <a:r>
+                <a:rPr lang="de-DE" sz="3500" b="1" dirty="0" smtClean="0">
+                  <a:solidFill>
+                    <a:schemeClr val="lt1"/>
+                  </a:solidFill>
+                  <a:latin typeface="Arial" panose="020B0604020202020204" pitchFamily="34" charset="0"/>
+                  <a:cs typeface="Arial" panose="020B0604020202020204" pitchFamily="34" charset="0"/>
+                </a:rPr>
+                <a:t>Gefundenes löschen</a:t>
+              </a:r>
+              <a:endParaRPr lang="de-DE" sz="3500" b="1" dirty="0">
                 <a:solidFill>
                   <a:schemeClr val="lt1"/>
                 </a:solidFill>
                 <a:latin typeface="Arial" panose="020B0604020202020204" pitchFamily="34" charset="0"/>
                 <a:cs typeface="Arial" panose="020B0604020202020204" pitchFamily="34" charset="0"/>
-              </a:rPr>
-              <a:t>Auftraggeber (</a:t>
-            </a:r>
-            <a:r>
-              <a:rPr lang="de-DE" sz="2500" dirty="0" err="1" smtClean="0">
-                <a:solidFill>
-                  <a:schemeClr val="lt1"/>
-                </a:solidFill>
-                <a:latin typeface="Arial" panose="020B0604020202020204" pitchFamily="34" charset="0"/>
-                <a:cs typeface="Arial" panose="020B0604020202020204" pitchFamily="34" charset="0"/>
-              </a:rPr>
-              <a:t>HfTL</a:t>
-            </a:r>
-            <a:r>
-              <a:rPr lang="de-DE" sz="2500" dirty="0" smtClean="0">
-                <a:solidFill>
-                  <a:schemeClr val="lt1"/>
-                </a:solidFill>
-                <a:latin typeface="Arial" panose="020B0604020202020204" pitchFamily="34" charset="0"/>
-                <a:cs typeface="Arial" panose="020B0604020202020204" pitchFamily="34" charset="0"/>
-              </a:rPr>
-              <a:t>)</a:t>
-            </a:r>
-          </a:p>
-          <a:p>
-            <a:pPr marL="514350" indent="-514350" algn="just">
-              <a:buFont typeface="+mj-lt"/>
-              <a:buAutoNum type="romanUcPeriod"/>
-            </a:pPr>
-            <a:r>
-              <a:rPr lang="de-DE" sz="2500" dirty="0" smtClean="0">
-                <a:solidFill>
-                  <a:schemeClr val="lt1"/>
-                </a:solidFill>
-                <a:latin typeface="Arial" panose="020B0604020202020204" pitchFamily="34" charset="0"/>
-                <a:cs typeface="Arial" panose="020B0604020202020204" pitchFamily="34" charset="0"/>
-              </a:rPr>
-              <a:t>Lenkungsausschuss (Dozenten)</a:t>
-            </a:r>
-          </a:p>
-          <a:p>
-            <a:pPr marL="514350" indent="-514350" algn="just">
-              <a:buFont typeface="+mj-lt"/>
-              <a:buAutoNum type="romanUcPeriod"/>
-            </a:pPr>
-            <a:r>
-              <a:rPr lang="de-DE" sz="2500" dirty="0" smtClean="0">
-                <a:solidFill>
-                  <a:schemeClr val="lt1"/>
-                </a:solidFill>
-                <a:latin typeface="Arial" panose="020B0604020202020204" pitchFamily="34" charset="0"/>
-                <a:cs typeface="Arial" panose="020B0604020202020204" pitchFamily="34" charset="0"/>
-              </a:rPr>
-              <a:t>IT und Organisation (Projektteam)</a:t>
-            </a:r>
-          </a:p>
-        </p:txBody>
-      </p:sp>
-      <p:pic>
-        <p:nvPicPr>
-          <p:cNvPr id="1027" name="Picture 3" descr="C:\Users\student\Pictures\Unbenannt.png"/>
-          <p:cNvPicPr>
-            <a:picLocks noChangeAspect="1" noChangeArrowheads="1"/>
-          </p:cNvPicPr>
-          <p:nvPr/>
-        </p:nvPicPr>
-        <p:blipFill>
-          <a:blip r:embed="rId9">
+              </a:endParaRPr>
+            </a:p>
+          </p:txBody>
+        </p:sp>
+        <p:pic>
+          <p:nvPicPr>
+            <p:cNvPr id="16" name="Grafik 15"/>
+            <p:cNvPicPr>
+              <a:picLocks noChangeAspect="1"/>
+            </p:cNvPicPr>
+            <p:nvPr/>
+          </p:nvPicPr>
+          <p:blipFill>
+            <a:blip r:embed="rId17"/>
+            <a:stretch>
+              <a:fillRect/>
+            </a:stretch>
+          </p:blipFill>
+          <p:spPr>
+            <a:xfrm>
+              <a:off x="22556811" y="18091102"/>
+              <a:ext cx="3240360" cy="1417658"/>
+            </a:xfrm>
+            <a:prstGeom prst="rect">
+              <a:avLst/>
+            </a:prstGeom>
+          </p:spPr>
+        </p:pic>
+        <p:pic>
+          <p:nvPicPr>
+            <p:cNvPr id="17" name="Grafik 16"/>
+            <p:cNvPicPr>
+              <a:picLocks noChangeAspect="1"/>
+            </p:cNvPicPr>
+            <p:nvPr/>
+          </p:nvPicPr>
+          <p:blipFill>
+            <a:blip r:embed="rId18"/>
+            <a:stretch>
+              <a:fillRect/>
+            </a:stretch>
+          </p:blipFill>
+          <p:spPr>
+            <a:xfrm>
+              <a:off x="14926367" y="13793393"/>
+              <a:ext cx="6425480" cy="2805121"/>
+            </a:xfrm>
+            <a:prstGeom prst="rect">
+              <a:avLst/>
+            </a:prstGeom>
+          </p:spPr>
+        </p:pic>
+        <p:pic>
+          <p:nvPicPr>
+            <p:cNvPr id="7" name="Grafik 6"/>
+            <p:cNvPicPr>
+              <a:picLocks noChangeAspect="1"/>
+            </p:cNvPicPr>
+            <p:nvPr/>
+          </p:nvPicPr>
+          <p:blipFill>
+            <a:blip r:embed="rId19" cstate="print">
+              <a:extLst>
+                <a:ext uri="{28A0092B-C50C-407E-A947-70E740481C1C}">
+                  <a14:useLocalDpi xmlns:a14="http://schemas.microsoft.com/office/drawing/2010/main" val="0"/>
+                </a:ext>
+              </a:extLst>
+            </a:blip>
+            <a:stretch>
+              <a:fillRect/>
+            </a:stretch>
+          </p:blipFill>
+          <p:spPr>
+            <a:xfrm>
+              <a:off x="16896248" y="17524740"/>
+              <a:ext cx="2485717" cy="1812892"/>
+            </a:xfrm>
+            <a:prstGeom prst="rect">
+              <a:avLst/>
+            </a:prstGeom>
+          </p:spPr>
+        </p:pic>
+        <p:pic>
+          <p:nvPicPr>
+            <p:cNvPr id="8" name="Picture 12" descr="http://www.xappsoftware.com/wordpress/wp-content/uploads/2014/02/PHP.png"/>
+            <p:cNvPicPr>
+              <a:picLocks noChangeAspect="1" noChangeArrowheads="1"/>
+            </p:cNvPicPr>
+            <p:nvPr/>
+          </p:nvPicPr>
+          <p:blipFill>
+            <a:blip r:embed="rId20" cstate="print">
+              <a:extLst>
+                <a:ext uri="{28A0092B-C50C-407E-A947-70E740481C1C}">
+                  <a14:useLocalDpi xmlns:a14="http://schemas.microsoft.com/office/drawing/2010/main" val="0"/>
+                </a:ext>
+              </a:extLst>
+            </a:blip>
+            <a:srcRect/>
+            <a:stretch>
+              <a:fillRect/>
+            </a:stretch>
+          </p:blipFill>
+          <p:spPr bwMode="auto">
+            <a:xfrm>
+              <a:off x="16527267" y="19628036"/>
+              <a:ext cx="3223678" cy="1696461"/>
+            </a:xfrm>
+            <a:prstGeom prst="rect">
+              <a:avLst/>
+            </a:prstGeom>
+            <a:noFill/>
             <a:extLst>
-              <a:ext uri="{28A0092B-C50C-407E-A947-70E740481C1C}">
-                <a14:useLocalDpi xmlns:a14="http://schemas.microsoft.com/office/drawing/2010/main" val="0"/>
+              <a:ext uri="{909E8E84-426E-40DD-AFC4-6F175D3DCCD1}">
+                <a14:hiddenFill xmlns:a14="http://schemas.microsoft.com/office/drawing/2010/main">
+                  <a:solidFill>
+                    <a:srgbClr val="FFFFFF"/>
+                  </a:solidFill>
+                </a14:hiddenFill>
               </a:ext>
             </a:extLst>
-          </a:blip>
-          <a:srcRect/>
-          <a:stretch>
-            <a:fillRect/>
-          </a:stretch>
-        </p:blipFill>
-        <p:spPr bwMode="auto">
-          <a:xfrm>
-            <a:off x="504359" y="4956708"/>
-            <a:ext cx="2295525" cy="2266950"/>
-          </a:xfrm>
-          <a:prstGeom prst="rect">
-            <a:avLst/>
-          </a:prstGeom>
-          <a:noFill/>
-          <a:extLst>
-            <a:ext uri="{909E8E84-426E-40DD-AFC4-6F175D3DCCD1}">
-              <a14:hiddenFill xmlns:a14="http://schemas.microsoft.com/office/drawing/2010/main">
-                <a:solidFill>
-                  <a:srgbClr val="FFFFFF"/>
-                </a:solidFill>
-              </a14:hiddenFill>
-            </a:ext>
-          </a:extLst>
-        </p:spPr>
-      </p:pic>
-      <p:pic>
-        <p:nvPicPr>
-          <p:cNvPr id="1030" name="Picture 6" descr="C:\Users\student\Pictures\Unbenannt2.png"/>
-          <p:cNvPicPr>
-            <a:picLocks noChangeAspect="1" noChangeArrowheads="1"/>
-          </p:cNvPicPr>
-          <p:nvPr/>
-        </p:nvPicPr>
-        <p:blipFill>
-          <a:blip r:embed="rId10">
+          </p:spPr>
+        </p:pic>
+        <p:pic>
+          <p:nvPicPr>
+            <p:cNvPr id="1038" name="Picture 14" descr="https://httpd.apache.org/images/httpd_logo_wide_new.png"/>
+            <p:cNvPicPr>
+              <a:picLocks noChangeAspect="1" noChangeArrowheads="1"/>
+            </p:cNvPicPr>
+            <p:nvPr/>
+          </p:nvPicPr>
+          <p:blipFill>
+            <a:blip r:embed="rId21">
+              <a:extLst>
+                <a:ext uri="{28A0092B-C50C-407E-A947-70E740481C1C}">
+                  <a14:useLocalDpi xmlns:a14="http://schemas.microsoft.com/office/drawing/2010/main" val="0"/>
+                </a:ext>
+              </a:extLst>
+            </a:blip>
+            <a:srcRect/>
+            <a:stretch>
+              <a:fillRect/>
+            </a:stretch>
+          </p:blipFill>
+          <p:spPr bwMode="auto">
+            <a:xfrm>
+              <a:off x="2904476" y="18730829"/>
+              <a:ext cx="7620000" cy="762000"/>
+            </a:xfrm>
+            <a:prstGeom prst="rect">
+              <a:avLst/>
+            </a:prstGeom>
+            <a:noFill/>
             <a:extLst>
-              <a:ext uri="{28A0092B-C50C-407E-A947-70E740481C1C}">
-                <a14:useLocalDpi xmlns:a14="http://schemas.microsoft.com/office/drawing/2010/main" val="0"/>
+              <a:ext uri="{909E8E84-426E-40DD-AFC4-6F175D3DCCD1}">
+                <a14:hiddenFill xmlns:a14="http://schemas.microsoft.com/office/drawing/2010/main">
+                  <a:solidFill>
+                    <a:srgbClr val="FFFFFF"/>
+                  </a:solidFill>
+                </a14:hiddenFill>
               </a:ext>
             </a:extLst>
-          </a:blip>
-          <a:srcRect/>
-          <a:stretch>
-            <a:fillRect/>
-          </a:stretch>
-        </p:blipFill>
-        <p:spPr bwMode="auto">
-          <a:xfrm>
-            <a:off x="3775578" y="4956708"/>
-            <a:ext cx="2295525" cy="2266950"/>
-          </a:xfrm>
-          <a:prstGeom prst="rect">
-            <a:avLst/>
-          </a:prstGeom>
-          <a:noFill/>
-          <a:extLst>
-            <a:ext uri="{909E8E84-426E-40DD-AFC4-6F175D3DCCD1}">
-              <a14:hiddenFill xmlns:a14="http://schemas.microsoft.com/office/drawing/2010/main">
-                <a:solidFill>
-                  <a:srgbClr val="FFFFFF"/>
-                </a:solidFill>
-              </a14:hiddenFill>
-            </a:ext>
-          </a:extLst>
-        </p:spPr>
-      </p:pic>
-      <p:pic>
-        <p:nvPicPr>
-          <p:cNvPr id="1029" name="Picture 5" descr="C:\Users\student\Pictures\Unbenannt3.png"/>
-          <p:cNvPicPr>
-            <a:picLocks noChangeAspect="1" noChangeArrowheads="1"/>
-          </p:cNvPicPr>
-          <p:nvPr/>
-        </p:nvPicPr>
-        <p:blipFill>
-          <a:blip r:embed="rId11">
-            <a:extLst>
-              <a:ext uri="{28A0092B-C50C-407E-A947-70E740481C1C}">
-                <a14:useLocalDpi xmlns:a14="http://schemas.microsoft.com/office/drawing/2010/main" val="0"/>
-              </a:ext>
-            </a:extLst>
-          </a:blip>
-          <a:srcRect/>
-          <a:stretch>
-            <a:fillRect/>
-          </a:stretch>
-        </p:blipFill>
-        <p:spPr bwMode="auto">
-          <a:xfrm>
-            <a:off x="7228342" y="4956708"/>
-            <a:ext cx="2295525" cy="2266950"/>
-          </a:xfrm>
-          <a:prstGeom prst="rect">
-            <a:avLst/>
-          </a:prstGeom>
-          <a:noFill/>
-          <a:extLst>
-            <a:ext uri="{909E8E84-426E-40DD-AFC4-6F175D3DCCD1}">
-              <a14:hiddenFill xmlns:a14="http://schemas.microsoft.com/office/drawing/2010/main">
-                <a:solidFill>
-                  <a:srgbClr val="FFFFFF"/>
-                </a:solidFill>
-              </a14:hiddenFill>
-            </a:ext>
-          </a:extLst>
-        </p:spPr>
-      </p:pic>
-      <p:pic>
-        <p:nvPicPr>
-          <p:cNvPr id="29" name="Grafik 28"/>
-          <p:cNvPicPr/>
-          <p:nvPr/>
-        </p:nvPicPr>
-        <p:blipFill>
-          <a:blip r:embed="rId12"/>
-          <a:stretch>
-            <a:fillRect/>
-          </a:stretch>
-        </p:blipFill>
-        <p:spPr>
-          <a:xfrm>
-            <a:off x="9000681" y="13800634"/>
-            <a:ext cx="5760720" cy="5777230"/>
-          </a:xfrm>
-          <a:prstGeom prst="rect">
-            <a:avLst/>
-          </a:prstGeom>
-        </p:spPr>
-      </p:pic>
-      <p:pic>
-        <p:nvPicPr>
-          <p:cNvPr id="31" name="Grafik 30"/>
-          <p:cNvPicPr/>
-          <p:nvPr/>
-        </p:nvPicPr>
-        <p:blipFill>
-          <a:blip r:embed="rId13"/>
-          <a:stretch>
-            <a:fillRect/>
-          </a:stretch>
-        </p:blipFill>
-        <p:spPr>
-          <a:xfrm>
-            <a:off x="9140306" y="17765685"/>
-            <a:ext cx="5067300" cy="1743075"/>
-          </a:xfrm>
-          <a:prstGeom prst="rect">
-            <a:avLst/>
-          </a:prstGeom>
-        </p:spPr>
-      </p:pic>
-      <p:sp>
-        <p:nvSpPr>
-          <p:cNvPr id="34" name="Textfeld 33"/>
-          <p:cNvSpPr txBox="1"/>
-          <p:nvPr/>
-        </p:nvSpPr>
-        <p:spPr>
-          <a:xfrm>
-            <a:off x="166259" y="7514555"/>
-            <a:ext cx="2971723" cy="1169551"/>
-          </a:xfrm>
-          <a:prstGeom prst="rect">
-            <a:avLst/>
-          </a:prstGeom>
-          <a:noFill/>
-        </p:spPr>
-        <p:txBody>
-          <a:bodyPr wrap="square" rtlCol="0">
-            <a:spAutoFit/>
-          </a:bodyPr>
-          <a:lstStyle/>
-          <a:p>
-            <a:pPr algn="ctr"/>
-            <a:r>
-              <a:rPr lang="de-DE" sz="3500" b="1" dirty="0" smtClean="0">
-                <a:solidFill>
-                  <a:schemeClr val="lt1"/>
-                </a:solidFill>
-                <a:latin typeface="Arial" panose="020B0604020202020204" pitchFamily="34" charset="0"/>
-                <a:cs typeface="Arial" panose="020B0604020202020204" pitchFamily="34" charset="0"/>
-              </a:rPr>
-              <a:t>Fund</a:t>
-            </a:r>
-          </a:p>
-          <a:p>
-            <a:pPr algn="ctr"/>
-            <a:r>
-              <a:rPr lang="de-DE" sz="3500" b="1" dirty="0" smtClean="0">
-                <a:solidFill>
-                  <a:schemeClr val="lt1"/>
-                </a:solidFill>
-                <a:latin typeface="Arial" panose="020B0604020202020204" pitchFamily="34" charset="0"/>
-                <a:cs typeface="Arial" panose="020B0604020202020204" pitchFamily="34" charset="0"/>
-              </a:rPr>
-              <a:t>melden</a:t>
-            </a:r>
-            <a:endParaRPr lang="de-DE" sz="3500" b="1" dirty="0">
-              <a:solidFill>
-                <a:schemeClr val="lt1"/>
-              </a:solidFill>
-              <a:latin typeface="Arial" panose="020B0604020202020204" pitchFamily="34" charset="0"/>
-              <a:cs typeface="Arial" panose="020B0604020202020204" pitchFamily="34" charset="0"/>
-            </a:endParaRPr>
-          </a:p>
-        </p:txBody>
-      </p:sp>
-      <p:sp>
-        <p:nvSpPr>
-          <p:cNvPr id="35" name="Abgerundetes Rechteck 34"/>
-          <p:cNvSpPr/>
-          <p:nvPr/>
-        </p:nvSpPr>
-        <p:spPr>
-          <a:xfrm>
-            <a:off x="15503263" y="3792297"/>
-            <a:ext cx="10945216" cy="6056308"/>
-          </a:xfrm>
-          <a:prstGeom prst="roundRect">
-            <a:avLst>
-              <a:gd name="adj" fmla="val 8468"/>
-            </a:avLst>
-          </a:prstGeom>
-        </p:spPr>
-        <p:style>
-          <a:lnRef idx="2">
-            <a:schemeClr val="accent1">
-              <a:shade val="50000"/>
-            </a:schemeClr>
-          </a:lnRef>
-          <a:fillRef idx="1">
-            <a:schemeClr val="accent1"/>
-          </a:fillRef>
-          <a:effectRef idx="0">
-            <a:schemeClr val="accent1"/>
-          </a:effectRef>
-          <a:fontRef idx="minor">
-            <a:schemeClr val="lt1"/>
-          </a:fontRef>
-        </p:style>
-        <p:txBody>
-          <a:bodyPr rtlCol="0" anchor="ctr"/>
-          <a:lstStyle/>
-          <a:p>
-            <a:pPr algn="just"/>
-            <a:endParaRPr lang="de-DE" sz="2500" dirty="0" smtClean="0">
-              <a:latin typeface="Arial" panose="020B0604020202020204" pitchFamily="34" charset="0"/>
-              <a:cs typeface="Arial" panose="020B0604020202020204" pitchFamily="34" charset="0"/>
-            </a:endParaRPr>
-          </a:p>
-        </p:txBody>
-      </p:sp>
-      <p:sp>
-        <p:nvSpPr>
-          <p:cNvPr id="36" name="Textfeld 35"/>
-          <p:cNvSpPr txBox="1"/>
-          <p:nvPr/>
-        </p:nvSpPr>
-        <p:spPr>
-          <a:xfrm>
-            <a:off x="17497871" y="3804037"/>
-            <a:ext cx="7147049" cy="861774"/>
-          </a:xfrm>
-          <a:prstGeom prst="rect">
-            <a:avLst/>
-          </a:prstGeom>
-          <a:noFill/>
-        </p:spPr>
-        <p:txBody>
-          <a:bodyPr wrap="square" rtlCol="0">
-            <a:spAutoFit/>
-          </a:bodyPr>
-          <a:lstStyle/>
-          <a:p>
-            <a:pPr algn="ctr"/>
-            <a:r>
-              <a:rPr lang="de-DE" sz="5000" b="1" u="sng" dirty="0" smtClean="0">
-                <a:solidFill>
-                  <a:schemeClr val="lt1"/>
-                </a:solidFill>
-                <a:latin typeface="Arial" panose="020B0604020202020204" pitchFamily="34" charset="0"/>
-                <a:cs typeface="Arial" panose="020B0604020202020204" pitchFamily="34" charset="0"/>
-              </a:rPr>
-              <a:t>Problembeschreibung</a:t>
-            </a:r>
-            <a:endParaRPr lang="de-DE" sz="5000" b="1" u="sng" dirty="0">
-              <a:solidFill>
-                <a:schemeClr val="lt1"/>
-              </a:solidFill>
-              <a:latin typeface="Arial" panose="020B0604020202020204" pitchFamily="34" charset="0"/>
-              <a:cs typeface="Arial" panose="020B0604020202020204" pitchFamily="34" charset="0"/>
-            </a:endParaRPr>
-          </a:p>
-        </p:txBody>
-      </p:sp>
-      <p:sp>
-        <p:nvSpPr>
-          <p:cNvPr id="39" name="Textfeld 38"/>
-          <p:cNvSpPr txBox="1"/>
-          <p:nvPr/>
-        </p:nvSpPr>
-        <p:spPr>
-          <a:xfrm>
-            <a:off x="16157342" y="5049787"/>
-            <a:ext cx="9637058" cy="4708981"/>
-          </a:xfrm>
-          <a:prstGeom prst="rect">
-            <a:avLst/>
-          </a:prstGeom>
-          <a:noFill/>
-        </p:spPr>
-        <p:txBody>
-          <a:bodyPr wrap="square" rtlCol="0">
-            <a:spAutoFit/>
-          </a:bodyPr>
-          <a:lstStyle/>
-          <a:p>
-            <a:pPr algn="just"/>
-            <a:r>
-              <a:rPr lang="de-DE" sz="2500" dirty="0">
-                <a:solidFill>
-                  <a:schemeClr val="lt1"/>
-                </a:solidFill>
-                <a:latin typeface="Arial" panose="020B0604020202020204" pitchFamily="34" charset="0"/>
-                <a:cs typeface="Arial" panose="020B0604020202020204" pitchFamily="34" charset="0"/>
-              </a:rPr>
-              <a:t>An der </a:t>
-            </a:r>
-            <a:r>
-              <a:rPr lang="de-DE" sz="2500" dirty="0" err="1">
-                <a:solidFill>
-                  <a:schemeClr val="lt1"/>
-                </a:solidFill>
-                <a:latin typeface="Arial" panose="020B0604020202020204" pitchFamily="34" charset="0"/>
-                <a:cs typeface="Arial" panose="020B0604020202020204" pitchFamily="34" charset="0"/>
-              </a:rPr>
-              <a:t>HfTL</a:t>
-            </a:r>
-            <a:r>
-              <a:rPr lang="de-DE" sz="2500" dirty="0">
-                <a:solidFill>
-                  <a:schemeClr val="lt1"/>
-                </a:solidFill>
-                <a:latin typeface="Arial" panose="020B0604020202020204" pitchFamily="34" charset="0"/>
-                <a:cs typeface="Arial" panose="020B0604020202020204" pitchFamily="34" charset="0"/>
-              </a:rPr>
-              <a:t> werden des Öfteren Gegenstände verloren </a:t>
-            </a:r>
-            <a:r>
-              <a:rPr lang="de-DE" sz="2500" dirty="0" smtClean="0">
-                <a:solidFill>
-                  <a:schemeClr val="lt1"/>
-                </a:solidFill>
-                <a:latin typeface="Arial" panose="020B0604020202020204" pitchFamily="34" charset="0"/>
-                <a:cs typeface="Arial" panose="020B0604020202020204" pitchFamily="34" charset="0"/>
-              </a:rPr>
-              <a:t>beziehungsweise gefunden</a:t>
-            </a:r>
-            <a:r>
-              <a:rPr lang="de-DE" sz="2500" dirty="0">
-                <a:solidFill>
-                  <a:schemeClr val="lt1"/>
-                </a:solidFill>
-                <a:latin typeface="Arial" panose="020B0604020202020204" pitchFamily="34" charset="0"/>
-                <a:cs typeface="Arial" panose="020B0604020202020204" pitchFamily="34" charset="0"/>
-              </a:rPr>
-              <a:t>. Das Zusammenführen von Besitzer und Finder verläuft jedoch oft </a:t>
-            </a:r>
-            <a:r>
-              <a:rPr lang="de-DE" sz="2500" dirty="0" smtClean="0">
-                <a:solidFill>
-                  <a:schemeClr val="lt1"/>
-                </a:solidFill>
-                <a:latin typeface="Arial" panose="020B0604020202020204" pitchFamily="34" charset="0"/>
-                <a:cs typeface="Arial" panose="020B0604020202020204" pitchFamily="34" charset="0"/>
-              </a:rPr>
-              <a:t>langwierig </a:t>
-            </a:r>
-            <a:r>
-              <a:rPr lang="de-DE" sz="2500" dirty="0">
-                <a:solidFill>
-                  <a:schemeClr val="lt1"/>
-                </a:solidFill>
-                <a:latin typeface="Arial" panose="020B0604020202020204" pitchFamily="34" charset="0"/>
-                <a:cs typeface="Arial" panose="020B0604020202020204" pitchFamily="34" charset="0"/>
-              </a:rPr>
-              <a:t>und mit hohem Aufwand. Falls es keine Hinweise per </a:t>
-            </a:r>
-            <a:r>
-              <a:rPr lang="de-DE" sz="2500" dirty="0" smtClean="0">
-                <a:solidFill>
-                  <a:schemeClr val="lt1"/>
-                </a:solidFill>
-                <a:latin typeface="Arial" panose="020B0604020202020204" pitchFamily="34" charset="0"/>
-                <a:cs typeface="Arial" panose="020B0604020202020204" pitchFamily="34" charset="0"/>
-              </a:rPr>
-              <a:t>E-Mail gibt, ist man gezwungen eine Vielzahl von Büros aufzusuchen um weitere Informationen zu dem verlorenen Gegenstand zu erhalten. </a:t>
-            </a:r>
-          </a:p>
-          <a:p>
-            <a:pPr algn="just"/>
-            <a:r>
-              <a:rPr lang="de-DE" sz="2500" dirty="0" smtClean="0">
-                <a:solidFill>
-                  <a:schemeClr val="lt1"/>
-                </a:solidFill>
-                <a:latin typeface="Arial" panose="020B0604020202020204" pitchFamily="34" charset="0"/>
-                <a:cs typeface="Arial" panose="020B0604020202020204" pitchFamily="34" charset="0"/>
-              </a:rPr>
-              <a:t>Da das Widerfinden verschwundener Gegenstände oft erfolglos bleibt, ergibt sich hieraus eine konkrete Frage.</a:t>
-            </a:r>
-          </a:p>
-          <a:p>
-            <a:pPr algn="just"/>
-            <a:endParaRPr lang="de-DE" sz="2500" dirty="0">
-              <a:solidFill>
-                <a:schemeClr val="lt1"/>
-              </a:solidFill>
-              <a:latin typeface="Arial" panose="020B0604020202020204" pitchFamily="34" charset="0"/>
-              <a:cs typeface="Arial" panose="020B0604020202020204" pitchFamily="34" charset="0"/>
-            </a:endParaRPr>
-          </a:p>
-          <a:p>
-            <a:pPr algn="just"/>
-            <a:r>
-              <a:rPr lang="de-DE" sz="2500" dirty="0" smtClean="0">
-                <a:solidFill>
-                  <a:schemeClr val="lt1"/>
-                </a:solidFill>
-                <a:latin typeface="Arial" panose="020B0604020202020204" pitchFamily="34" charset="0"/>
-                <a:cs typeface="Arial" panose="020B0604020202020204" pitchFamily="34" charset="0"/>
-              </a:rPr>
-              <a:t>Wie kann man mit wenig Aufwand die Erfolgsaussichten eines Wiederfindens erhöhen?</a:t>
-            </a:r>
-            <a:endParaRPr lang="de-DE" sz="2500" dirty="0">
-              <a:solidFill>
-                <a:schemeClr val="lt1"/>
-              </a:solidFill>
-              <a:latin typeface="Arial" panose="020B0604020202020204" pitchFamily="34" charset="0"/>
-              <a:cs typeface="Arial" panose="020B0604020202020204" pitchFamily="34" charset="0"/>
-            </a:endParaRPr>
-          </a:p>
-          <a:p>
-            <a:pPr algn="just"/>
-            <a:endParaRPr lang="de-DE" sz="2500" dirty="0">
-              <a:solidFill>
-                <a:schemeClr val="lt1"/>
-              </a:solidFill>
-              <a:latin typeface="Arial" panose="020B0604020202020204" pitchFamily="34" charset="0"/>
-              <a:cs typeface="Arial" panose="020B0604020202020204" pitchFamily="34" charset="0"/>
-            </a:endParaRPr>
-          </a:p>
-        </p:txBody>
-      </p:sp>
-      <p:sp>
-        <p:nvSpPr>
-          <p:cNvPr id="40" name="Textfeld 39"/>
-          <p:cNvSpPr txBox="1"/>
-          <p:nvPr/>
-        </p:nvSpPr>
-        <p:spPr>
-          <a:xfrm>
-            <a:off x="115786" y="17329237"/>
-            <a:ext cx="2971723" cy="630942"/>
-          </a:xfrm>
-          <a:prstGeom prst="rect">
-            <a:avLst/>
-          </a:prstGeom>
-          <a:noFill/>
-        </p:spPr>
-        <p:txBody>
-          <a:bodyPr wrap="square" rtlCol="0">
-            <a:spAutoFit/>
-          </a:bodyPr>
-          <a:lstStyle/>
-          <a:p>
-            <a:pPr algn="ctr"/>
-            <a:r>
-              <a:rPr lang="de-DE" sz="3500" b="1" dirty="0" smtClean="0">
-                <a:solidFill>
-                  <a:schemeClr val="lt1"/>
-                </a:solidFill>
-                <a:latin typeface="Arial" panose="020B0604020202020204" pitchFamily="34" charset="0"/>
-                <a:cs typeface="Arial" panose="020B0604020202020204" pitchFamily="34" charset="0"/>
-              </a:rPr>
-              <a:t>Startseite</a:t>
-            </a:r>
-            <a:endParaRPr lang="de-DE" sz="3500" b="1" dirty="0">
-              <a:solidFill>
-                <a:schemeClr val="lt1"/>
-              </a:solidFill>
-              <a:latin typeface="Arial" panose="020B0604020202020204" pitchFamily="34" charset="0"/>
-              <a:cs typeface="Arial" panose="020B0604020202020204" pitchFamily="34" charset="0"/>
-            </a:endParaRPr>
-          </a:p>
-        </p:txBody>
-      </p:sp>
-      <p:sp>
-        <p:nvSpPr>
-          <p:cNvPr id="41" name="Textfeld 40"/>
-          <p:cNvSpPr txBox="1"/>
-          <p:nvPr/>
-        </p:nvSpPr>
-        <p:spPr>
-          <a:xfrm>
-            <a:off x="14932615" y="16698295"/>
-            <a:ext cx="6412984" cy="630942"/>
-          </a:xfrm>
-          <a:prstGeom prst="rect">
-            <a:avLst/>
-          </a:prstGeom>
-          <a:noFill/>
-        </p:spPr>
-        <p:txBody>
-          <a:bodyPr wrap="square" rtlCol="0">
-            <a:spAutoFit/>
-          </a:bodyPr>
-          <a:lstStyle/>
-          <a:p>
-            <a:r>
-              <a:rPr lang="de-DE" sz="3500" b="1" dirty="0" smtClean="0">
-                <a:solidFill>
-                  <a:schemeClr val="lt1"/>
-                </a:solidFill>
-                <a:latin typeface="Arial" panose="020B0604020202020204" pitchFamily="34" charset="0"/>
-                <a:cs typeface="Arial" panose="020B0604020202020204" pitchFamily="34" charset="0"/>
-              </a:rPr>
-              <a:t>Auflistung aller Fundsachen</a:t>
-            </a:r>
-            <a:endParaRPr lang="de-DE" sz="3500" b="1" dirty="0">
-              <a:solidFill>
-                <a:schemeClr val="lt1"/>
-              </a:solidFill>
-              <a:latin typeface="Arial" panose="020B0604020202020204" pitchFamily="34" charset="0"/>
-              <a:cs typeface="Arial" panose="020B0604020202020204" pitchFamily="34" charset="0"/>
-            </a:endParaRPr>
-          </a:p>
-        </p:txBody>
-      </p:sp>
-      <p:sp>
-        <p:nvSpPr>
-          <p:cNvPr id="42" name="Textfeld 41"/>
-          <p:cNvSpPr txBox="1"/>
-          <p:nvPr/>
-        </p:nvSpPr>
-        <p:spPr>
-          <a:xfrm>
-            <a:off x="9000681" y="19656465"/>
-            <a:ext cx="3912108" cy="630942"/>
-          </a:xfrm>
-          <a:prstGeom prst="rect">
-            <a:avLst/>
-          </a:prstGeom>
-          <a:noFill/>
-        </p:spPr>
-        <p:txBody>
-          <a:bodyPr wrap="square" rtlCol="0">
-            <a:spAutoFit/>
-          </a:bodyPr>
-          <a:lstStyle/>
-          <a:p>
-            <a:r>
-              <a:rPr lang="de-DE" sz="3500" b="1" dirty="0" smtClean="0">
-                <a:solidFill>
-                  <a:schemeClr val="lt1"/>
-                </a:solidFill>
-                <a:latin typeface="Arial" panose="020B0604020202020204" pitchFamily="34" charset="0"/>
-                <a:cs typeface="Arial" panose="020B0604020202020204" pitchFamily="34" charset="0"/>
-              </a:rPr>
-              <a:t>Fund melden</a:t>
-            </a:r>
-            <a:endParaRPr lang="de-DE" sz="3500" b="1" dirty="0">
-              <a:solidFill>
-                <a:schemeClr val="lt1"/>
-              </a:solidFill>
-              <a:latin typeface="Arial" panose="020B0604020202020204" pitchFamily="34" charset="0"/>
-              <a:cs typeface="Arial" panose="020B0604020202020204" pitchFamily="34" charset="0"/>
-            </a:endParaRPr>
-          </a:p>
-        </p:txBody>
-      </p:sp>
-      <p:pic>
-        <p:nvPicPr>
-          <p:cNvPr id="15" name="Grafik 14"/>
-          <p:cNvPicPr>
-            <a:picLocks noChangeAspect="1"/>
-          </p:cNvPicPr>
-          <p:nvPr/>
-        </p:nvPicPr>
-        <p:blipFill>
-          <a:blip r:embed="rId14"/>
-          <a:stretch>
-            <a:fillRect/>
-          </a:stretch>
-        </p:blipFill>
-        <p:spPr>
-          <a:xfrm>
-            <a:off x="21553533" y="13793472"/>
-            <a:ext cx="4629150" cy="7010400"/>
-          </a:xfrm>
-          <a:prstGeom prst="rect">
-            <a:avLst/>
-          </a:prstGeom>
-        </p:spPr>
-      </p:pic>
-      <p:sp>
-        <p:nvSpPr>
-          <p:cNvPr id="45" name="Textfeld 44"/>
-          <p:cNvSpPr txBox="1"/>
-          <p:nvPr/>
-        </p:nvSpPr>
-        <p:spPr>
-          <a:xfrm>
-            <a:off x="21434901" y="20918626"/>
-            <a:ext cx="5013578" cy="642795"/>
-          </a:xfrm>
-          <a:prstGeom prst="rect">
-            <a:avLst/>
-          </a:prstGeom>
-          <a:noFill/>
-        </p:spPr>
-        <p:txBody>
-          <a:bodyPr wrap="square" rtlCol="0">
-            <a:spAutoFit/>
-          </a:bodyPr>
-          <a:lstStyle/>
-          <a:p>
-            <a:r>
-              <a:rPr lang="de-DE" sz="3500" b="1" dirty="0" smtClean="0">
-                <a:solidFill>
-                  <a:schemeClr val="lt1"/>
-                </a:solidFill>
-                <a:latin typeface="Arial" panose="020B0604020202020204" pitchFamily="34" charset="0"/>
-                <a:cs typeface="Arial" panose="020B0604020202020204" pitchFamily="34" charset="0"/>
-              </a:rPr>
-              <a:t>Gefundenes löschen</a:t>
-            </a:r>
-            <a:endParaRPr lang="de-DE" sz="3500" b="1" dirty="0">
-              <a:solidFill>
-                <a:schemeClr val="lt1"/>
-              </a:solidFill>
-              <a:latin typeface="Arial" panose="020B0604020202020204" pitchFamily="34" charset="0"/>
-              <a:cs typeface="Arial" panose="020B0604020202020204" pitchFamily="34" charset="0"/>
-            </a:endParaRPr>
-          </a:p>
-        </p:txBody>
-      </p:sp>
-      <p:pic>
-        <p:nvPicPr>
-          <p:cNvPr id="16" name="Grafik 15"/>
-          <p:cNvPicPr>
-            <a:picLocks noChangeAspect="1"/>
-          </p:cNvPicPr>
-          <p:nvPr/>
-        </p:nvPicPr>
-        <p:blipFill>
-          <a:blip r:embed="rId15"/>
-          <a:stretch>
-            <a:fillRect/>
-          </a:stretch>
-        </p:blipFill>
-        <p:spPr>
-          <a:xfrm>
-            <a:off x="22545419" y="17928393"/>
-            <a:ext cx="3240360" cy="1417658"/>
-          </a:xfrm>
-          <a:prstGeom prst="rect">
-            <a:avLst/>
-          </a:prstGeom>
-        </p:spPr>
-      </p:pic>
-      <p:pic>
-        <p:nvPicPr>
-          <p:cNvPr id="17" name="Grafik 16"/>
-          <p:cNvPicPr>
-            <a:picLocks noChangeAspect="1"/>
-          </p:cNvPicPr>
-          <p:nvPr/>
-        </p:nvPicPr>
-        <p:blipFill>
-          <a:blip r:embed="rId16"/>
-          <a:stretch>
-            <a:fillRect/>
-          </a:stretch>
-        </p:blipFill>
-        <p:spPr>
-          <a:xfrm>
-            <a:off x="14949435" y="13816719"/>
-            <a:ext cx="6425480" cy="2805121"/>
-          </a:xfrm>
-          <a:prstGeom prst="rect">
-            <a:avLst/>
-          </a:prstGeom>
-        </p:spPr>
-      </p:pic>
-      <p:sp>
-        <p:nvSpPr>
-          <p:cNvPr id="50" name="Textfeld 49"/>
-          <p:cNvSpPr txBox="1"/>
-          <p:nvPr/>
-        </p:nvSpPr>
-        <p:spPr>
-          <a:xfrm>
-            <a:off x="881139" y="9202235"/>
-            <a:ext cx="9637058" cy="2785378"/>
-          </a:xfrm>
-          <a:prstGeom prst="rect">
-            <a:avLst/>
-          </a:prstGeom>
-          <a:noFill/>
-        </p:spPr>
-        <p:txBody>
-          <a:bodyPr wrap="square" rtlCol="0">
-            <a:spAutoFit/>
-          </a:bodyPr>
-          <a:lstStyle/>
-          <a:p>
-            <a:pPr algn="just"/>
-            <a:r>
-              <a:rPr lang="de-DE" sz="2500" dirty="0" smtClean="0">
-                <a:solidFill>
-                  <a:schemeClr val="lt1"/>
-                </a:solidFill>
-                <a:latin typeface="Arial" panose="020B0604020202020204" pitchFamily="34" charset="0"/>
-                <a:cs typeface="Arial" panose="020B0604020202020204" pitchFamily="34" charset="0"/>
-              </a:rPr>
-              <a:t>Das Ziel dieses Projektes, ist es eine Web-basierte Software zu entwickeln, welche zwischen dem Finder und dem Suchenden vermittelt. Es soll dem Finder die Möglichkeit geboten werden einen gefundenen Artikel auf die Plattform zu stellen. Eine suchende Person muss diese dementsprechend finden können und schlussendlich muss ein gefundener Artikel auch wieder aus der Datenbank gelöscht werden können.</a:t>
-            </a:r>
-          </a:p>
-        </p:txBody>
-      </p:sp>
-      <p:sp>
-        <p:nvSpPr>
-          <p:cNvPr id="52" name="Abgerundetes Rechteck 51"/>
-          <p:cNvSpPr/>
-          <p:nvPr/>
-        </p:nvSpPr>
-        <p:spPr>
-          <a:xfrm>
-            <a:off x="14085893" y="37187716"/>
-            <a:ext cx="14099545" cy="4329881"/>
-          </a:xfrm>
-          <a:prstGeom prst="roundRect">
-            <a:avLst>
-              <a:gd name="adj" fmla="val 12502"/>
-            </a:avLst>
-          </a:prstGeom>
-          <a:solidFill>
-            <a:schemeClr val="accent1">
-              <a:lumMod val="60000"/>
-              <a:lumOff val="40000"/>
-            </a:schemeClr>
-          </a:solidFill>
-        </p:spPr>
-        <p:style>
-          <a:lnRef idx="2">
-            <a:schemeClr val="accent3">
-              <a:shade val="50000"/>
-            </a:schemeClr>
-          </a:lnRef>
-          <a:fillRef idx="1">
-            <a:schemeClr val="accent3"/>
-          </a:fillRef>
-          <a:effectRef idx="0">
-            <a:schemeClr val="accent3"/>
-          </a:effectRef>
-          <a:fontRef idx="minor">
-            <a:schemeClr val="lt1"/>
-          </a:fontRef>
-        </p:style>
-        <p:txBody>
-          <a:bodyPr rtlCol="0" anchor="t" anchorCtr="0"/>
-          <a:lstStyle/>
-          <a:p>
-            <a:pPr algn="ctr"/>
-            <a:r>
-              <a:rPr lang="de-DE" sz="5000" b="1" u="sng" dirty="0" smtClean="0">
-                <a:latin typeface="Arial" panose="020B0604020202020204" pitchFamily="34" charset="0"/>
-                <a:cs typeface="Arial" panose="020B0604020202020204" pitchFamily="34" charset="0"/>
-              </a:rPr>
-              <a:t>Grobe Kostenschätzung</a:t>
-            </a:r>
-            <a:endParaRPr lang="de-DE" sz="5000" b="1" u="sng" dirty="0" smtClean="0">
-              <a:latin typeface="Arial" panose="020B0604020202020204" pitchFamily="34" charset="0"/>
-              <a:cs typeface="Arial" panose="020B0604020202020204" pitchFamily="34" charset="0"/>
-            </a:endParaRPr>
-          </a:p>
-          <a:p>
-            <a:pPr algn="ctr"/>
-            <a:endParaRPr lang="de-DE" sz="5000" b="1" dirty="0" smtClean="0"/>
-          </a:p>
-          <a:p>
-            <a:pPr algn="ctr"/>
-            <a:endParaRPr lang="de-DE" sz="5000" b="1" dirty="0"/>
-          </a:p>
-          <a:p>
-            <a:pPr algn="ctr"/>
-            <a:endParaRPr lang="de-DE" sz="4800" b="1" dirty="0"/>
-          </a:p>
-          <a:p>
-            <a:pPr algn="ctr"/>
-            <a:endParaRPr lang="de-DE" sz="5000" b="1" dirty="0" smtClean="0"/>
-          </a:p>
-          <a:p>
-            <a:pPr algn="ctr"/>
-            <a:endParaRPr lang="de-DE" sz="5000" b="1" dirty="0"/>
-          </a:p>
-        </p:txBody>
-      </p:sp>
-      <p:pic>
-        <p:nvPicPr>
-          <p:cNvPr id="20" name="Grafik 3"/>
-          <p:cNvPicPr>
-            <a:picLocks noChangeAspect="1" noChangeArrowheads="1"/>
-          </p:cNvPicPr>
-          <p:nvPr/>
-        </p:nvPicPr>
-        <p:blipFill>
-          <a:blip r:embed="rId17">
-            <a:extLst>
-              <a:ext uri="{28A0092B-C50C-407E-A947-70E740481C1C}">
-                <a14:useLocalDpi xmlns:a14="http://schemas.microsoft.com/office/drawing/2010/main" val="0"/>
-              </a:ext>
-            </a:extLst>
-          </a:blip>
-          <a:srcRect/>
-          <a:stretch>
-            <a:fillRect/>
-          </a:stretch>
-        </p:blipFill>
-        <p:spPr bwMode="auto">
-          <a:xfrm>
-            <a:off x="14421085" y="38603696"/>
-            <a:ext cx="13392029" cy="2142724"/>
-          </a:xfrm>
-          <a:prstGeom prst="rect">
-            <a:avLst/>
-          </a:prstGeom>
-          <a:noFill/>
-          <a:ln>
+          </p:spPr>
+        </p:pic>
+        <p:grpSp>
+          <p:nvGrpSpPr>
+            <p:cNvPr id="10" name="Gruppieren 9"/>
+            <p:cNvGrpSpPr/>
+            <p:nvPr/>
+          </p:nvGrpSpPr>
+          <p:grpSpPr>
+            <a:xfrm>
+              <a:off x="515018" y="18091102"/>
+              <a:ext cx="2029896" cy="2117799"/>
+              <a:chOff x="608385" y="18072754"/>
+              <a:chExt cx="2029896" cy="2117799"/>
+            </a:xfrm>
+          </p:grpSpPr>
+          <p:pic>
+            <p:nvPicPr>
+              <p:cNvPr id="2" name="Picture 4" descr="http://orig08.deviantart.net/20d1/f/2015/189/7/a/windows_8_by_kamil12-d90g7rd.png"/>
+              <p:cNvPicPr>
+                <a:picLocks noChangeAspect="1" noChangeArrowheads="1"/>
+              </p:cNvPicPr>
+              <p:nvPr/>
+            </p:nvPicPr>
+            <p:blipFill>
+              <a:blip r:embed="rId22" cstate="print">
+                <a:extLst>
+                  <a:ext uri="{28A0092B-C50C-407E-A947-70E740481C1C}">
+                    <a14:useLocalDpi xmlns:a14="http://schemas.microsoft.com/office/drawing/2010/main" val="0"/>
+                  </a:ext>
+                </a:extLst>
+              </a:blip>
+              <a:srcRect/>
+              <a:stretch>
+                <a:fillRect/>
+              </a:stretch>
+            </p:blipFill>
+            <p:spPr bwMode="auto">
+              <a:xfrm>
+                <a:off x="608385" y="18072754"/>
+                <a:ext cx="2029896" cy="2029896"/>
+              </a:xfrm>
+              <a:prstGeom prst="rect">
+                <a:avLst/>
+              </a:prstGeom>
+              <a:noFill/>
+              <a:extLst>
+                <a:ext uri="{909E8E84-426E-40DD-AFC4-6F175D3DCCD1}">
+                  <a14:hiddenFill xmlns:a14="http://schemas.microsoft.com/office/drawing/2010/main">
+                    <a:solidFill>
+                      <a:srgbClr val="FFFFFF"/>
+                    </a:solidFill>
+                  </a14:hiddenFill>
+                </a:ext>
+              </a:extLst>
+            </p:spPr>
+          </p:pic>
+          <p:sp>
+            <p:nvSpPr>
+              <p:cNvPr id="48" name="Textfeld 47"/>
+              <p:cNvSpPr txBox="1"/>
+              <p:nvPr/>
+            </p:nvSpPr>
+            <p:spPr>
+              <a:xfrm>
+                <a:off x="881139" y="19728888"/>
+                <a:ext cx="1666355" cy="461665"/>
+              </a:xfrm>
+              <a:prstGeom prst="rect">
+                <a:avLst/>
+              </a:prstGeom>
+              <a:noFill/>
+            </p:spPr>
+            <p:txBody>
+              <a:bodyPr wrap="square" rtlCol="0">
+                <a:spAutoFit/>
+              </a:bodyPr>
+              <a:lstStyle/>
+              <a:p>
+                <a:r>
+                  <a:rPr lang="de-DE" sz="2400" b="1" dirty="0" smtClean="0">
+                    <a:solidFill>
+                      <a:schemeClr val="lt1"/>
+                    </a:solidFill>
+                    <a:latin typeface="Arial" panose="020B0604020202020204" pitchFamily="34" charset="0"/>
+                    <a:cs typeface="Arial" panose="020B0604020202020204" pitchFamily="34" charset="0"/>
+                  </a:rPr>
+                  <a:t>Windows</a:t>
+                </a:r>
+                <a:endParaRPr lang="de-DE" sz="3500" b="1" dirty="0">
+                  <a:solidFill>
+                    <a:schemeClr val="lt1"/>
+                  </a:solidFill>
+                  <a:latin typeface="Arial" panose="020B0604020202020204" pitchFamily="34" charset="0"/>
+                  <a:cs typeface="Arial" panose="020B0604020202020204" pitchFamily="34" charset="0"/>
+                </a:endParaRPr>
+              </a:p>
+            </p:txBody>
+          </p:sp>
+        </p:grpSp>
+        <p:sp>
+          <p:nvSpPr>
+            <p:cNvPr id="53" name="Textfeld 52"/>
+            <p:cNvSpPr txBox="1"/>
+            <p:nvPr/>
+          </p:nvSpPr>
+          <p:spPr>
+            <a:xfrm>
+              <a:off x="10053330" y="12431216"/>
+              <a:ext cx="6674328" cy="861774"/>
+            </a:xfrm>
+            <a:prstGeom prst="rect">
+              <a:avLst/>
+            </a:prstGeom>
             <a:noFill/>
-          </a:ln>
-          <a:extLst>
-            <a:ext uri="{909E8E84-426E-40DD-AFC4-6F175D3DCCD1}">
-              <a14:hiddenFill xmlns:a14="http://schemas.microsoft.com/office/drawing/2010/main">
-                <a:solidFill>
-                  <a:srgbClr val="FFFFFF"/>
-                </a:solidFill>
-              </a14:hiddenFill>
-            </a:ext>
-            <a:ext uri="{91240B29-F687-4F45-9708-019B960494DF}">
-              <a14:hiddenLine xmlns:a14="http://schemas.microsoft.com/office/drawing/2010/main" w="9525">
-                <a:solidFill>
-                  <a:srgbClr val="000000"/>
-                </a:solidFill>
-                <a:miter lim="800000"/>
-                <a:headEnd/>
-                <a:tailEnd/>
-              </a14:hiddenLine>
-            </a:ext>
-          </a:extLst>
-        </p:spPr>
-      </p:pic>
-      <p:pic>
-        <p:nvPicPr>
-          <p:cNvPr id="1028" name="Grafik 1"/>
-          <p:cNvPicPr>
-            <a:picLocks noChangeAspect="1" noChangeArrowheads="1"/>
-          </p:cNvPicPr>
-          <p:nvPr/>
-        </p:nvPicPr>
-        <p:blipFill>
-          <a:blip r:embed="rId18">
-            <a:extLst>
-              <a:ext uri="{28A0092B-C50C-407E-A947-70E740481C1C}">
-                <a14:useLocalDpi xmlns:a14="http://schemas.microsoft.com/office/drawing/2010/main" val="0"/>
-              </a:ext>
-            </a:extLst>
-          </a:blip>
-          <a:srcRect/>
-          <a:stretch>
-            <a:fillRect/>
-          </a:stretch>
-        </p:blipFill>
-        <p:spPr bwMode="auto">
-          <a:xfrm>
-            <a:off x="16493773" y="31192868"/>
-            <a:ext cx="9589921" cy="4433833"/>
-          </a:xfrm>
-          <a:prstGeom prst="rect">
-            <a:avLst/>
-          </a:prstGeom>
-          <a:noFill/>
-          <a:ln>
-            <a:noFill/>
-          </a:ln>
-          <a:extLst>
-            <a:ext uri="{909E8E84-426E-40DD-AFC4-6F175D3DCCD1}">
-              <a14:hiddenFill xmlns:a14="http://schemas.microsoft.com/office/drawing/2010/main">
-                <a:solidFill>
-                  <a:srgbClr val="FFFFFF"/>
-                </a:solidFill>
-              </a14:hiddenFill>
-            </a:ext>
-            <a:ext uri="{91240B29-F687-4F45-9708-019B960494DF}">
-              <a14:hiddenLine xmlns:a14="http://schemas.microsoft.com/office/drawing/2010/main" w="9525">
-                <a:solidFill>
-                  <a:srgbClr val="000000"/>
-                </a:solidFill>
-                <a:miter lim="800000"/>
-                <a:headEnd/>
-                <a:tailEnd/>
-              </a14:hiddenLine>
-            </a:ext>
-          </a:extLst>
-        </p:spPr>
-      </p:pic>
+          </p:spPr>
+          <p:txBody>
+            <a:bodyPr wrap="square" rtlCol="0">
+              <a:spAutoFit/>
+            </a:bodyPr>
+            <a:lstStyle/>
+            <a:p>
+              <a:r>
+                <a:rPr lang="de-DE" sz="5000" b="1" dirty="0">
+                  <a:solidFill>
+                    <a:schemeClr val="lt1"/>
+                  </a:solidFill>
+                  <a:latin typeface="Arial" panose="020B0604020202020204" pitchFamily="34" charset="0"/>
+                  <a:cs typeface="Arial" panose="020B0604020202020204" pitchFamily="34" charset="0"/>
+                </a:rPr>
+                <a:t>3. Projektvorstellung</a:t>
+              </a:r>
+            </a:p>
+          </p:txBody>
+        </p:sp>
+      </p:grpSp>
     </p:spTree>
     <p:extLst>
       <p:ext uri="{BB962C8B-B14F-4D97-AF65-F5344CB8AC3E}">

--- a/Ausarbeitungen-Projektdoku/Miniposter.pptx
+++ b/Ausarbeitungen-Projektdoku/Miniposter.pptx
@@ -208,7 +208,7 @@
           <a:p>
             <a:fld id="{381CEBEB-8E17-436E-B953-91520D649C80}" type="datetimeFigureOut">
               <a:rPr lang="de-DE" smtClean="0"/>
-              <a:t>07.01.2016</a:t>
+              <a:t>08.01.2016</a:t>
             </a:fld>
             <a:endParaRPr lang="de-DE"/>
           </a:p>
@@ -741,7 +741,7 @@
           <a:p>
             <a:fld id="{8E5A9B32-403F-47DB-A62E-56CDCAD5B4FF}" type="datetimeFigureOut">
               <a:rPr lang="de-DE" smtClean="0"/>
-              <a:t>07.01.2016</a:t>
+              <a:t>08.01.2016</a:t>
             </a:fld>
             <a:endParaRPr lang="de-DE"/>
           </a:p>
@@ -911,7 +911,7 @@
           <a:p>
             <a:fld id="{8E5A9B32-403F-47DB-A62E-56CDCAD5B4FF}" type="datetimeFigureOut">
               <a:rPr lang="de-DE" smtClean="0"/>
-              <a:t>07.01.2016</a:t>
+              <a:t>08.01.2016</a:t>
             </a:fld>
             <a:endParaRPr lang="de-DE"/>
           </a:p>
@@ -1091,7 +1091,7 @@
           <a:p>
             <a:fld id="{8E5A9B32-403F-47DB-A62E-56CDCAD5B4FF}" type="datetimeFigureOut">
               <a:rPr lang="de-DE" smtClean="0"/>
-              <a:t>07.01.2016</a:t>
+              <a:t>08.01.2016</a:t>
             </a:fld>
             <a:endParaRPr lang="de-DE"/>
           </a:p>
@@ -1261,7 +1261,7 @@
           <a:p>
             <a:fld id="{8E5A9B32-403F-47DB-A62E-56CDCAD5B4FF}" type="datetimeFigureOut">
               <a:rPr lang="de-DE" smtClean="0"/>
-              <a:t>07.01.2016</a:t>
+              <a:t>08.01.2016</a:t>
             </a:fld>
             <a:endParaRPr lang="de-DE"/>
           </a:p>
@@ -1507,7 +1507,7 @@
           <a:p>
             <a:fld id="{8E5A9B32-403F-47DB-A62E-56CDCAD5B4FF}" type="datetimeFigureOut">
               <a:rPr lang="de-DE" smtClean="0"/>
-              <a:t>07.01.2016</a:t>
+              <a:t>08.01.2016</a:t>
             </a:fld>
             <a:endParaRPr lang="de-DE"/>
           </a:p>
@@ -1795,7 +1795,7 @@
           <a:p>
             <a:fld id="{8E5A9B32-403F-47DB-A62E-56CDCAD5B4FF}" type="datetimeFigureOut">
               <a:rPr lang="de-DE" smtClean="0"/>
-              <a:t>07.01.2016</a:t>
+              <a:t>08.01.2016</a:t>
             </a:fld>
             <a:endParaRPr lang="de-DE"/>
           </a:p>
@@ -2222,7 +2222,7 @@
           <a:p>
             <a:fld id="{8E5A9B32-403F-47DB-A62E-56CDCAD5B4FF}" type="datetimeFigureOut">
               <a:rPr lang="de-DE" smtClean="0"/>
-              <a:t>07.01.2016</a:t>
+              <a:t>08.01.2016</a:t>
             </a:fld>
             <a:endParaRPr lang="de-DE"/>
           </a:p>
@@ -2340,7 +2340,7 @@
           <a:p>
             <a:fld id="{8E5A9B32-403F-47DB-A62E-56CDCAD5B4FF}" type="datetimeFigureOut">
               <a:rPr lang="de-DE" smtClean="0"/>
-              <a:t>07.01.2016</a:t>
+              <a:t>08.01.2016</a:t>
             </a:fld>
             <a:endParaRPr lang="de-DE"/>
           </a:p>
@@ -2435,7 +2435,7 @@
           <a:p>
             <a:fld id="{8E5A9B32-403F-47DB-A62E-56CDCAD5B4FF}" type="datetimeFigureOut">
               <a:rPr lang="de-DE" smtClean="0"/>
-              <a:t>07.01.2016</a:t>
+              <a:t>08.01.2016</a:t>
             </a:fld>
             <a:endParaRPr lang="de-DE"/>
           </a:p>
@@ -2712,7 +2712,7 @@
           <a:p>
             <a:fld id="{8E5A9B32-403F-47DB-A62E-56CDCAD5B4FF}" type="datetimeFigureOut">
               <a:rPr lang="de-DE" smtClean="0"/>
-              <a:t>07.01.2016</a:t>
+              <a:t>08.01.2016</a:t>
             </a:fld>
             <a:endParaRPr lang="de-DE"/>
           </a:p>
@@ -2965,7 +2965,7 @@
           <a:p>
             <a:fld id="{8E5A9B32-403F-47DB-A62E-56CDCAD5B4FF}" type="datetimeFigureOut">
               <a:rPr lang="de-DE" smtClean="0"/>
-              <a:t>07.01.2016</a:t>
+              <a:t>08.01.2016</a:t>
             </a:fld>
             <a:endParaRPr lang="de-DE"/>
           </a:p>
@@ -3178,7 +3178,7 @@
           <a:p>
             <a:fld id="{8E5A9B32-403F-47DB-A62E-56CDCAD5B4FF}" type="datetimeFigureOut">
               <a:rPr lang="de-DE" smtClean="0"/>
-              <a:t>07.01.2016</a:t>
+              <a:t>08.01.2016</a:t>
             </a:fld>
             <a:endParaRPr lang="de-DE"/>
           </a:p>
@@ -3541,16 +3541,35 @@
   <p:cSld>
     <p:bg>
       <p:bgPr>
-        <a:blipFill dpi="0" rotWithShape="1">
-          <a:blip r:embed="rId3">
-            <a:alphaModFix amt="21000"/>
-            <a:lum/>
-          </a:blip>
-          <a:srcRect/>
-          <a:stretch>
-            <a:fillRect/>
-          </a:stretch>
-        </a:blipFill>
+        <a:gradFill>
+          <a:gsLst>
+            <a:gs pos="0">
+              <a:schemeClr val="accent1">
+                <a:lumMod val="5000"/>
+                <a:lumOff val="95000"/>
+              </a:schemeClr>
+            </a:gs>
+            <a:gs pos="74000">
+              <a:schemeClr val="accent1">
+                <a:lumMod val="45000"/>
+                <a:lumOff val="55000"/>
+              </a:schemeClr>
+            </a:gs>
+            <a:gs pos="83000">
+              <a:schemeClr val="accent1">
+                <a:lumMod val="45000"/>
+                <a:lumOff val="55000"/>
+              </a:schemeClr>
+            </a:gs>
+            <a:gs pos="100000">
+              <a:schemeClr val="accent1">
+                <a:lumMod val="30000"/>
+                <a:lumOff val="70000"/>
+              </a:schemeClr>
+            </a:gs>
+          </a:gsLst>
+          <a:lin ang="5400000" scaled="1"/>
+        </a:gradFill>
         <a:effectLst/>
       </p:bgPr>
     </p:bg>
@@ -3703,7 +3722,7 @@
           <p:nvPr/>
         </p:nvPicPr>
         <p:blipFill>
-          <a:blip r:embed="rId4">
+          <a:blip r:embed="rId3">
             <a:extLst>
               <a:ext uri="{28A0092B-C50C-407E-A947-70E740481C1C}">
                 <a14:useLocalDpi xmlns:a14="http://schemas.microsoft.com/office/drawing/2010/main" val="0"/>
@@ -3855,7 +3874,7 @@
             <p:nvPr/>
           </p:nvPicPr>
           <p:blipFill>
-            <a:blip r:embed="rId5">
+            <a:blip r:embed="rId4">
               <a:extLst>
                 <a:ext uri="{28A0092B-C50C-407E-A947-70E740481C1C}">
                   <a14:useLocalDpi xmlns:a14="http://schemas.microsoft.com/office/drawing/2010/main" val="0"/>
@@ -4005,7 +4024,7 @@
             <p:nvPr/>
           </p:nvPicPr>
           <p:blipFill>
-            <a:blip r:embed="rId6">
+            <a:blip r:embed="rId5">
               <a:extLst>
                 <a:ext uri="{28A0092B-C50C-407E-A947-70E740481C1C}">
                   <a14:useLocalDpi xmlns:a14="http://schemas.microsoft.com/office/drawing/2010/main" val="0"/>
@@ -4158,7 +4177,7 @@
             <p:nvPr/>
           </p:nvPicPr>
           <p:blipFill>
-            <a:blip r:embed="rId7">
+            <a:blip r:embed="rId6">
               <a:extLst>
                 <a:ext uri="{28A0092B-C50C-407E-A947-70E740481C1C}">
                   <a14:useLocalDpi xmlns:a14="http://schemas.microsoft.com/office/drawing/2010/main" val="0"/>
@@ -4992,7 +5011,7 @@
             <p:nvPr/>
           </p:nvPicPr>
           <p:blipFill>
-            <a:blip r:embed="rId8">
+            <a:blip r:embed="rId7">
               <a:extLst>
                 <a:ext uri="{28A0092B-C50C-407E-A947-70E740481C1C}">
                   <a14:useLocalDpi xmlns:a14="http://schemas.microsoft.com/office/drawing/2010/main" val="0"/>
@@ -5033,7 +5052,7 @@
             <p:nvPr/>
           </p:nvPicPr>
           <p:blipFill>
-            <a:blip r:embed="rId9">
+            <a:blip r:embed="rId8">
               <a:extLst>
                 <a:ext uri="{28A0092B-C50C-407E-A947-70E740481C1C}">
                   <a14:useLocalDpi xmlns:a14="http://schemas.microsoft.com/office/drawing/2010/main" val="0"/>
@@ -5074,7 +5093,7 @@
             <p:nvPr/>
           </p:nvPicPr>
           <p:blipFill>
-            <a:blip r:embed="rId10">
+            <a:blip r:embed="rId9">
               <a:extLst>
                 <a:ext uri="{28A0092B-C50C-407E-A947-70E740481C1C}">
                   <a14:useLocalDpi xmlns:a14="http://schemas.microsoft.com/office/drawing/2010/main" val="0"/>
@@ -5319,7 +5338,7 @@
             <p:nvPr/>
           </p:nvPicPr>
           <p:blipFill>
-            <a:blip r:embed="rId11">
+            <a:blip r:embed="rId10">
               <a:extLst>
                 <a:ext uri="{28A0092B-C50C-407E-A947-70E740481C1C}">
                   <a14:useLocalDpi xmlns:a14="http://schemas.microsoft.com/office/drawing/2010/main" val="0"/>
@@ -5485,7 +5504,7 @@
             <p:nvPr/>
           </p:nvPicPr>
           <p:blipFill>
-            <a:blip r:embed="rId12">
+            <a:blip r:embed="rId11">
               <a:extLst>
                 <a:ext uri="{28A0092B-C50C-407E-A947-70E740481C1C}">
                   <a14:useLocalDpi xmlns:a14="http://schemas.microsoft.com/office/drawing/2010/main" val="0"/>
@@ -5614,7 +5633,7 @@
             <p:nvPr/>
           </p:nvPicPr>
           <p:blipFill>
-            <a:blip r:embed="rId13"/>
+            <a:blip r:embed="rId12"/>
             <a:stretch>
               <a:fillRect/>
             </a:stretch>
@@ -5636,7 +5655,7 @@
             <p:nvPr/>
           </p:nvPicPr>
           <p:blipFill>
-            <a:blip r:embed="rId14"/>
+            <a:blip r:embed="rId13"/>
             <a:stretch>
               <a:fillRect/>
             </a:stretch>
@@ -5658,7 +5677,7 @@
             <p:nvPr/>
           </p:nvPicPr>
           <p:blipFill>
-            <a:blip r:embed="rId15"/>
+            <a:blip r:embed="rId14"/>
             <a:stretch>
               <a:fillRect/>
             </a:stretch>
@@ -5808,7 +5827,7 @@
             <p:nvPr/>
           </p:nvPicPr>
           <p:blipFill>
-            <a:blip r:embed="rId16"/>
+            <a:blip r:embed="rId15"/>
             <a:stretch>
               <a:fillRect/>
             </a:stretch>
@@ -5874,7 +5893,7 @@
             <p:nvPr/>
           </p:nvPicPr>
           <p:blipFill>
-            <a:blip r:embed="rId17"/>
+            <a:blip r:embed="rId16"/>
             <a:stretch>
               <a:fillRect/>
             </a:stretch>
@@ -5898,7 +5917,7 @@
             <p:nvPr/>
           </p:nvPicPr>
           <p:blipFill>
-            <a:blip r:embed="rId18"/>
+            <a:blip r:embed="rId17"/>
             <a:stretch>
               <a:fillRect/>
             </a:stretch>
@@ -5922,7 +5941,7 @@
             <p:nvPr/>
           </p:nvPicPr>
           <p:blipFill>
-            <a:blip r:embed="rId19" cstate="print">
+            <a:blip r:embed="rId18" cstate="print">
               <a:extLst>
                 <a:ext uri="{28A0092B-C50C-407E-A947-70E740481C1C}">
                   <a14:useLocalDpi xmlns:a14="http://schemas.microsoft.com/office/drawing/2010/main" val="0"/>
@@ -5952,7 +5971,7 @@
             <p:nvPr/>
           </p:nvPicPr>
           <p:blipFill>
-            <a:blip r:embed="rId20" cstate="print">
+            <a:blip r:embed="rId19" cstate="print">
               <a:extLst>
                 <a:ext uri="{28A0092B-C50C-407E-A947-70E740481C1C}">
                   <a14:useLocalDpi xmlns:a14="http://schemas.microsoft.com/office/drawing/2010/main" val="0"/>
@@ -5993,7 +6012,7 @@
             <p:nvPr/>
           </p:nvPicPr>
           <p:blipFill>
-            <a:blip r:embed="rId21">
+            <a:blip r:embed="rId20">
               <a:extLst>
                 <a:ext uri="{28A0092B-C50C-407E-A947-70E740481C1C}">
                   <a14:useLocalDpi xmlns:a14="http://schemas.microsoft.com/office/drawing/2010/main" val="0"/>
@@ -6048,7 +6067,7 @@
               <p:nvPr/>
             </p:nvPicPr>
             <p:blipFill>
-              <a:blip r:embed="rId22" cstate="print">
+              <a:blip r:embed="rId21" cstate="print">
                 <a:extLst>
                   <a:ext uri="{28A0092B-C50C-407E-A947-70E740481C1C}">
                     <a14:useLocalDpi xmlns:a14="http://schemas.microsoft.com/office/drawing/2010/main" val="0"/>

--- a/Ausarbeitungen-Projektdoku/Miniposter.pptx
+++ b/Ausarbeitungen-Projektdoku/Miniposter.pptx
@@ -109,7 +109,7 @@
   </p:defaultTextStyle>
   <p:extLst>
     <p:ext uri="{EFAFB233-063F-42B5-8137-9DF3F51BA10A}">
-      <p15:sldGuideLst xmlns:p15="http://schemas.microsoft.com/office/powerpoint/2012/main">
+      <p15:sldGuideLst xmlns:p15="http://schemas.microsoft.com/office/powerpoint/2012/main" xmlns="">
         <p15:guide id="1" orient="horz" pos="13483">
           <p15:clr>
             <a:srgbClr val="A4A3A4"/>
@@ -208,7 +208,7 @@
           <a:p>
             <a:fld id="{381CEBEB-8E17-436E-B953-91520D649C80}" type="datetimeFigureOut">
               <a:rPr lang="de-DE" smtClean="0"/>
-              <a:t>08.01.2016</a:t>
+              <a:t>12.01.2016</a:t>
             </a:fld>
             <a:endParaRPr lang="de-DE"/>
           </a:p>
@@ -741,7 +741,7 @@
           <a:p>
             <a:fld id="{8E5A9B32-403F-47DB-A62E-56CDCAD5B4FF}" type="datetimeFigureOut">
               <a:rPr lang="de-DE" smtClean="0"/>
-              <a:t>08.01.2016</a:t>
+              <a:t>12.01.2016</a:t>
             </a:fld>
             <a:endParaRPr lang="de-DE"/>
           </a:p>
@@ -911,7 +911,7 @@
           <a:p>
             <a:fld id="{8E5A9B32-403F-47DB-A62E-56CDCAD5B4FF}" type="datetimeFigureOut">
               <a:rPr lang="de-DE" smtClean="0"/>
-              <a:t>08.01.2016</a:t>
+              <a:t>12.01.2016</a:t>
             </a:fld>
             <a:endParaRPr lang="de-DE"/>
           </a:p>
@@ -1091,7 +1091,7 @@
           <a:p>
             <a:fld id="{8E5A9B32-403F-47DB-A62E-56CDCAD5B4FF}" type="datetimeFigureOut">
               <a:rPr lang="de-DE" smtClean="0"/>
-              <a:t>08.01.2016</a:t>
+              <a:t>12.01.2016</a:t>
             </a:fld>
             <a:endParaRPr lang="de-DE"/>
           </a:p>
@@ -1261,7 +1261,7 @@
           <a:p>
             <a:fld id="{8E5A9B32-403F-47DB-A62E-56CDCAD5B4FF}" type="datetimeFigureOut">
               <a:rPr lang="de-DE" smtClean="0"/>
-              <a:t>08.01.2016</a:t>
+              <a:t>12.01.2016</a:t>
             </a:fld>
             <a:endParaRPr lang="de-DE"/>
           </a:p>
@@ -1507,7 +1507,7 @@
           <a:p>
             <a:fld id="{8E5A9B32-403F-47DB-A62E-56CDCAD5B4FF}" type="datetimeFigureOut">
               <a:rPr lang="de-DE" smtClean="0"/>
-              <a:t>08.01.2016</a:t>
+              <a:t>12.01.2016</a:t>
             </a:fld>
             <a:endParaRPr lang="de-DE"/>
           </a:p>
@@ -1795,7 +1795,7 @@
           <a:p>
             <a:fld id="{8E5A9B32-403F-47DB-A62E-56CDCAD5B4FF}" type="datetimeFigureOut">
               <a:rPr lang="de-DE" smtClean="0"/>
-              <a:t>08.01.2016</a:t>
+              <a:t>12.01.2016</a:t>
             </a:fld>
             <a:endParaRPr lang="de-DE"/>
           </a:p>
@@ -2222,7 +2222,7 @@
           <a:p>
             <a:fld id="{8E5A9B32-403F-47DB-A62E-56CDCAD5B4FF}" type="datetimeFigureOut">
               <a:rPr lang="de-DE" smtClean="0"/>
-              <a:t>08.01.2016</a:t>
+              <a:t>12.01.2016</a:t>
             </a:fld>
             <a:endParaRPr lang="de-DE"/>
           </a:p>
@@ -2340,7 +2340,7 @@
           <a:p>
             <a:fld id="{8E5A9B32-403F-47DB-A62E-56CDCAD5B4FF}" type="datetimeFigureOut">
               <a:rPr lang="de-DE" smtClean="0"/>
-              <a:t>08.01.2016</a:t>
+              <a:t>12.01.2016</a:t>
             </a:fld>
             <a:endParaRPr lang="de-DE"/>
           </a:p>
@@ -2435,7 +2435,7 @@
           <a:p>
             <a:fld id="{8E5A9B32-403F-47DB-A62E-56CDCAD5B4FF}" type="datetimeFigureOut">
               <a:rPr lang="de-DE" smtClean="0"/>
-              <a:t>08.01.2016</a:t>
+              <a:t>12.01.2016</a:t>
             </a:fld>
             <a:endParaRPr lang="de-DE"/>
           </a:p>
@@ -2712,7 +2712,7 @@
           <a:p>
             <a:fld id="{8E5A9B32-403F-47DB-A62E-56CDCAD5B4FF}" type="datetimeFigureOut">
               <a:rPr lang="de-DE" smtClean="0"/>
-              <a:t>08.01.2016</a:t>
+              <a:t>12.01.2016</a:t>
             </a:fld>
             <a:endParaRPr lang="de-DE"/>
           </a:p>
@@ -2965,7 +2965,7 @@
           <a:p>
             <a:fld id="{8E5A9B32-403F-47DB-A62E-56CDCAD5B4FF}" type="datetimeFigureOut">
               <a:rPr lang="de-DE" smtClean="0"/>
-              <a:t>08.01.2016</a:t>
+              <a:t>12.01.2016</a:t>
             </a:fld>
             <a:endParaRPr lang="de-DE"/>
           </a:p>
@@ -3178,7 +3178,7 @@
           <a:p>
             <a:fld id="{8E5A9B32-403F-47DB-A62E-56CDCAD5B4FF}" type="datetimeFigureOut">
               <a:rPr lang="de-DE" smtClean="0"/>
-              <a:t>08.01.2016</a:t>
+              <a:t>12.01.2016</a:t>
             </a:fld>
             <a:endParaRPr lang="de-DE"/>
           </a:p>
@@ -3762,8 +3762,8 @@
         </p:nvGrpSpPr>
         <p:grpSpPr>
           <a:xfrm>
-            <a:off x="16217373" y="36921429"/>
-            <a:ext cx="13518958" cy="5508590"/>
+            <a:off x="15676620" y="36921429"/>
+            <a:ext cx="12508818" cy="5508590"/>
             <a:chOff x="197876" y="37125743"/>
             <a:chExt cx="13518958" cy="5508590"/>
           </a:xfrm>
@@ -3922,8 +3922,8 @@
         </p:nvGrpSpPr>
         <p:grpSpPr>
           <a:xfrm>
-            <a:off x="17795971" y="23051298"/>
-            <a:ext cx="10363504" cy="5964943"/>
+            <a:off x="16477360" y="22916430"/>
+            <a:ext cx="11682115" cy="5964943"/>
             <a:chOff x="16073984" y="22272644"/>
             <a:chExt cx="10363504" cy="5964943"/>
           </a:xfrm>
@@ -4038,8 +4038,8 @@
           </p:blipFill>
           <p:spPr bwMode="auto">
             <a:xfrm>
-              <a:off x="16274530" y="23687278"/>
-              <a:ext cx="9962412" cy="3848092"/>
+              <a:off x="16759143" y="23687278"/>
+              <a:ext cx="8993185" cy="3848092"/>
             </a:xfrm>
             <a:prstGeom prst="rect">
               <a:avLst/>
@@ -4065,8 +4065,8 @@
         </p:nvGrpSpPr>
         <p:grpSpPr>
           <a:xfrm>
-            <a:off x="1705717" y="30662522"/>
-            <a:ext cx="10363504" cy="7389114"/>
+            <a:off x="1705717" y="28162360"/>
+            <a:ext cx="11977610" cy="9011654"/>
             <a:chOff x="115786" y="29575647"/>
             <a:chExt cx="10363504" cy="7389114"/>
           </a:xfrm>
@@ -4190,13 +4190,29 @@
           </p:blipFill>
           <p:spPr>
             <a:xfrm>
-              <a:off x="434436" y="31021983"/>
+              <a:off x="1008739" y="30824286"/>
               <a:ext cx="8487960" cy="5715798"/>
             </a:xfrm>
             <a:prstGeom prst="rect">
               <a:avLst/>
             </a:prstGeom>
           </p:spPr>
+          <p:style>
+            <a:lnRef idx="2">
+              <a:schemeClr val="accent5">
+                <a:shade val="50000"/>
+              </a:schemeClr>
+            </a:lnRef>
+            <a:fillRef idx="1">
+              <a:schemeClr val="accent5"/>
+            </a:fillRef>
+            <a:effectRef idx="0">
+              <a:schemeClr val="accent5"/>
+            </a:effectRef>
+            <a:fontRef idx="minor">
+              <a:schemeClr val="lt1"/>
+            </a:fontRef>
+          </p:style>
         </p:pic>
       </p:grpSp>
       <p:grpSp>
@@ -4207,8 +4223,8 @@
         </p:nvGrpSpPr>
         <p:grpSpPr>
           <a:xfrm>
-            <a:off x="1705717" y="23051298"/>
-            <a:ext cx="10363504" cy="7107571"/>
+            <a:off x="1773489" y="22916430"/>
+            <a:ext cx="12858206" cy="4473644"/>
             <a:chOff x="115786" y="22245121"/>
             <a:chExt cx="10363504" cy="7107571"/>
           </a:xfrm>
@@ -4289,8 +4305,8 @@
           </p:nvSpPr>
           <p:spPr>
             <a:xfrm>
-              <a:off x="434436" y="23560417"/>
-              <a:ext cx="9637058" cy="5093702"/>
+              <a:off x="434436" y="24237727"/>
+              <a:ext cx="9637058" cy="3170099"/>
             </a:xfrm>
             <a:prstGeom prst="rect">
               <a:avLst/>
@@ -4335,8 +4351,25 @@
                   <a:latin typeface="Arial" panose="020B0604020202020204" pitchFamily="34" charset="0"/>
                   <a:cs typeface="Arial" panose="020B0604020202020204" pitchFamily="34" charset="0"/>
                 </a:rPr>
-                <a:t>Risikoanalyse bezogen auf</a:t>
+                <a:t>Risikoanalyse bezogen </a:t>
               </a:r>
+              <a:r>
+                <a:rPr lang="de-DE" sz="2500" dirty="0" smtClean="0">
+                  <a:solidFill>
+                    <a:schemeClr val="lt1"/>
+                  </a:solidFill>
+                  <a:latin typeface="Arial" panose="020B0604020202020204" pitchFamily="34" charset="0"/>
+                  <a:cs typeface="Arial" panose="020B0604020202020204" pitchFamily="34" charset="0"/>
+                </a:rPr>
+                <a:t>auf</a:t>
+              </a:r>
+              <a:endParaRPr lang="de-DE" sz="2500" dirty="0" smtClean="0">
+                <a:solidFill>
+                  <a:schemeClr val="lt1"/>
+                </a:solidFill>
+                <a:latin typeface="Arial" panose="020B0604020202020204" pitchFamily="34" charset="0"/>
+                <a:cs typeface="Arial" panose="020B0604020202020204" pitchFamily="34" charset="0"/>
+              </a:endParaRPr>
             </a:p>
             <a:p>
               <a:pPr marL="514350" indent="-514350" algn="just">
@@ -4412,97 +4445,6 @@
                 <a:cs typeface="Arial" panose="020B0604020202020204" pitchFamily="34" charset="0"/>
               </a:endParaRPr>
             </a:p>
-            <a:p>
-              <a:pPr algn="just"/>
-              <a:r>
-                <a:rPr lang="de-DE" sz="2500" dirty="0" err="1" smtClean="0">
-                  <a:solidFill>
-                    <a:schemeClr val="lt1"/>
-                  </a:solidFill>
-                  <a:latin typeface="Arial" panose="020B0604020202020204" pitchFamily="34" charset="0"/>
-                  <a:cs typeface="Arial" panose="020B0604020202020204" pitchFamily="34" charset="0"/>
-                </a:rPr>
-                <a:t>Stakeholderanalyse</a:t>
-              </a:r>
-              <a:r>
-                <a:rPr lang="de-DE" sz="2500" dirty="0" smtClean="0">
-                  <a:solidFill>
-                    <a:schemeClr val="lt1"/>
-                  </a:solidFill>
-                  <a:latin typeface="Arial" panose="020B0604020202020204" pitchFamily="34" charset="0"/>
-                  <a:cs typeface="Arial" panose="020B0604020202020204" pitchFamily="34" charset="0"/>
-                </a:rPr>
-                <a:t> für</a:t>
-              </a:r>
-            </a:p>
-            <a:p>
-              <a:pPr marL="514350" indent="-514350" algn="just">
-                <a:buFont typeface="+mj-lt"/>
-                <a:buAutoNum type="romanUcPeriod"/>
-              </a:pPr>
-              <a:r>
-                <a:rPr lang="de-DE" sz="2500" dirty="0" smtClean="0">
-                  <a:solidFill>
-                    <a:schemeClr val="lt1"/>
-                  </a:solidFill>
-                  <a:latin typeface="Arial" panose="020B0604020202020204" pitchFamily="34" charset="0"/>
-                  <a:cs typeface="Arial" panose="020B0604020202020204" pitchFamily="34" charset="0"/>
-                </a:rPr>
-                <a:t>Auftraggeber (</a:t>
-              </a:r>
-              <a:r>
-                <a:rPr lang="de-DE" sz="2500" dirty="0" err="1" smtClean="0">
-                  <a:solidFill>
-                    <a:schemeClr val="lt1"/>
-                  </a:solidFill>
-                  <a:latin typeface="Arial" panose="020B0604020202020204" pitchFamily="34" charset="0"/>
-                  <a:cs typeface="Arial" panose="020B0604020202020204" pitchFamily="34" charset="0"/>
-                </a:rPr>
-                <a:t>HfTL</a:t>
-              </a:r>
-              <a:r>
-                <a:rPr lang="de-DE" sz="2500" dirty="0" smtClean="0">
-                  <a:solidFill>
-                    <a:schemeClr val="lt1"/>
-                  </a:solidFill>
-                  <a:latin typeface="Arial" panose="020B0604020202020204" pitchFamily="34" charset="0"/>
-                  <a:cs typeface="Arial" panose="020B0604020202020204" pitchFamily="34" charset="0"/>
-                </a:rPr>
-                <a:t>)</a:t>
-              </a:r>
-            </a:p>
-            <a:p>
-              <a:pPr marL="514350" indent="-514350" algn="just">
-                <a:buFont typeface="+mj-lt"/>
-                <a:buAutoNum type="romanUcPeriod"/>
-              </a:pPr>
-              <a:r>
-                <a:rPr lang="de-DE" sz="2500" dirty="0" smtClean="0">
-                  <a:solidFill>
-                    <a:schemeClr val="lt1"/>
-                  </a:solidFill>
-                  <a:latin typeface="Arial" panose="020B0604020202020204" pitchFamily="34" charset="0"/>
-                  <a:cs typeface="Arial" panose="020B0604020202020204" pitchFamily="34" charset="0"/>
-                </a:rPr>
-                <a:t>Lenkungsausschuss (Dozenten)</a:t>
-              </a:r>
-            </a:p>
-            <a:p>
-              <a:pPr marL="514350" indent="-514350" algn="just">
-                <a:buFont typeface="+mj-lt"/>
-                <a:buAutoNum type="romanUcPeriod"/>
-              </a:pPr>
-              <a:r>
-                <a:rPr lang="de-DE" sz="2500" dirty="0" smtClean="0">
-                  <a:solidFill>
-                    <a:schemeClr val="lt1"/>
-                  </a:solidFill>
-                  <a:latin typeface="Arial" panose="020B0604020202020204" pitchFamily="34" charset="0"/>
-                  <a:cs typeface="Arial" panose="020B0604020202020204" pitchFamily="34" charset="0"/>
-                </a:rPr>
-                <a:t>IT und Organisation (Projektteam)</a:t>
-              </a:r>
-            </a:p>
           </p:txBody>
         </p:sp>
       </p:grpSp>
@@ -4515,7 +4457,7 @@
         <p:grpSpPr>
           <a:xfrm>
             <a:off x="2115898" y="3950695"/>
-            <a:ext cx="10945216" cy="6056308"/>
+            <a:ext cx="11465148" cy="6056308"/>
             <a:chOff x="15503263" y="3792297"/>
             <a:chExt cx="10945216" cy="6056308"/>
           </a:xfrm>
@@ -4786,8 +4728,8 @@
         </p:nvGrpSpPr>
         <p:grpSpPr>
           <a:xfrm>
-            <a:off x="17660080" y="3949636"/>
-            <a:ext cx="10525358" cy="8332400"/>
+            <a:off x="14935239" y="3949636"/>
+            <a:ext cx="13250199" cy="7900141"/>
             <a:chOff x="115786" y="3792297"/>
             <a:chExt cx="10525358" cy="8332400"/>
           </a:xfrm>
@@ -5025,8 +4967,8 @@
           </p:blipFill>
           <p:spPr bwMode="auto">
             <a:xfrm>
-              <a:off x="504359" y="4956708"/>
-              <a:ext cx="2295525" cy="2266950"/>
+              <a:off x="765570" y="4956708"/>
+              <a:ext cx="1826460" cy="2473535"/>
             </a:xfrm>
             <a:prstGeom prst="rect">
               <a:avLst/>
@@ -5066,8 +5008,8 @@
           </p:blipFill>
           <p:spPr bwMode="auto">
             <a:xfrm>
-              <a:off x="3775578" y="4956708"/>
-              <a:ext cx="2295525" cy="2266950"/>
+              <a:off x="4036789" y="4956708"/>
+              <a:ext cx="1826460" cy="2473535"/>
             </a:xfrm>
             <a:prstGeom prst="rect">
               <a:avLst/>
@@ -5107,8 +5049,8 @@
           </p:blipFill>
           <p:spPr bwMode="auto">
             <a:xfrm>
-              <a:off x="7228342" y="4956708"/>
-              <a:ext cx="2295525" cy="2266950"/>
+              <a:off x="7489552" y="4956708"/>
+              <a:ext cx="1826460" cy="2473535"/>
             </a:xfrm>
             <a:prstGeom prst="rect">
               <a:avLst/>
@@ -5226,10 +5168,10 @@
         </p:nvGrpSpPr>
         <p:grpSpPr>
           <a:xfrm>
-            <a:off x="1705717" y="38555289"/>
-            <a:ext cx="14099545" cy="3874730"/>
-            <a:chOff x="14085893" y="37187717"/>
-            <a:chExt cx="14099545" cy="3874730"/>
+            <a:off x="1705718" y="37750078"/>
+            <a:ext cx="13293062" cy="4679941"/>
+            <a:chOff x="14085893" y="36382506"/>
+            <a:chExt cx="14099545" cy="4679941"/>
           </a:xfrm>
         </p:grpSpPr>
         <p:sp>
@@ -5240,8 +5182,8 @@
           </p:nvSpPr>
           <p:spPr>
             <a:xfrm>
-              <a:off x="14085893" y="37187717"/>
-              <a:ext cx="14099545" cy="3874730"/>
+              <a:off x="14085893" y="36382506"/>
+              <a:ext cx="14099545" cy="4679941"/>
             </a:xfrm>
             <a:prstGeom prst="roundRect">
               <a:avLst>
@@ -5352,7 +5294,7 @@
           </p:blipFill>
           <p:spPr bwMode="auto">
             <a:xfrm>
-              <a:off x="14439650" y="38441108"/>
+              <a:off x="14439649" y="37894674"/>
               <a:ext cx="13392029" cy="2142724"/>
             </a:xfrm>
             <a:prstGeom prst="rect">
@@ -5392,9 +5334,9 @@
         </p:nvGrpSpPr>
         <p:grpSpPr>
           <a:xfrm>
-            <a:off x="17795971" y="29460296"/>
-            <a:ext cx="10363504" cy="6774213"/>
-            <a:chOff x="16073984" y="29642326"/>
+            <a:off x="14631695" y="29397150"/>
+            <a:ext cx="13527780" cy="7065646"/>
+            <a:chOff x="16073984" y="29581785"/>
             <a:chExt cx="10363504" cy="6774213"/>
           </a:xfrm>
         </p:grpSpPr>
@@ -5406,7 +5348,7 @@
           </p:nvSpPr>
           <p:spPr>
             <a:xfrm>
-              <a:off x="16073984" y="29642326"/>
+              <a:off x="16073984" y="29581785"/>
               <a:ext cx="10363504" cy="6774213"/>
             </a:xfrm>
             <a:prstGeom prst="roundRect">
@@ -5524,30 +5466,25 @@
             <a:prstGeom prst="rect">
               <a:avLst/>
             </a:prstGeom>
-            <a:noFill/>
-            <a:ln>
-              <a:noFill/>
-            </a:ln>
-            <a:extLst>
-              <a:ext uri="{909E8E84-426E-40DD-AFC4-6F175D3DCCD1}">
-                <a14:hiddenFill xmlns:a14="http://schemas.microsoft.com/office/drawing/2010/main">
-                  <a:solidFill>
-                    <a:srgbClr val="FFFFFF"/>
-                  </a:solidFill>
-                </a14:hiddenFill>
-              </a:ext>
-              <a:ext uri="{91240B29-F687-4F45-9708-019B960494DF}">
-                <a14:hiddenLine xmlns:a14="http://schemas.microsoft.com/office/drawing/2010/main" w="9525">
-                  <a:solidFill>
-                    <a:srgbClr val="000000"/>
-                  </a:solidFill>
-                  <a:miter lim="800000"/>
-                  <a:headEnd/>
-                  <a:tailEnd/>
-                </a14:hiddenLine>
-              </a:ext>
-            </a:extLst>
+            <a:ln/>
+            <a:extLst/>
           </p:spPr>
+          <p:style>
+            <a:lnRef idx="2">
+              <a:schemeClr val="accent5">
+                <a:shade val="50000"/>
+              </a:schemeClr>
+            </a:lnRef>
+            <a:fillRef idx="1">
+              <a:schemeClr val="accent5"/>
+            </a:fillRef>
+            <a:effectRef idx="0">
+              <a:schemeClr val="accent5"/>
+            </a:effectRef>
+            <a:fontRef idx="minor">
+              <a:schemeClr val="lt1"/>
+            </a:fontRef>
+          </p:style>
         </p:pic>
       </p:grpSp>
       <p:grpSp>
@@ -5558,7 +5495,7 @@
         </p:nvGrpSpPr>
         <p:grpSpPr>
           <a:xfrm>
-            <a:off x="1711004" y="12829410"/>
+            <a:off x="1711004" y="12475270"/>
             <a:ext cx="26474434" cy="9674514"/>
             <a:chOff x="166259" y="12347652"/>
             <a:chExt cx="26474434" cy="9674514"/>
@@ -6178,6 +6115,123 @@
           </p:txBody>
         </p:sp>
       </p:grpSp>
+      <p:sp>
+        <p:nvSpPr>
+          <p:cNvPr id="32" name="Textfeld 31"/>
+          <p:cNvSpPr txBox="1"/>
+          <p:nvPr/>
+        </p:nvSpPr>
+        <p:spPr>
+          <a:xfrm>
+            <a:off x="8155211" y="25004662"/>
+            <a:ext cx="5528116" cy="2893100"/>
+          </a:xfrm>
+          <a:prstGeom prst="rect">
+            <a:avLst/>
+          </a:prstGeom>
+          <a:noFill/>
+        </p:spPr>
+        <p:txBody>
+          <a:bodyPr wrap="none" rtlCol="0">
+            <a:spAutoFit/>
+          </a:bodyPr>
+          <a:lstStyle/>
+          <a:p>
+            <a:pPr algn="just"/>
+            <a:r>
+              <a:rPr lang="de-DE" sz="2500" dirty="0" err="1">
+                <a:solidFill>
+                  <a:schemeClr val="lt1"/>
+                </a:solidFill>
+                <a:latin typeface="Arial" panose="020B0604020202020204" pitchFamily="34" charset="0"/>
+                <a:cs typeface="Arial" panose="020B0604020202020204" pitchFamily="34" charset="0"/>
+              </a:rPr>
+              <a:t>Stakeholderanalyse</a:t>
+            </a:r>
+            <a:r>
+              <a:rPr lang="de-DE" sz="2500" dirty="0">
+                <a:solidFill>
+                  <a:schemeClr val="lt1"/>
+                </a:solidFill>
+                <a:latin typeface="Arial" panose="020B0604020202020204" pitchFamily="34" charset="0"/>
+                <a:cs typeface="Arial" panose="020B0604020202020204" pitchFamily="34" charset="0"/>
+              </a:rPr>
+              <a:t> für</a:t>
+            </a:r>
+          </a:p>
+          <a:p>
+            <a:pPr marL="514350" indent="-514350" algn="just">
+              <a:buFont typeface="+mj-lt"/>
+              <a:buAutoNum type="romanUcPeriod"/>
+            </a:pPr>
+            <a:r>
+              <a:rPr lang="de-DE" sz="2500" dirty="0">
+                <a:solidFill>
+                  <a:schemeClr val="lt1"/>
+                </a:solidFill>
+                <a:latin typeface="Arial" panose="020B0604020202020204" pitchFamily="34" charset="0"/>
+                <a:cs typeface="Arial" panose="020B0604020202020204" pitchFamily="34" charset="0"/>
+              </a:rPr>
+              <a:t>Auftraggeber (</a:t>
+            </a:r>
+            <a:r>
+              <a:rPr lang="de-DE" sz="2500" dirty="0" err="1">
+                <a:solidFill>
+                  <a:schemeClr val="lt1"/>
+                </a:solidFill>
+                <a:latin typeface="Arial" panose="020B0604020202020204" pitchFamily="34" charset="0"/>
+                <a:cs typeface="Arial" panose="020B0604020202020204" pitchFamily="34" charset="0"/>
+              </a:rPr>
+              <a:t>HfTL</a:t>
+            </a:r>
+            <a:r>
+              <a:rPr lang="de-DE" sz="2500" dirty="0">
+                <a:solidFill>
+                  <a:schemeClr val="lt1"/>
+                </a:solidFill>
+                <a:latin typeface="Arial" panose="020B0604020202020204" pitchFamily="34" charset="0"/>
+                <a:cs typeface="Arial" panose="020B0604020202020204" pitchFamily="34" charset="0"/>
+              </a:rPr>
+              <a:t>)</a:t>
+            </a:r>
+          </a:p>
+          <a:p>
+            <a:pPr marL="514350" indent="-514350" algn="just">
+              <a:buFont typeface="+mj-lt"/>
+              <a:buAutoNum type="romanUcPeriod"/>
+            </a:pPr>
+            <a:r>
+              <a:rPr lang="de-DE" sz="2500" dirty="0">
+                <a:solidFill>
+                  <a:schemeClr val="lt1"/>
+                </a:solidFill>
+                <a:latin typeface="Arial" panose="020B0604020202020204" pitchFamily="34" charset="0"/>
+                <a:cs typeface="Arial" panose="020B0604020202020204" pitchFamily="34" charset="0"/>
+              </a:rPr>
+              <a:t>Lenkungsausschuss (Dozenten)</a:t>
+            </a:r>
+          </a:p>
+          <a:p>
+            <a:pPr marL="514350" indent="-514350" algn="just">
+              <a:buFont typeface="+mj-lt"/>
+              <a:buAutoNum type="romanUcPeriod"/>
+            </a:pPr>
+            <a:r>
+              <a:rPr lang="de-DE" sz="2500" dirty="0">
+                <a:solidFill>
+                  <a:schemeClr val="lt1"/>
+                </a:solidFill>
+                <a:latin typeface="Arial" panose="020B0604020202020204" pitchFamily="34" charset="0"/>
+                <a:cs typeface="Arial" panose="020B0604020202020204" pitchFamily="34" charset="0"/>
+              </a:rPr>
+              <a:t>IT und Organisation (Projektteam)</a:t>
+            </a:r>
+          </a:p>
+          <a:p>
+            <a:endParaRPr lang="de-DE" dirty="0"/>
+          </a:p>
+        </p:txBody>
+      </p:sp>
     </p:spTree>
     <p:extLst>
       <p:ext uri="{BB962C8B-B14F-4D97-AF65-F5344CB8AC3E}">
@@ -6738,7 +6792,7 @@
   <a:extraClrSchemeLst/>
   <a:extLst>
     <a:ext uri="{05A4C25C-085E-4340-85A3-A5531E510DB2}">
-      <thm15:themeFamily xmlns:thm15="http://schemas.microsoft.com/office/thememl/2012/main" name="Office Theme" id="{62F939B6-93AF-4DB8-9C6B-D6C7DFDC589F}" vid="{4A3C46E8-61CC-4603-A589-7422A47A8E4A}"/>
+      <thm15:themeFamily xmlns:thm15="http://schemas.microsoft.com/office/thememl/2012/main" xmlns="" name="Office Theme" id="{62F939B6-93AF-4DB8-9C6B-D6C7DFDC589F}" vid="{4A3C46E8-61CC-4603-A589-7422A47A8E4A}"/>
     </a:ext>
   </a:extLst>
 </a:theme>

--- a/Ausarbeitungen-Projektdoku/Miniposter.pptx
+++ b/Ausarbeitungen-Projektdoku/Miniposter.pptx
@@ -109,7 +109,7 @@
   </p:defaultTextStyle>
   <p:extLst>
     <p:ext uri="{EFAFB233-063F-42B5-8137-9DF3F51BA10A}">
-      <p15:sldGuideLst xmlns:p15="http://schemas.microsoft.com/office/powerpoint/2012/main" xmlns="">
+      <p15:sldGuideLst xmlns:p15="http://schemas.microsoft.com/office/powerpoint/2012/main">
         <p15:guide id="1" orient="horz" pos="13483">
           <p15:clr>
             <a:srgbClr val="A4A3A4"/>
@@ -208,7 +208,7 @@
           <a:p>
             <a:fld id="{381CEBEB-8E17-436E-B953-91520D649C80}" type="datetimeFigureOut">
               <a:rPr lang="de-DE" smtClean="0"/>
-              <a:t>12.01.2016</a:t>
+              <a:t>14.01.2016</a:t>
             </a:fld>
             <a:endParaRPr lang="de-DE"/>
           </a:p>
@@ -741,7 +741,7 @@
           <a:p>
             <a:fld id="{8E5A9B32-403F-47DB-A62E-56CDCAD5B4FF}" type="datetimeFigureOut">
               <a:rPr lang="de-DE" smtClean="0"/>
-              <a:t>12.01.2016</a:t>
+              <a:t>14.01.2016</a:t>
             </a:fld>
             <a:endParaRPr lang="de-DE"/>
           </a:p>
@@ -911,7 +911,7 @@
           <a:p>
             <a:fld id="{8E5A9B32-403F-47DB-A62E-56CDCAD5B4FF}" type="datetimeFigureOut">
               <a:rPr lang="de-DE" smtClean="0"/>
-              <a:t>12.01.2016</a:t>
+              <a:t>14.01.2016</a:t>
             </a:fld>
             <a:endParaRPr lang="de-DE"/>
           </a:p>
@@ -1091,7 +1091,7 @@
           <a:p>
             <a:fld id="{8E5A9B32-403F-47DB-A62E-56CDCAD5B4FF}" type="datetimeFigureOut">
               <a:rPr lang="de-DE" smtClean="0"/>
-              <a:t>12.01.2016</a:t>
+              <a:t>14.01.2016</a:t>
             </a:fld>
             <a:endParaRPr lang="de-DE"/>
           </a:p>
@@ -1261,7 +1261,7 @@
           <a:p>
             <a:fld id="{8E5A9B32-403F-47DB-A62E-56CDCAD5B4FF}" type="datetimeFigureOut">
               <a:rPr lang="de-DE" smtClean="0"/>
-              <a:t>12.01.2016</a:t>
+              <a:t>14.01.2016</a:t>
             </a:fld>
             <a:endParaRPr lang="de-DE"/>
           </a:p>
@@ -1507,7 +1507,7 @@
           <a:p>
             <a:fld id="{8E5A9B32-403F-47DB-A62E-56CDCAD5B4FF}" type="datetimeFigureOut">
               <a:rPr lang="de-DE" smtClean="0"/>
-              <a:t>12.01.2016</a:t>
+              <a:t>14.01.2016</a:t>
             </a:fld>
             <a:endParaRPr lang="de-DE"/>
           </a:p>
@@ -1795,7 +1795,7 @@
           <a:p>
             <a:fld id="{8E5A9B32-403F-47DB-A62E-56CDCAD5B4FF}" type="datetimeFigureOut">
               <a:rPr lang="de-DE" smtClean="0"/>
-              <a:t>12.01.2016</a:t>
+              <a:t>14.01.2016</a:t>
             </a:fld>
             <a:endParaRPr lang="de-DE"/>
           </a:p>
@@ -2222,7 +2222,7 @@
           <a:p>
             <a:fld id="{8E5A9B32-403F-47DB-A62E-56CDCAD5B4FF}" type="datetimeFigureOut">
               <a:rPr lang="de-DE" smtClean="0"/>
-              <a:t>12.01.2016</a:t>
+              <a:t>14.01.2016</a:t>
             </a:fld>
             <a:endParaRPr lang="de-DE"/>
           </a:p>
@@ -2340,7 +2340,7 @@
           <a:p>
             <a:fld id="{8E5A9B32-403F-47DB-A62E-56CDCAD5B4FF}" type="datetimeFigureOut">
               <a:rPr lang="de-DE" smtClean="0"/>
-              <a:t>12.01.2016</a:t>
+              <a:t>14.01.2016</a:t>
             </a:fld>
             <a:endParaRPr lang="de-DE"/>
           </a:p>
@@ -2435,7 +2435,7 @@
           <a:p>
             <a:fld id="{8E5A9B32-403F-47DB-A62E-56CDCAD5B4FF}" type="datetimeFigureOut">
               <a:rPr lang="de-DE" smtClean="0"/>
-              <a:t>12.01.2016</a:t>
+              <a:t>14.01.2016</a:t>
             </a:fld>
             <a:endParaRPr lang="de-DE"/>
           </a:p>
@@ -2712,7 +2712,7 @@
           <a:p>
             <a:fld id="{8E5A9B32-403F-47DB-A62E-56CDCAD5B4FF}" type="datetimeFigureOut">
               <a:rPr lang="de-DE" smtClean="0"/>
-              <a:t>12.01.2016</a:t>
+              <a:t>14.01.2016</a:t>
             </a:fld>
             <a:endParaRPr lang="de-DE"/>
           </a:p>
@@ -2965,7 +2965,7 @@
           <a:p>
             <a:fld id="{8E5A9B32-403F-47DB-A62E-56CDCAD5B4FF}" type="datetimeFigureOut">
               <a:rPr lang="de-DE" smtClean="0"/>
-              <a:t>12.01.2016</a:t>
+              <a:t>14.01.2016</a:t>
             </a:fld>
             <a:endParaRPr lang="de-DE"/>
           </a:p>
@@ -3178,7 +3178,7 @@
           <a:p>
             <a:fld id="{8E5A9B32-403F-47DB-A62E-56CDCAD5B4FF}" type="datetimeFigureOut">
               <a:rPr lang="de-DE" smtClean="0"/>
-              <a:t>12.01.2016</a:t>
+              <a:t>14.01.2016</a:t>
             </a:fld>
             <a:endParaRPr lang="de-DE"/>
           </a:p>
@@ -4306,7 +4306,7 @@
           <p:spPr>
             <a:xfrm>
               <a:off x="434436" y="24237727"/>
-              <a:ext cx="9637058" cy="3170099"/>
+              <a:ext cx="9637058" cy="5036544"/>
             </a:xfrm>
             <a:prstGeom prst="rect">
               <a:avLst/>
@@ -4361,7 +4361,7 @@
                   <a:latin typeface="Arial" panose="020B0604020202020204" pitchFamily="34" charset="0"/>
                   <a:cs typeface="Arial" panose="020B0604020202020204" pitchFamily="34" charset="0"/>
                 </a:rPr>
-                <a:t>auf</a:t>
+                <a:t>auf:</a:t>
               </a:r>
               <a:endParaRPr lang="de-DE" sz="2500" dirty="0" smtClean="0">
                 <a:solidFill>
@@ -4661,7 +4661,27 @@
                   <a:latin typeface="Arial" panose="020B0604020202020204" pitchFamily="34" charset="0"/>
                   <a:cs typeface="Arial" panose="020B0604020202020204" pitchFamily="34" charset="0"/>
                 </a:rPr>
-                <a:t>E-Mail gibt, ist man gezwungen eine Vielzahl von Büros aufzusuchen um weitere Informationen zu dem verlorenen Gegenstand zu erhalten. </a:t>
+                <a:t>E-Mail gibt, ist man gezwungen eine Vielzahl von Büros </a:t>
+              </a:r>
+              <a:r>
+                <a:rPr lang="de-DE" sz="2500" dirty="0" smtClean="0">
+                  <a:solidFill>
+                    <a:schemeClr val="lt1"/>
+                  </a:solidFill>
+                  <a:latin typeface="Arial" panose="020B0604020202020204" pitchFamily="34" charset="0"/>
+                  <a:cs typeface="Arial" panose="020B0604020202020204" pitchFamily="34" charset="0"/>
+                </a:rPr>
+                <a:t>aufzusuchen, </a:t>
+              </a:r>
+              <a:r>
+                <a:rPr lang="de-DE" sz="2500" dirty="0" smtClean="0">
+                  <a:solidFill>
+                    <a:schemeClr val="lt1"/>
+                  </a:solidFill>
+                  <a:latin typeface="Arial" panose="020B0604020202020204" pitchFamily="34" charset="0"/>
+                  <a:cs typeface="Arial" panose="020B0604020202020204" pitchFamily="34" charset="0"/>
+                </a:rPr>
+                <a:t>um weitere Informationen zu dem verlorenen Gegenstand zu erhalten. </a:t>
               </a:r>
             </a:p>
             <a:p>
@@ -4674,8 +4694,25 @@
                   <a:latin typeface="Arial" panose="020B0604020202020204" pitchFamily="34" charset="0"/>
                   <a:cs typeface="Arial" panose="020B0604020202020204" pitchFamily="34" charset="0"/>
                 </a:rPr>
-                <a:t>Da das Widerfinden verschwundener Gegenstände oft erfolglos bleibt, ergibt sich hieraus eine konkrete Frage.</a:t>
+                <a:t>Da das Widerfinden verschwundener Gegenstände oft erfolglos bleibt, ergibt sich hieraus eine konkrete </a:t>
               </a:r>
+              <a:r>
+                <a:rPr lang="de-DE" sz="2500" dirty="0" smtClean="0">
+                  <a:solidFill>
+                    <a:schemeClr val="lt1"/>
+                  </a:solidFill>
+                  <a:latin typeface="Arial" panose="020B0604020202020204" pitchFamily="34" charset="0"/>
+                  <a:cs typeface="Arial" panose="020B0604020202020204" pitchFamily="34" charset="0"/>
+                </a:rPr>
+                <a:t>Frage:</a:t>
+              </a:r>
+              <a:endParaRPr lang="de-DE" sz="2500" dirty="0" smtClean="0">
+                <a:solidFill>
+                  <a:schemeClr val="lt1"/>
+                </a:solidFill>
+                <a:latin typeface="Arial" panose="020B0604020202020204" pitchFamily="34" charset="0"/>
+                <a:cs typeface="Arial" panose="020B0604020202020204" pitchFamily="34" charset="0"/>
+              </a:endParaRPr>
             </a:p>
             <a:p>
               <a:pPr algn="just"/>
@@ -5132,7 +5169,7 @@
           <p:spPr>
             <a:xfrm>
               <a:off x="566935" y="8907060"/>
-              <a:ext cx="9637058" cy="2785378"/>
+              <a:ext cx="9637058" cy="2532010"/>
             </a:xfrm>
             <a:prstGeom prst="rect">
               <a:avLst/>
@@ -5154,7 +5191,37 @@
                   <a:latin typeface="Arial" panose="020B0604020202020204" pitchFamily="34" charset="0"/>
                   <a:cs typeface="Arial" panose="020B0604020202020204" pitchFamily="34" charset="0"/>
                 </a:rPr>
-                <a:t>Das Ziel dieses Projektes, ist es eine Web-basierte Software zu entwickeln, welche zwischen dem Finder und dem Suchenden vermittelt. Es soll dem Finder die Möglichkeit geboten werden einen gefundenen Artikel auf die Plattform zu stellen. Eine suchende Person muss diese dementsprechend finden können und schlussendlich muss ein gefundener Artikel auch wieder aus der Datenbank gelöscht werden können.</a:t>
+                <a:t>Das Ziel </a:t>
+              </a:r>
+              <a:r>
+                <a:rPr lang="de-DE" sz="2500" smtClean="0">
+                  <a:solidFill>
+                    <a:schemeClr val="lt1"/>
+                  </a:solidFill>
+                  <a:latin typeface="Arial" panose="020B0604020202020204" pitchFamily="34" charset="0"/>
+                  <a:cs typeface="Arial" panose="020B0604020202020204" pitchFamily="34" charset="0"/>
+                </a:rPr>
+                <a:t>dieses </a:t>
+              </a:r>
+              <a:r>
+                <a:rPr lang="de-DE" sz="2500" smtClean="0">
+                  <a:solidFill>
+                    <a:schemeClr val="lt1"/>
+                  </a:solidFill>
+                  <a:latin typeface="Arial" panose="020B0604020202020204" pitchFamily="34" charset="0"/>
+                  <a:cs typeface="Arial" panose="020B0604020202020204" pitchFamily="34" charset="0"/>
+                </a:rPr>
+                <a:t>Projektes ist </a:t>
+              </a:r>
+              <a:r>
+                <a:rPr lang="de-DE" sz="2500" dirty="0" smtClean="0">
+                  <a:solidFill>
+                    <a:schemeClr val="lt1"/>
+                  </a:solidFill>
+                  <a:latin typeface="Arial" panose="020B0604020202020204" pitchFamily="34" charset="0"/>
+                  <a:cs typeface="Arial" panose="020B0604020202020204" pitchFamily="34" charset="0"/>
+                </a:rPr>
+                <a:t>es eine Web-basierte Software zu entwickeln, welche zwischen dem Finder und dem Suchenden vermittelt. Es soll dem Finder die Möglichkeit geboten werden einen gefundenen Artikel auf die Plattform zu stellen. Eine suchende Person muss diese dementsprechend finden können und schlussendlich muss ein gefundener Artikel auch wieder aus der Datenbank gelöscht werden können.</a:t>
               </a:r>
             </a:p>
           </p:txBody>
@@ -5809,7 +5876,17 @@
                   <a:latin typeface="Arial" panose="020B0604020202020204" pitchFamily="34" charset="0"/>
                   <a:cs typeface="Arial" panose="020B0604020202020204" pitchFamily="34" charset="0"/>
                 </a:rPr>
-                <a:t>Gefundenes löschen</a:t>
+                <a:t>Gefundenes </a:t>
+              </a:r>
+              <a:r>
+                <a:rPr lang="de-DE" sz="3500" b="1" dirty="0" smtClean="0">
+                  <a:solidFill>
+                    <a:schemeClr val="lt1"/>
+                  </a:solidFill>
+                  <a:latin typeface="Arial" panose="020B0604020202020204" pitchFamily="34" charset="0"/>
+                  <a:cs typeface="Arial" panose="020B0604020202020204" pitchFamily="34" charset="0"/>
+                </a:rPr>
+                <a:t>entfernen</a:t>
               </a:r>
               <a:endParaRPr lang="de-DE" sz="3500" b="1" dirty="0">
                 <a:solidFill>
@@ -6156,8 +6233,25 @@
                 <a:latin typeface="Arial" panose="020B0604020202020204" pitchFamily="34" charset="0"/>
                 <a:cs typeface="Arial" panose="020B0604020202020204" pitchFamily="34" charset="0"/>
               </a:rPr>
-              <a:t> für</a:t>
-            </a:r>
+              <a:t> </a:t>
+            </a:r>
+            <a:r>
+              <a:rPr lang="de-DE" sz="2500" dirty="0" smtClean="0">
+                <a:solidFill>
+                  <a:schemeClr val="lt1"/>
+                </a:solidFill>
+                <a:latin typeface="Arial" panose="020B0604020202020204" pitchFamily="34" charset="0"/>
+                <a:cs typeface="Arial" panose="020B0604020202020204" pitchFamily="34" charset="0"/>
+              </a:rPr>
+              <a:t>für:</a:t>
+            </a:r>
+            <a:endParaRPr lang="de-DE" sz="2500" dirty="0">
+              <a:solidFill>
+                <a:schemeClr val="lt1"/>
+              </a:solidFill>
+              <a:latin typeface="Arial" panose="020B0604020202020204" pitchFamily="34" charset="0"/>
+              <a:cs typeface="Arial" panose="020B0604020202020204" pitchFamily="34" charset="0"/>
+            </a:endParaRPr>
           </a:p>
           <a:p>
             <a:pPr marL="514350" indent="-514350" algn="just">
@@ -6792,7 +6886,7 @@
   <a:extraClrSchemeLst/>
   <a:extLst>
     <a:ext uri="{05A4C25C-085E-4340-85A3-A5531E510DB2}">
-      <thm15:themeFamily xmlns:thm15="http://schemas.microsoft.com/office/thememl/2012/main" xmlns="" name="Office Theme" id="{62F939B6-93AF-4DB8-9C6B-D6C7DFDC589F}" vid="{4A3C46E8-61CC-4603-A589-7422A47A8E4A}"/>
+      <thm15:themeFamily xmlns:thm15="http://schemas.microsoft.com/office/thememl/2012/main" name="Office Theme" id="{62F939B6-93AF-4DB8-9C6B-D6C7DFDC589F}" vid="{4A3C46E8-61CC-4603-A589-7422A47A8E4A}"/>
     </a:ext>
   </a:extLst>
 </a:theme>
